--- a/en/ProgrammingLessons/advanced/scratch-GyroDrift.pptx
+++ b/en/ProgrammingLessons/advanced/scratch-GyroDrift.pptx
@@ -5,10 +5,10 @@
     <p:sldMasterId id="2147483835" r:id="rId1"/>
   </p:sldMasterIdLst>
   <p:notesMasterIdLst>
-    <p:notesMasterId r:id="rId13"/>
+    <p:notesMasterId r:id="rId15"/>
   </p:notesMasterIdLst>
   <p:handoutMasterIdLst>
-    <p:handoutMasterId r:id="rId14"/>
+    <p:handoutMasterId r:id="rId16"/>
   </p:handoutMasterIdLst>
   <p:sldIdLst>
     <p:sldId id="258" r:id="rId2"/>
@@ -17,11 +17,13 @@
     <p:sldId id="264" r:id="rId5"/>
     <p:sldId id="265" r:id="rId6"/>
     <p:sldId id="301" r:id="rId7"/>
-    <p:sldId id="282" r:id="rId8"/>
-    <p:sldId id="295" r:id="rId9"/>
-    <p:sldId id="298" r:id="rId10"/>
-    <p:sldId id="290" r:id="rId11"/>
-    <p:sldId id="274" r:id="rId12"/>
+    <p:sldId id="306" r:id="rId8"/>
+    <p:sldId id="307" r:id="rId9"/>
+    <p:sldId id="282" r:id="rId10"/>
+    <p:sldId id="308" r:id="rId11"/>
+    <p:sldId id="298" r:id="rId12"/>
+    <p:sldId id="290" r:id="rId13"/>
+    <p:sldId id="274" r:id="rId14"/>
   </p:sldIdLst>
   <p:sldSz cx="9144000" cy="6858000" type="screen4x3"/>
   <p:notesSz cx="6858000" cy="9144000"/>
@@ -221,7 +223,7 @@
           <a:p>
             <a:fld id="{E354B44E-40A3-0E46-B16A-9BF1250A248B}" type="datetimeFigureOut">
               <a:rPr lang="en-US" smtClean="0"/>
-              <a:t>12/28/19</a:t>
+              <a:t>12/30/19</a:t>
             </a:fld>
             <a:endParaRPr lang="en-US"/>
           </a:p>
@@ -387,7 +389,7 @@
           <a:p>
             <a:fld id="{C86AD16C-2DB4-6642-BAD4-9ED973A087A0}" type="datetimeFigureOut">
               <a:rPr lang="en-US" smtClean="0"/>
-              <a:t>12/28/19</a:t>
+              <a:t>12/30/19</a:t>
             </a:fld>
             <a:endParaRPr lang="en-US"/>
           </a:p>
@@ -981,7 +983,7 @@
     </p:spTree>
     <p:extLst>
       <p:ext uri="{BB962C8B-B14F-4D97-AF65-F5344CB8AC3E}">
-        <p14:creationId xmlns:p14="http://schemas.microsoft.com/office/powerpoint/2010/main" val="203441717"/>
+        <p14:creationId xmlns:p14="http://schemas.microsoft.com/office/powerpoint/2010/main" val="2794072865"/>
       </p:ext>
     </p:extLst>
   </p:cSld>
@@ -1056,7 +1058,7 @@
           <a:p>
             <a:fld id="{1E5BF589-3978-3C45-966B-D7B7A71F2A02}" type="slidenum">
               <a:rPr lang="en-US" smtClean="0"/>
-              <a:t>11</a:t>
+              <a:t>13</a:t>
             </a:fld>
             <a:endParaRPr lang="en-US"/>
           </a:p>
@@ -1107,9 +1109,9 @@
           <a:bodyPr/>
           <a:lstStyle/>
           <a:p>
-            <a:fld id="{2C555419-57F2-044C-9B85-C1C083469E06}" type="datetime1">
+            <a:fld id="{5D288186-0DD0-C845-B9C1-7D0297501CBE}" type="datetime1">
               <a:rPr lang="en-US" smtClean="0"/>
-              <a:t>12/28/19</a:t>
+              <a:t>12/30/19</a:t>
             </a:fld>
             <a:endParaRPr lang="en-US"/>
           </a:p>
@@ -1132,7 +1134,7 @@
           <a:p>
             <a:r>
               <a:rPr lang="en-US"/>
-              <a:t>© 2020 EV3Lessons.com, Last edit 12/28/2019</a:t>
+              <a:t>© 2020 EV3Lessons.com, Last edit 12/30/2019</a:t>
             </a:r>
           </a:p>
         </p:txBody>
@@ -1758,9 +1760,9 @@
           <a:bodyPr/>
           <a:lstStyle/>
           <a:p>
-            <a:fld id="{32A706FB-F773-B748-A4BC-280BD3EDD69C}" type="datetime1">
+            <a:fld id="{C516A2FE-AEEB-0740-B0C8-E867323132FA}" type="datetime1">
               <a:rPr lang="en-US" smtClean="0"/>
-              <a:t>12/28/19</a:t>
+              <a:t>12/30/19</a:t>
             </a:fld>
             <a:endParaRPr lang="en-US"/>
           </a:p>
@@ -1783,7 +1785,7 @@
           <a:p>
             <a:r>
               <a:rPr lang="en-US"/>
-              <a:t>© 2020 EV3Lessons.com, Last edit 12/28/2019</a:t>
+              <a:t>© 2020 EV3Lessons.com, Last edit 12/30/2019</a:t>
             </a:r>
           </a:p>
         </p:txBody>
@@ -2211,9 +2213,9 @@
           <a:bodyPr/>
           <a:lstStyle/>
           <a:p>
-            <a:fld id="{475A025E-5D66-8C4D-BD02-FDC188DDC157}" type="datetime1">
+            <a:fld id="{AD3E104C-A089-994D-AD09-CB2015158302}" type="datetime1">
               <a:rPr lang="en-US" smtClean="0"/>
-              <a:t>12/28/19</a:t>
+              <a:t>12/30/19</a:t>
             </a:fld>
             <a:endParaRPr lang="en-US" dirty="0"/>
           </a:p>
@@ -2236,7 +2238,7 @@
           <a:p>
             <a:r>
               <a:rPr lang="en-US"/>
-              <a:t>© 2020 EV3Lessons.com, Last edit 12/28/2019</a:t>
+              <a:t>© 2020 EV3Lessons.com, Last edit 12/30/2019</a:t>
             </a:r>
             <a:endParaRPr lang="en-US" dirty="0"/>
           </a:p>
@@ -2668,9 +2670,9 @@
           <a:bodyPr/>
           <a:lstStyle/>
           <a:p>
-            <a:fld id="{6AF87DCC-88E1-DB4C-A7B4-3F6C0EC6EBC8}" type="datetime1">
+            <a:fld id="{0E84F86A-6A6C-9445-A8E0-8B4A7AB09917}" type="datetime1">
               <a:rPr lang="en-US" smtClean="0"/>
-              <a:t>12/28/19</a:t>
+              <a:t>12/30/19</a:t>
             </a:fld>
             <a:endParaRPr lang="en-US"/>
           </a:p>
@@ -3385,9 +3387,9 @@
           <a:bodyPr/>
           <a:lstStyle/>
           <a:p>
-            <a:fld id="{3A8D51EC-5EEB-3E47-A543-6BC8D7DCB1F3}" type="datetime1">
+            <a:fld id="{20673EC8-F2B6-E741-9996-1F7832E005F0}" type="datetime1">
               <a:rPr lang="en-US" smtClean="0"/>
-              <a:t>12/28/19</a:t>
+              <a:t>12/30/19</a:t>
             </a:fld>
             <a:endParaRPr lang="en-US"/>
           </a:p>
@@ -3410,7 +3412,7 @@
           <a:p>
             <a:r>
               <a:rPr lang="en-US"/>
-              <a:t>© 2020 EV3Lessons.com, Last edit 12/28/2019</a:t>
+              <a:t>© 2020 EV3Lessons.com, Last edit 12/30/2019</a:t>
             </a:r>
           </a:p>
         </p:txBody>
@@ -3658,9 +3660,9 @@
           <a:bodyPr/>
           <a:lstStyle/>
           <a:p>
-            <a:fld id="{276392B4-31FA-5B47-BC27-96762F0A80DC}" type="datetime1">
+            <a:fld id="{F1D42B83-AFCB-714E-B158-CDE04411EDD8}" type="datetime1">
               <a:rPr lang="en-US" smtClean="0"/>
-              <a:t>12/28/19</a:t>
+              <a:t>12/30/19</a:t>
             </a:fld>
             <a:endParaRPr lang="en-US"/>
           </a:p>
@@ -3683,7 +3685,7 @@
           <a:p>
             <a:r>
               <a:rPr lang="en-US"/>
-              <a:t>© 2020 EV3Lessons.com, Last edit 12/28/2019</a:t>
+              <a:t>© 2020 EV3Lessons.com, Last edit 12/30/2019</a:t>
             </a:r>
           </a:p>
         </p:txBody>
@@ -3970,9 +3972,9 @@
           <a:bodyPr/>
           <a:lstStyle/>
           <a:p>
-            <a:fld id="{648FA67E-FCA5-B144-B7BB-9EE72C6D75D1}" type="datetime1">
+            <a:fld id="{C3E96E3F-1283-E549-A734-0B6294522C2F}" type="datetime1">
               <a:rPr lang="en-US" smtClean="0"/>
-              <a:t>12/28/19</a:t>
+              <a:t>12/30/19</a:t>
             </a:fld>
             <a:endParaRPr lang="en-US"/>
           </a:p>
@@ -3995,7 +3997,7 @@
           <a:p>
             <a:r>
               <a:rPr lang="en-US"/>
-              <a:t>© 2020 EV3Lessons.com, Last edit 12/28/2019</a:t>
+              <a:t>© 2020 EV3Lessons.com, Last edit 12/30/2019</a:t>
             </a:r>
           </a:p>
         </p:txBody>
@@ -4189,9 +4191,9 @@
           <a:bodyPr/>
           <a:lstStyle/>
           <a:p>
-            <a:fld id="{D4C6FD8B-FE3B-7A46-A023-A3515DDC0B10}" type="datetime1">
+            <a:fld id="{946911A9-FB6C-D44B-BFB5-A9AF4D5FE53F}" type="datetime1">
               <a:rPr lang="en-US" smtClean="0"/>
-              <a:t>12/28/19</a:t>
+              <a:t>12/30/19</a:t>
             </a:fld>
             <a:endParaRPr lang="en-US"/>
           </a:p>
@@ -4214,7 +4216,7 @@
           <a:p>
             <a:r>
               <a:rPr lang="en-US"/>
-              <a:t>© 2020 EV3Lessons.com, Last edit 12/28/2019</a:t>
+              <a:t>© 2020 EV3Lessons.com, Last edit 12/30/2019</a:t>
             </a:r>
           </a:p>
         </p:txBody>
@@ -4467,9 +4469,9 @@
           <a:bodyPr/>
           <a:lstStyle/>
           <a:p>
-            <a:fld id="{A523AADC-0D18-2341-8905-2D8DF523630E}" type="datetime1">
+            <a:fld id="{EAA28D72-6881-2241-9FF4-F4D85549F08E}" type="datetime1">
               <a:rPr lang="en-US" smtClean="0"/>
-              <a:t>12/28/19</a:t>
+              <a:t>12/30/19</a:t>
             </a:fld>
             <a:endParaRPr lang="en-US" dirty="0"/>
           </a:p>
@@ -4492,7 +4494,7 @@
           <a:p>
             <a:r>
               <a:rPr lang="en-US"/>
-              <a:t>© 2020 EV3Lessons.com, Last edit 12/28/2019</a:t>
+              <a:t>© 2020 EV3Lessons.com, Last edit 12/30/2019</a:t>
             </a:r>
             <a:endParaRPr lang="en-US" dirty="0"/>
           </a:p>
@@ -4710,9 +4712,9 @@
             </a:lvl1pPr>
           </a:lstStyle>
           <a:p>
-            <a:fld id="{1CAF2F66-BFC3-A342-8611-8293CDE76255}" type="datetime1">
+            <a:fld id="{E6226A83-66DE-4B4C-861F-A5F2B2D5A8E7}" type="datetime1">
               <a:rPr lang="en-US" smtClean="0"/>
-              <a:t>12/28/19</a:t>
+              <a:t>12/30/19</a:t>
             </a:fld>
             <a:endParaRPr lang="en-US" dirty="0"/>
           </a:p>
@@ -4753,7 +4755,7 @@
           <a:p>
             <a:r>
               <a:rPr lang="en-US"/>
-              <a:t>© 2020 EV3Lessons.com, Last edit 12/28/2019</a:t>
+              <a:t>© 2020 EV3Lessons.com, Last edit 12/30/2019</a:t>
             </a:r>
             <a:endParaRPr lang="en-US" dirty="0"/>
           </a:p>
@@ -5371,938 +5373,141 @@
       </p:grpSpPr>
       <p:sp>
         <p:nvSpPr>
-          <p:cNvPr id="2" name="Title 1"/>
-          <p:cNvSpPr>
-            <a:spLocks noGrp="1"/>
-          </p:cNvSpPr>
-          <p:nvPr>
-            <p:ph type="title"/>
-          </p:nvPr>
-        </p:nvSpPr>
-        <p:spPr/>
-        <p:txBody>
-          <a:bodyPr>
-            <a:normAutofit/>
-          </a:bodyPr>
-          <a:lstStyle/>
-          <a:p>
-            <a:r>
-              <a:rPr lang="en-US" dirty="0"/>
-              <a:t>Discussion Guide</a:t>
-            </a:r>
-          </a:p>
-        </p:txBody>
-      </p:sp>
-      <p:sp>
-        <p:nvSpPr>
-          <p:cNvPr id="7" name="Content Placeholder 2"/>
-          <p:cNvSpPr txBox="1">
-            <a:spLocks/>
-          </p:cNvSpPr>
-          <p:nvPr/>
+          <p:cNvPr id="2" name="Content Placeholder 1">
+            <a:extLst>
+              <a:ext uri="{FF2B5EF4-FFF2-40B4-BE49-F238E27FC236}">
+                <a16:creationId xmlns:a16="http://schemas.microsoft.com/office/drawing/2014/main" id="{07125CFA-275E-D346-A8BF-BF58C189A7D1}"/>
+              </a:ext>
+            </a:extLst>
+          </p:cNvPr>
+          <p:cNvSpPr>
+            <a:spLocks noGrp="1"/>
+          </p:cNvSpPr>
+          <p:nvPr>
+            <p:ph idx="1"/>
+          </p:nvPr>
         </p:nvSpPr>
         <p:spPr>
           <a:xfrm>
-            <a:off x="284163" y="1567543"/>
-            <a:ext cx="8574087" cy="4869489"/>
+            <a:off x="199698" y="1559378"/>
+            <a:ext cx="8658552" cy="2223423"/>
+          </a:xfrm>
+        </p:spPr>
+        <p:txBody>
+          <a:bodyPr>
+            <a:normAutofit fontScale="77500" lnSpcReduction="20000"/>
+          </a:bodyPr>
+          <a:lstStyle/>
+          <a:p>
+            <a:r>
+              <a:rPr lang="en-US" dirty="0"/>
+              <a:t>Reading the Gyro Sensor port as Infrared and then reading as a Gyro Sensor will cause the Gyro Sensor to reset</a:t>
+            </a:r>
+          </a:p>
+          <a:p>
+            <a:r>
+              <a:rPr lang="en-US" dirty="0"/>
+              <a:t>While it is resetting, the gyro will return a special value called Not a Number (NAN).  </a:t>
+            </a:r>
+          </a:p>
+          <a:p>
+            <a:r>
+              <a:rPr lang="en-US" dirty="0"/>
+              <a:t>Comparing to see that reading is a valid number makes sure that your calibration is completed.  If the reading is Not a Number (NAN), it should return false.</a:t>
+            </a:r>
+          </a:p>
+        </p:txBody>
+      </p:sp>
+      <p:sp>
+        <p:nvSpPr>
+          <p:cNvPr id="3" name="Footer Placeholder 2">
+            <a:extLst>
+              <a:ext uri="{FF2B5EF4-FFF2-40B4-BE49-F238E27FC236}">
+                <a16:creationId xmlns:a16="http://schemas.microsoft.com/office/drawing/2014/main" id="{427DF392-D5CE-D64B-AB49-3D202B2E1D3D}"/>
+              </a:ext>
+            </a:extLst>
+          </p:cNvPr>
+          <p:cNvSpPr>
+            <a:spLocks noGrp="1"/>
+          </p:cNvSpPr>
+          <p:nvPr>
+            <p:ph type="ftr" sz="quarter" idx="11"/>
+          </p:nvPr>
+        </p:nvSpPr>
+        <p:spPr/>
+        <p:txBody>
+          <a:bodyPr/>
+          <a:lstStyle/>
+          <a:p>
+            <a:r>
+              <a:rPr lang="en-US"/>
+              <a:t>© 2020 EV3Lessons.com, Last edit 12/30/2019</a:t>
+            </a:r>
+          </a:p>
+        </p:txBody>
+      </p:sp>
+      <p:sp>
+        <p:nvSpPr>
+          <p:cNvPr id="4" name="Title 3">
+            <a:extLst>
+              <a:ext uri="{FF2B5EF4-FFF2-40B4-BE49-F238E27FC236}">
+                <a16:creationId xmlns:a16="http://schemas.microsoft.com/office/drawing/2014/main" id="{4B8B7667-BD18-D045-9BC9-FF13E651F545}"/>
+              </a:ext>
+            </a:extLst>
+          </p:cNvPr>
+          <p:cNvSpPr>
+            <a:spLocks noGrp="1"/>
+          </p:cNvSpPr>
+          <p:nvPr>
+            <p:ph type="title"/>
+          </p:nvPr>
+        </p:nvSpPr>
+        <p:spPr/>
+        <p:txBody>
+          <a:bodyPr/>
+          <a:lstStyle/>
+          <a:p>
+            <a:r>
+              <a:rPr lang="en-US" dirty="0"/>
+              <a:t>Key Code Components</a:t>
+            </a:r>
+          </a:p>
+        </p:txBody>
+      </p:sp>
+      <p:pic>
+        <p:nvPicPr>
+          <p:cNvPr id="5" name="Picture 4">
+            <a:extLst>
+              <a:ext uri="{FF2B5EF4-FFF2-40B4-BE49-F238E27FC236}">
+                <a16:creationId xmlns:a16="http://schemas.microsoft.com/office/drawing/2014/main" id="{4708A299-13EF-2B49-B44D-16717B238F51}"/>
+              </a:ext>
+            </a:extLst>
+          </p:cNvPr>
+          <p:cNvPicPr>
+            <a:picLocks noChangeAspect="1"/>
+          </p:cNvPicPr>
+          <p:nvPr/>
+        </p:nvPicPr>
+        <p:blipFill>
+          <a:blip r:embed="rId2"/>
+          <a:stretch>
+            <a:fillRect/>
+          </a:stretch>
+        </p:blipFill>
+        <p:spPr>
+          <a:xfrm>
+            <a:off x="1845904" y="3782801"/>
+            <a:ext cx="5452191" cy="2484769"/>
           </a:xfrm>
           <a:prstGeom prst="rect">
             <a:avLst/>
           </a:prstGeom>
         </p:spPr>
-        <p:txBody>
-          <a:bodyPr>
-            <a:normAutofit/>
-          </a:bodyPr>
-          <a:lstStyle>
-            <a:lvl1pPr marL="454025" indent="-454025" algn="l" defTabSz="914400" rtl="0" eaLnBrk="1" latinLnBrk="0" hangingPunct="1">
-              <a:spcBef>
-                <a:spcPts val="2000"/>
-              </a:spcBef>
-              <a:buClr>
-                <a:schemeClr val="bg1">
-                  <a:lumMod val="65000"/>
-                </a:schemeClr>
-              </a:buClr>
-              <a:buSzPct val="90000"/>
-              <a:buFont typeface="Wingdings" pitchFamily="2" charset="2"/>
-              <a:buChar char=""/>
-              <a:defRPr sz="2400" kern="1200">
-                <a:solidFill>
-                  <a:schemeClr val="tx1">
-                    <a:lumMod val="85000"/>
-                    <a:lumOff val="15000"/>
-                  </a:schemeClr>
-                </a:solidFill>
-                <a:latin typeface="+mn-lt"/>
-                <a:ea typeface="+mn-ea"/>
-                <a:cs typeface="+mn-cs"/>
-              </a:defRPr>
-            </a:lvl1pPr>
-            <a:lvl2pPr marL="914400" indent="-457200" algn="l" defTabSz="914400" rtl="0" eaLnBrk="1" latinLnBrk="0" hangingPunct="1">
-              <a:spcBef>
-                <a:spcPts val="600"/>
-              </a:spcBef>
-              <a:buClr>
-                <a:schemeClr val="tx1">
-                  <a:lumMod val="75000"/>
-                  <a:lumOff val="25000"/>
-                </a:schemeClr>
-              </a:buClr>
-              <a:buSzPct val="90000"/>
-              <a:buFont typeface="Wingdings" pitchFamily="2" charset="2"/>
-              <a:buChar char=""/>
-              <a:defRPr sz="2200" kern="1200">
-                <a:solidFill>
-                  <a:schemeClr val="tx1">
-                    <a:lumMod val="85000"/>
-                    <a:lumOff val="15000"/>
-                  </a:schemeClr>
-                </a:solidFill>
-                <a:latin typeface="+mn-lt"/>
-                <a:ea typeface="+mn-ea"/>
-                <a:cs typeface="+mn-cs"/>
-              </a:defRPr>
-            </a:lvl2pPr>
-            <a:lvl3pPr marL="1260475" indent="-346075" algn="l" defTabSz="914400" rtl="0" eaLnBrk="1" latinLnBrk="0" hangingPunct="1">
-              <a:spcBef>
-                <a:spcPts val="600"/>
-              </a:spcBef>
-              <a:buClr>
-                <a:schemeClr val="bg1">
-                  <a:lumMod val="65000"/>
-                </a:schemeClr>
-              </a:buClr>
-              <a:buSzPct val="90000"/>
-              <a:buFont typeface="Wingdings" pitchFamily="2" charset="2"/>
-              <a:buChar char=""/>
-              <a:defRPr sz="2000" kern="1200">
-                <a:solidFill>
-                  <a:schemeClr val="tx1">
-                    <a:lumMod val="85000"/>
-                    <a:lumOff val="15000"/>
-                  </a:schemeClr>
-                </a:solidFill>
-                <a:latin typeface="+mn-lt"/>
-                <a:ea typeface="+mn-ea"/>
-                <a:cs typeface="+mn-cs"/>
-              </a:defRPr>
-            </a:lvl3pPr>
-            <a:lvl4pPr marL="1600200" indent="-339725" algn="l" defTabSz="914400" rtl="0" eaLnBrk="1" latinLnBrk="0" hangingPunct="1">
-              <a:spcBef>
-                <a:spcPts val="600"/>
-              </a:spcBef>
-              <a:buClr>
-                <a:schemeClr val="tx1">
-                  <a:lumMod val="75000"/>
-                  <a:lumOff val="25000"/>
-                </a:schemeClr>
-              </a:buClr>
-              <a:buSzPct val="90000"/>
-              <a:buFont typeface="Wingdings" pitchFamily="2" charset="2"/>
-              <a:buChar char=""/>
-              <a:defRPr sz="1800" kern="1200">
-                <a:solidFill>
-                  <a:schemeClr val="tx1">
-                    <a:lumMod val="85000"/>
-                    <a:lumOff val="15000"/>
-                  </a:schemeClr>
-                </a:solidFill>
-                <a:latin typeface="+mn-lt"/>
-                <a:ea typeface="+mn-ea"/>
-                <a:cs typeface="+mn-cs"/>
-              </a:defRPr>
-            </a:lvl4pPr>
-            <a:lvl5pPr marL="1939925" indent="-331788" algn="l" defTabSz="914400" rtl="0" eaLnBrk="1" latinLnBrk="0" hangingPunct="1">
-              <a:spcBef>
-                <a:spcPts val="600"/>
-              </a:spcBef>
-              <a:buClr>
-                <a:schemeClr val="bg1">
-                  <a:lumMod val="65000"/>
-                </a:schemeClr>
-              </a:buClr>
-              <a:buSzPct val="90000"/>
-              <a:buFont typeface="Wingdings" pitchFamily="2" charset="2"/>
-              <a:buChar char=""/>
-              <a:defRPr sz="1800" kern="1200">
-                <a:solidFill>
-                  <a:schemeClr val="tx1">
-                    <a:lumMod val="85000"/>
-                    <a:lumOff val="15000"/>
-                  </a:schemeClr>
-                </a:solidFill>
-                <a:latin typeface="+mn-lt"/>
-                <a:ea typeface="+mn-ea"/>
-                <a:cs typeface="+mn-cs"/>
-              </a:defRPr>
-            </a:lvl5pPr>
-            <a:lvl6pPr marL="2290763" indent="-344488" algn="l" defTabSz="914400" rtl="0" eaLnBrk="1" latinLnBrk="0" hangingPunct="1">
-              <a:spcBef>
-                <a:spcPts val="600"/>
-              </a:spcBef>
-              <a:buClr>
-                <a:schemeClr val="tx1">
-                  <a:lumMod val="75000"/>
-                  <a:lumOff val="25000"/>
-                </a:schemeClr>
-              </a:buClr>
-              <a:buSzPct val="90000"/>
-              <a:buFont typeface="Wingdings" pitchFamily="2" charset="2"/>
-              <a:buChar char=""/>
-              <a:defRPr lang="en-US" sz="1800" kern="1200" dirty="0" smtClean="0">
-                <a:solidFill>
-                  <a:schemeClr val="tx1">
-                    <a:lumMod val="85000"/>
-                    <a:lumOff val="15000"/>
-                  </a:schemeClr>
-                </a:solidFill>
-                <a:latin typeface="+mn-lt"/>
-                <a:ea typeface="+mn-ea"/>
-                <a:cs typeface="+mn-cs"/>
-              </a:defRPr>
-            </a:lvl6pPr>
-            <a:lvl7pPr marL="2625725" indent="-344488" algn="l" defTabSz="914400" rtl="0" eaLnBrk="1" latinLnBrk="0" hangingPunct="1">
-              <a:spcBef>
-                <a:spcPts val="600"/>
-              </a:spcBef>
-              <a:buClr>
-                <a:schemeClr val="bg1">
-                  <a:lumMod val="65000"/>
-                </a:schemeClr>
-              </a:buClr>
-              <a:buSzPct val="90000"/>
-              <a:buFont typeface="Wingdings" pitchFamily="2" charset="2"/>
-              <a:buChar char=""/>
-              <a:defRPr lang="en-US" sz="1800" kern="1200" dirty="0" smtClean="0">
-                <a:solidFill>
-                  <a:schemeClr val="tx1">
-                    <a:lumMod val="85000"/>
-                    <a:lumOff val="15000"/>
-                  </a:schemeClr>
-                </a:solidFill>
-                <a:latin typeface="+mn-lt"/>
-                <a:ea typeface="+mn-ea"/>
-                <a:cs typeface="+mn-cs"/>
-              </a:defRPr>
-            </a:lvl7pPr>
-            <a:lvl8pPr marL="2970213" indent="-344488" algn="l" defTabSz="914400" rtl="0" eaLnBrk="1" latinLnBrk="0" hangingPunct="1">
-              <a:spcBef>
-                <a:spcPts val="600"/>
-              </a:spcBef>
-              <a:buClr>
-                <a:schemeClr val="tx1">
-                  <a:lumMod val="75000"/>
-                  <a:lumOff val="25000"/>
-                </a:schemeClr>
-              </a:buClr>
-              <a:buSzPct val="90000"/>
-              <a:buFont typeface="Wingdings" pitchFamily="2" charset="2"/>
-              <a:buChar char=""/>
-              <a:defRPr lang="en-US" sz="1800" kern="1200" dirty="0" smtClean="0">
-                <a:solidFill>
-                  <a:schemeClr val="tx1">
-                    <a:lumMod val="85000"/>
-                    <a:lumOff val="15000"/>
-                  </a:schemeClr>
-                </a:solidFill>
-                <a:latin typeface="+mn-lt"/>
-                <a:ea typeface="+mn-ea"/>
-                <a:cs typeface="+mn-cs"/>
-              </a:defRPr>
-            </a:lvl8pPr>
-            <a:lvl9pPr marL="3313113" indent="-344488" algn="l" defTabSz="914400" rtl="0" eaLnBrk="1" latinLnBrk="0" hangingPunct="1">
-              <a:spcBef>
-                <a:spcPts val="600"/>
-              </a:spcBef>
-              <a:buClr>
-                <a:schemeClr val="bg1">
-                  <a:lumMod val="65000"/>
-                </a:schemeClr>
-              </a:buClr>
-              <a:buSzPct val="90000"/>
-              <a:buFont typeface="Wingdings" pitchFamily="2" charset="2"/>
-              <a:buChar char=""/>
-              <a:defRPr lang="en-US" sz="1800" kern="1200" dirty="0">
-                <a:solidFill>
-                  <a:schemeClr val="tx1">
-                    <a:lumMod val="85000"/>
-                    <a:lumOff val="15000"/>
-                  </a:schemeClr>
-                </a:solidFill>
-                <a:latin typeface="+mn-lt"/>
-                <a:ea typeface="+mn-ea"/>
-                <a:cs typeface="+mn-cs"/>
-              </a:defRPr>
-            </a:lvl9pPr>
-          </a:lstStyle>
-          <a:p>
-            <a:pPr marL="457200" indent="-457200">
-              <a:buFont typeface="+mj-lt"/>
-              <a:buAutoNum type="arabicPeriod"/>
-            </a:pPr>
-            <a:r>
-              <a:rPr lang="it-IT" b="1" dirty="0" err="1">
-                <a:solidFill>
-                  <a:schemeClr val="tx1"/>
-                </a:solidFill>
-              </a:rPr>
-              <a:t>What</a:t>
-            </a:r>
-            <a:r>
-              <a:rPr lang="it-IT" b="1" dirty="0">
-                <a:solidFill>
-                  <a:schemeClr val="tx1"/>
-                </a:solidFill>
-              </a:rPr>
-              <a:t> are 2 common </a:t>
-            </a:r>
-            <a:r>
-              <a:rPr lang="it-IT" b="1" dirty="0" err="1">
-                <a:solidFill>
-                  <a:schemeClr val="tx1"/>
-                </a:solidFill>
-              </a:rPr>
-              <a:t>problems</a:t>
-            </a:r>
-            <a:r>
-              <a:rPr lang="it-IT" b="1" dirty="0">
-                <a:solidFill>
-                  <a:schemeClr val="tx1"/>
-                </a:solidFill>
-              </a:rPr>
-              <a:t> </a:t>
-            </a:r>
-            <a:r>
-              <a:rPr lang="it-IT" b="1" dirty="0" err="1">
-                <a:solidFill>
-                  <a:schemeClr val="tx1"/>
-                </a:solidFill>
-              </a:rPr>
-              <a:t>when</a:t>
-            </a:r>
-            <a:r>
-              <a:rPr lang="it-IT" b="1" dirty="0">
-                <a:solidFill>
-                  <a:schemeClr val="tx1"/>
-                </a:solidFill>
-              </a:rPr>
-              <a:t> </a:t>
-            </a:r>
-            <a:r>
-              <a:rPr lang="it-IT" b="1" dirty="0" err="1">
-                <a:solidFill>
-                  <a:schemeClr val="tx1"/>
-                </a:solidFill>
-              </a:rPr>
-              <a:t>programming</a:t>
-            </a:r>
-            <a:r>
-              <a:rPr lang="it-IT" b="1" dirty="0">
-                <a:solidFill>
-                  <a:schemeClr val="tx1"/>
-                </a:solidFill>
-              </a:rPr>
-              <a:t> with the </a:t>
-            </a:r>
-            <a:r>
-              <a:rPr lang="it-IT" b="1" dirty="0" err="1">
-                <a:solidFill>
-                  <a:schemeClr val="tx1"/>
-                </a:solidFill>
-              </a:rPr>
-              <a:t>gyro</a:t>
-            </a:r>
-            <a:r>
-              <a:rPr lang="it-IT" b="1" dirty="0">
-                <a:solidFill>
-                  <a:schemeClr val="tx1"/>
-                </a:solidFill>
-              </a:rPr>
-              <a:t>?</a:t>
-            </a:r>
-          </a:p>
-          <a:p>
-            <a:pPr marL="460375" lvl="1" indent="0">
-              <a:buNone/>
-            </a:pPr>
-            <a:r>
-              <a:rPr lang="it-IT" dirty="0" err="1"/>
-              <a:t>Ans</a:t>
-            </a:r>
-            <a:r>
-              <a:rPr lang="it-IT" dirty="0"/>
-              <a:t>. </a:t>
-            </a:r>
-            <a:r>
-              <a:rPr lang="it-IT" dirty="0" err="1"/>
-              <a:t>Gryo</a:t>
-            </a:r>
-            <a:r>
-              <a:rPr lang="it-IT" dirty="0"/>
-              <a:t> </a:t>
-            </a:r>
-            <a:r>
-              <a:rPr lang="it-IT" dirty="0" err="1"/>
-              <a:t>drift</a:t>
-            </a:r>
-            <a:r>
-              <a:rPr lang="it-IT" dirty="0"/>
-              <a:t> and </a:t>
-            </a:r>
-            <a:r>
-              <a:rPr lang="it-IT" dirty="0" err="1"/>
-              <a:t>Gyro</a:t>
-            </a:r>
-            <a:r>
-              <a:rPr lang="it-IT" dirty="0"/>
-              <a:t> </a:t>
-            </a:r>
-            <a:r>
-              <a:rPr lang="it-IT" dirty="0" err="1"/>
-              <a:t>lag</a:t>
-            </a:r>
-            <a:endParaRPr lang="it-IT" dirty="0"/>
-          </a:p>
-          <a:p>
-            <a:pPr marL="457200" indent="-457200">
-              <a:buFont typeface="+mj-lt"/>
-              <a:buAutoNum type="arabicPeriod"/>
-            </a:pPr>
-            <a:r>
-              <a:rPr lang="it-IT" b="1" dirty="0" err="1">
-                <a:solidFill>
-                  <a:schemeClr val="tx1"/>
-                </a:solidFill>
-              </a:rPr>
-              <a:t>What</a:t>
-            </a:r>
-            <a:r>
-              <a:rPr lang="it-IT" b="1" dirty="0">
-                <a:solidFill>
-                  <a:schemeClr val="tx1"/>
-                </a:solidFill>
-              </a:rPr>
-              <a:t> </a:t>
-            </a:r>
-            <a:r>
-              <a:rPr lang="it-IT" b="1" dirty="0" err="1">
-                <a:solidFill>
-                  <a:schemeClr val="tx1"/>
-                </a:solidFill>
-              </a:rPr>
-              <a:t>does</a:t>
-            </a:r>
-            <a:r>
-              <a:rPr lang="it-IT" b="1" dirty="0">
-                <a:solidFill>
-                  <a:schemeClr val="tx1"/>
-                </a:solidFill>
-              </a:rPr>
-              <a:t> </a:t>
-            </a:r>
-            <a:r>
-              <a:rPr lang="it-IT" b="1" dirty="0" err="1">
-                <a:solidFill>
-                  <a:schemeClr val="tx1"/>
-                </a:solidFill>
-              </a:rPr>
-              <a:t>Gyro</a:t>
-            </a:r>
-            <a:r>
-              <a:rPr lang="it-IT" b="1" dirty="0">
-                <a:solidFill>
-                  <a:schemeClr val="tx1"/>
-                </a:solidFill>
-              </a:rPr>
-              <a:t> </a:t>
-            </a:r>
-            <a:r>
-              <a:rPr lang="it-IT" b="1" dirty="0" err="1">
-                <a:solidFill>
-                  <a:schemeClr val="tx1"/>
-                </a:solidFill>
-              </a:rPr>
-              <a:t>drift</a:t>
-            </a:r>
-            <a:r>
-              <a:rPr lang="it-IT" b="1" dirty="0">
-                <a:solidFill>
-                  <a:schemeClr val="tx1"/>
-                </a:solidFill>
-              </a:rPr>
-              <a:t> </a:t>
-            </a:r>
-            <a:r>
-              <a:rPr lang="it-IT" b="1" dirty="0" err="1">
-                <a:solidFill>
-                  <a:schemeClr val="tx1"/>
-                </a:solidFill>
-              </a:rPr>
-              <a:t>mean</a:t>
-            </a:r>
-            <a:r>
-              <a:rPr lang="it-IT" b="1" dirty="0">
-                <a:solidFill>
-                  <a:schemeClr val="tx1"/>
-                </a:solidFill>
-              </a:rPr>
-              <a:t>?</a:t>
-            </a:r>
-          </a:p>
-          <a:p>
-            <a:pPr marL="460375" lvl="1" indent="0">
-              <a:buNone/>
-            </a:pPr>
-            <a:r>
-              <a:rPr lang="it-IT" dirty="0" err="1"/>
-              <a:t>Ans</a:t>
-            </a:r>
-            <a:r>
-              <a:rPr lang="it-IT" dirty="0"/>
-              <a:t>. The </a:t>
-            </a:r>
-            <a:r>
-              <a:rPr lang="it-IT" dirty="0" err="1"/>
-              <a:t>Gyro</a:t>
-            </a:r>
-            <a:r>
-              <a:rPr lang="it-IT" dirty="0"/>
-              <a:t> </a:t>
-            </a:r>
-            <a:r>
-              <a:rPr lang="it-IT" dirty="0" err="1"/>
-              <a:t>readings</a:t>
-            </a:r>
-            <a:r>
-              <a:rPr lang="it-IT" dirty="0"/>
-              <a:t> </a:t>
-            </a:r>
-            <a:r>
-              <a:rPr lang="it-IT" dirty="0" err="1"/>
-              <a:t>keep</a:t>
-            </a:r>
-            <a:r>
-              <a:rPr lang="it-IT" dirty="0"/>
-              <a:t> </a:t>
-            </a:r>
-            <a:r>
-              <a:rPr lang="it-IT" dirty="0" err="1"/>
-              <a:t>changing</a:t>
-            </a:r>
-            <a:r>
-              <a:rPr lang="it-IT" dirty="0"/>
-              <a:t> </a:t>
-            </a:r>
-            <a:r>
-              <a:rPr lang="it-IT" dirty="0" err="1"/>
-              <a:t>even</a:t>
-            </a:r>
-            <a:r>
-              <a:rPr lang="it-IT" dirty="0"/>
-              <a:t> </a:t>
-            </a:r>
-            <a:r>
-              <a:rPr lang="it-IT" dirty="0" err="1"/>
-              <a:t>when</a:t>
-            </a:r>
-            <a:r>
-              <a:rPr lang="it-IT" dirty="0"/>
-              <a:t> the robot </a:t>
-            </a:r>
-            <a:r>
-              <a:rPr lang="it-IT" dirty="0" err="1"/>
-              <a:t>is</a:t>
-            </a:r>
-            <a:r>
-              <a:rPr lang="it-IT" dirty="0"/>
-              <a:t> </a:t>
-            </a:r>
-            <a:r>
-              <a:rPr lang="it-IT" dirty="0" err="1"/>
-              <a:t>still</a:t>
-            </a:r>
-            <a:endParaRPr lang="it-IT" dirty="0"/>
-          </a:p>
-          <a:p>
-            <a:pPr marL="457200" indent="-457200">
-              <a:buFont typeface="+mj-lt"/>
-              <a:buAutoNum type="arabicPeriod"/>
-            </a:pPr>
-            <a:r>
-              <a:rPr lang="it-IT" b="1" dirty="0">
-                <a:solidFill>
-                  <a:schemeClr val="tx1"/>
-                </a:solidFill>
-              </a:rPr>
-              <a:t>Can </a:t>
-            </a:r>
-            <a:r>
-              <a:rPr lang="it-IT" b="1" dirty="0" err="1">
-                <a:solidFill>
-                  <a:schemeClr val="tx1"/>
-                </a:solidFill>
-              </a:rPr>
-              <a:t>you</a:t>
-            </a:r>
-            <a:r>
-              <a:rPr lang="it-IT" b="1" dirty="0">
-                <a:solidFill>
-                  <a:schemeClr val="tx1"/>
-                </a:solidFill>
-              </a:rPr>
-              <a:t> </a:t>
-            </a:r>
-            <a:r>
-              <a:rPr lang="it-IT" b="1" dirty="0" err="1">
-                <a:solidFill>
-                  <a:schemeClr val="tx1"/>
-                </a:solidFill>
-              </a:rPr>
-              <a:t>move</a:t>
-            </a:r>
-            <a:r>
-              <a:rPr lang="it-IT" b="1" dirty="0">
-                <a:solidFill>
-                  <a:schemeClr val="tx1"/>
-                </a:solidFill>
-              </a:rPr>
-              <a:t> </a:t>
-            </a:r>
-            <a:r>
-              <a:rPr lang="it-IT" b="1" dirty="0" err="1">
-                <a:solidFill>
-                  <a:schemeClr val="tx1"/>
-                </a:solidFill>
-              </a:rPr>
-              <a:t>your</a:t>
-            </a:r>
-            <a:r>
-              <a:rPr lang="it-IT" b="1" dirty="0">
-                <a:solidFill>
-                  <a:schemeClr val="tx1"/>
-                </a:solidFill>
-              </a:rPr>
-              <a:t> robot </a:t>
-            </a:r>
-            <a:r>
-              <a:rPr lang="it-IT" b="1" dirty="0" err="1">
-                <a:solidFill>
-                  <a:schemeClr val="tx1"/>
-                </a:solidFill>
-              </a:rPr>
-              <a:t>when</a:t>
-            </a:r>
-            <a:r>
-              <a:rPr lang="it-IT" b="1" dirty="0">
-                <a:solidFill>
-                  <a:schemeClr val="tx1"/>
-                </a:solidFill>
-              </a:rPr>
-              <a:t> </a:t>
-            </a:r>
-            <a:r>
-              <a:rPr lang="it-IT" b="1" dirty="0" err="1">
-                <a:solidFill>
-                  <a:schemeClr val="tx1"/>
-                </a:solidFill>
-              </a:rPr>
-              <a:t>you</a:t>
-            </a:r>
-            <a:r>
-              <a:rPr lang="it-IT" b="1" dirty="0">
-                <a:solidFill>
-                  <a:schemeClr val="tx1"/>
-                </a:solidFill>
-              </a:rPr>
-              <a:t> calibrate </a:t>
-            </a:r>
-            <a:r>
-              <a:rPr lang="it-IT" b="1" dirty="0" err="1">
-                <a:solidFill>
-                  <a:schemeClr val="tx1"/>
-                </a:solidFill>
-              </a:rPr>
-              <a:t>your</a:t>
-            </a:r>
-            <a:r>
-              <a:rPr lang="it-IT" b="1" dirty="0">
-                <a:solidFill>
-                  <a:schemeClr val="tx1"/>
-                </a:solidFill>
-              </a:rPr>
-              <a:t> </a:t>
-            </a:r>
-            <a:r>
-              <a:rPr lang="it-IT" b="1" dirty="0" err="1">
-                <a:solidFill>
-                  <a:schemeClr val="tx1"/>
-                </a:solidFill>
-              </a:rPr>
-              <a:t>gyro</a:t>
-            </a:r>
-            <a:r>
-              <a:rPr lang="it-IT" b="1" dirty="0">
-                <a:solidFill>
-                  <a:schemeClr val="tx1"/>
-                </a:solidFill>
-              </a:rPr>
-              <a:t>?</a:t>
-            </a:r>
-          </a:p>
-          <a:p>
-            <a:pPr marL="460375" lvl="1" indent="0">
-              <a:buNone/>
-            </a:pPr>
-            <a:r>
-              <a:rPr lang="it-IT" dirty="0" err="1"/>
-              <a:t>Ans</a:t>
-            </a:r>
-            <a:r>
-              <a:rPr lang="it-IT" dirty="0"/>
-              <a:t>. No. </a:t>
-            </a:r>
-            <a:r>
-              <a:rPr lang="it-IT" dirty="0" err="1"/>
-              <a:t>Keep</a:t>
-            </a:r>
-            <a:r>
-              <a:rPr lang="it-IT" dirty="0"/>
-              <a:t> the robot </a:t>
-            </a:r>
-            <a:r>
-              <a:rPr lang="it-IT" dirty="0" err="1"/>
-              <a:t>still</a:t>
-            </a:r>
-            <a:r>
-              <a:rPr lang="it-IT" dirty="0"/>
-              <a:t>.</a:t>
-            </a:r>
-          </a:p>
-          <a:p>
-            <a:pPr marL="457200" indent="-457200">
-              <a:buFont typeface="+mj-lt"/>
-              <a:buAutoNum type="arabicPeriod"/>
-            </a:pPr>
-            <a:r>
-              <a:rPr lang="it-IT" b="1" dirty="0">
-                <a:solidFill>
-                  <a:schemeClr val="tx1"/>
-                </a:solidFill>
-              </a:rPr>
-              <a:t>Do </a:t>
-            </a:r>
-            <a:r>
-              <a:rPr lang="it-IT" b="1" dirty="0" err="1">
-                <a:solidFill>
-                  <a:schemeClr val="tx1"/>
-                </a:solidFill>
-              </a:rPr>
-              <a:t>you</a:t>
-            </a:r>
-            <a:r>
-              <a:rPr lang="it-IT" b="1" dirty="0">
-                <a:solidFill>
-                  <a:schemeClr val="tx1"/>
-                </a:solidFill>
-              </a:rPr>
-              <a:t> </a:t>
-            </a:r>
-            <a:r>
-              <a:rPr lang="it-IT" b="1" dirty="0" err="1">
-                <a:solidFill>
-                  <a:schemeClr val="tx1"/>
-                </a:solidFill>
-              </a:rPr>
-              <a:t>need</a:t>
-            </a:r>
-            <a:r>
-              <a:rPr lang="it-IT" b="1" dirty="0">
-                <a:solidFill>
-                  <a:schemeClr val="tx1"/>
-                </a:solidFill>
-              </a:rPr>
-              <a:t> to calibrate </a:t>
-            </a:r>
-            <a:r>
-              <a:rPr lang="it-IT" b="1" dirty="0" err="1">
-                <a:solidFill>
-                  <a:schemeClr val="tx1"/>
-                </a:solidFill>
-              </a:rPr>
-              <a:t>your</a:t>
-            </a:r>
-            <a:r>
-              <a:rPr lang="it-IT" b="1" dirty="0">
-                <a:solidFill>
-                  <a:schemeClr val="tx1"/>
-                </a:solidFill>
-              </a:rPr>
-              <a:t> </a:t>
-            </a:r>
-            <a:r>
-              <a:rPr lang="it-IT" b="1" dirty="0" err="1">
-                <a:solidFill>
-                  <a:schemeClr val="tx1"/>
-                </a:solidFill>
-              </a:rPr>
-              <a:t>gryo</a:t>
-            </a:r>
-            <a:r>
-              <a:rPr lang="it-IT" b="1" dirty="0">
-                <a:solidFill>
-                  <a:schemeClr val="tx1"/>
-                </a:solidFill>
-              </a:rPr>
-              <a:t> </a:t>
-            </a:r>
-            <a:r>
-              <a:rPr lang="it-IT" b="1" dirty="0" err="1">
-                <a:solidFill>
-                  <a:schemeClr val="tx1"/>
-                </a:solidFill>
-              </a:rPr>
-              <a:t>before</a:t>
-            </a:r>
-            <a:r>
-              <a:rPr lang="it-IT" b="1" dirty="0">
-                <a:solidFill>
-                  <a:schemeClr val="tx1"/>
-                </a:solidFill>
-              </a:rPr>
-              <a:t> </a:t>
-            </a:r>
-            <a:r>
-              <a:rPr lang="it-IT" b="1" dirty="0" err="1">
-                <a:solidFill>
-                  <a:schemeClr val="tx1"/>
-                </a:solidFill>
-              </a:rPr>
-              <a:t>every</a:t>
-            </a:r>
-            <a:r>
-              <a:rPr lang="it-IT" b="1" dirty="0">
-                <a:solidFill>
-                  <a:schemeClr val="tx1"/>
-                </a:solidFill>
-              </a:rPr>
-              <a:t> </a:t>
-            </a:r>
-            <a:r>
-              <a:rPr lang="it-IT" b="1" dirty="0" err="1">
-                <a:solidFill>
-                  <a:schemeClr val="tx1"/>
-                </a:solidFill>
-              </a:rPr>
-              <a:t>move</a:t>
-            </a:r>
-            <a:r>
-              <a:rPr lang="it-IT" b="1" dirty="0">
-                <a:solidFill>
-                  <a:schemeClr val="tx1"/>
-                </a:solidFill>
-              </a:rPr>
-              <a:t>?</a:t>
-            </a:r>
-          </a:p>
-          <a:p>
-            <a:pPr marL="460375" lvl="1" indent="0">
-              <a:buNone/>
-            </a:pPr>
-            <a:r>
-              <a:rPr lang="it-IT" dirty="0" err="1"/>
-              <a:t>Ans</a:t>
-            </a:r>
-            <a:r>
-              <a:rPr lang="it-IT" dirty="0"/>
-              <a:t>. No. Once </a:t>
-            </a:r>
-            <a:r>
-              <a:rPr lang="it-IT" dirty="0" err="1"/>
-              <a:t>before</a:t>
-            </a:r>
-            <a:r>
-              <a:rPr lang="it-IT" dirty="0"/>
-              <a:t> </a:t>
-            </a:r>
-            <a:r>
-              <a:rPr lang="it-IT" dirty="0" err="1"/>
-              <a:t>you</a:t>
-            </a:r>
-            <a:r>
-              <a:rPr lang="it-IT" dirty="0"/>
-              <a:t> </a:t>
-            </a:r>
-            <a:r>
-              <a:rPr lang="it-IT" dirty="0" err="1"/>
-              <a:t>run</a:t>
-            </a:r>
-            <a:r>
-              <a:rPr lang="it-IT" dirty="0"/>
-              <a:t> </a:t>
-            </a:r>
-            <a:r>
-              <a:rPr lang="it-IT" dirty="0" err="1"/>
-              <a:t>your</a:t>
-            </a:r>
-            <a:r>
-              <a:rPr lang="it-IT" dirty="0"/>
-              <a:t> </a:t>
-            </a:r>
-            <a:r>
-              <a:rPr lang="it-IT" dirty="0" err="1"/>
-              <a:t>entire</a:t>
-            </a:r>
-            <a:r>
-              <a:rPr lang="it-IT" dirty="0"/>
-              <a:t> </a:t>
-            </a:r>
-            <a:r>
-              <a:rPr lang="it-IT" dirty="0" err="1"/>
-              <a:t>program</a:t>
-            </a:r>
-            <a:endParaRPr lang="it-IT" dirty="0"/>
-          </a:p>
-        </p:txBody>
-      </p:sp>
-      <p:sp>
-        <p:nvSpPr>
-          <p:cNvPr id="8" name="Footer Placeholder 3">
-            <a:extLst>
-              <a:ext uri="{FF2B5EF4-FFF2-40B4-BE49-F238E27FC236}">
-                <a16:creationId xmlns:a16="http://schemas.microsoft.com/office/drawing/2014/main" id="{814A0FC6-3F8F-5142-A776-608EF51D4EE3}"/>
-              </a:ext>
-            </a:extLst>
-          </p:cNvPr>
-          <p:cNvSpPr>
-            <a:spLocks noGrp="1"/>
-          </p:cNvSpPr>
-          <p:nvPr>
-            <p:ph type="ftr" sz="quarter" idx="11"/>
-          </p:nvPr>
-        </p:nvSpPr>
-        <p:spPr>
-          <a:xfrm>
-            <a:off x="199698" y="6437032"/>
-            <a:ext cx="6124902" cy="365125"/>
-          </a:xfrm>
-        </p:spPr>
-        <p:txBody>
-          <a:bodyPr/>
-          <a:lstStyle/>
-          <a:p>
-            <a:r>
-              <a:rPr lang="en-US"/>
-              <a:t>© 2020 EV3Lessons.com, Last edit 12/28/2019</a:t>
-            </a:r>
-            <a:endParaRPr lang="en-US" dirty="0"/>
-          </a:p>
-        </p:txBody>
-      </p:sp>
+      </p:pic>
     </p:spTree>
     <p:extLst>
       <p:ext uri="{BB962C8B-B14F-4D97-AF65-F5344CB8AC3E}">
-        <p14:creationId xmlns:p14="http://schemas.microsoft.com/office/powerpoint/2010/main" val="2340946511"/>
+        <p14:creationId xmlns:p14="http://schemas.microsoft.com/office/powerpoint/2010/main" val="532968091"/>
       </p:ext>
     </p:extLst>
   </p:cSld>
@@ -6331,1636 +5536,22 @@
       </p:grpSpPr>
       <p:sp>
         <p:nvSpPr>
-          <p:cNvPr id="3" name="Content Placeholder 2"/>
-          <p:cNvSpPr>
-            <a:spLocks noGrp="1"/>
-          </p:cNvSpPr>
-          <p:nvPr>
-            <p:ph idx="1"/>
-          </p:nvPr>
-        </p:nvSpPr>
-        <p:spPr>
-          <a:xfrm>
-            <a:off x="284163" y="1818870"/>
-            <a:ext cx="8574087" cy="2877116"/>
-          </a:xfrm>
-        </p:spPr>
+          <p:cNvPr id="3" name="Footer Placeholder 2"/>
+          <p:cNvSpPr>
+            <a:spLocks noGrp="1"/>
+          </p:cNvSpPr>
+          <p:nvPr>
+            <p:ph type="ftr" sz="quarter" idx="11"/>
+          </p:nvPr>
+        </p:nvSpPr>
+        <p:spPr/>
         <p:txBody>
           <a:bodyPr/>
           <a:lstStyle/>
           <a:p>
             <a:r>
-              <a:rPr lang="en-US" dirty="0"/>
-              <a:t>This tutorial was written by Sanjay Seshan and Arvind Seshan </a:t>
-            </a:r>
-          </a:p>
-          <a:p>
-            <a:r>
-              <a:rPr lang="en-US" dirty="0"/>
-              <a:t>More lessons at </a:t>
-            </a:r>
-            <a:r>
-              <a:rPr lang="en-US" dirty="0">
-                <a:hlinkClick r:id="rId3"/>
-              </a:rPr>
-              <a:t>www.ev3lessons.com</a:t>
-            </a:r>
-            <a:endParaRPr lang="en-US" dirty="0"/>
-          </a:p>
-        </p:txBody>
-      </p:sp>
-      <p:sp>
-        <p:nvSpPr>
-          <p:cNvPr id="4" name="Footer Placeholder 3"/>
-          <p:cNvSpPr>
-            <a:spLocks noGrp="1"/>
-          </p:cNvSpPr>
-          <p:nvPr>
-            <p:ph type="ftr" sz="quarter" idx="11"/>
-          </p:nvPr>
-        </p:nvSpPr>
-        <p:spPr/>
-        <p:txBody>
-          <a:bodyPr/>
-          <a:lstStyle/>
-          <a:p>
-            <a:r>
               <a:rPr lang="en-US"/>
-              <a:t>© 2020 EV3Lessons.com, Last edit 12/28/2019</a:t>
-            </a:r>
-            <a:endParaRPr lang="en-US" dirty="0"/>
-          </a:p>
-        </p:txBody>
-      </p:sp>
-      <p:sp>
-        <p:nvSpPr>
-          <p:cNvPr id="2" name="Title 1"/>
-          <p:cNvSpPr>
-            <a:spLocks noGrp="1"/>
-          </p:cNvSpPr>
-          <p:nvPr>
-            <p:ph type="title"/>
-          </p:nvPr>
-        </p:nvSpPr>
-        <p:spPr/>
-        <p:txBody>
-          <a:bodyPr/>
-          <a:lstStyle/>
-          <a:p>
-            <a:r>
-              <a:rPr lang="en-US"/>
-              <a:t>Credits</a:t>
-            </a:r>
-            <a:endParaRPr lang="en-US" dirty="0"/>
-          </a:p>
-        </p:txBody>
-      </p:sp>
-      <p:sp>
-        <p:nvSpPr>
-          <p:cNvPr id="5" name="Rectangle 1"/>
-          <p:cNvSpPr>
-            <a:spLocks noChangeArrowheads="1"/>
-          </p:cNvSpPr>
-          <p:nvPr/>
-        </p:nvSpPr>
-        <p:spPr bwMode="auto">
-          <a:xfrm>
-            <a:off x="457199" y="5391957"/>
-            <a:ext cx="7913347" cy="923330"/>
-          </a:xfrm>
-          <a:prstGeom prst="rect">
-            <a:avLst/>
-          </a:prstGeom>
-          <a:solidFill>
-            <a:srgbClr val="F5F5F5"/>
-          </a:solidFill>
-          <a:ln>
-            <a:noFill/>
-          </a:ln>
-          <a:effectLst/>
-          <a:extLst>
-            <a:ext uri="{91240B29-F687-4f45-9708-019B960494DF}">
-              <a14:hiddenLine xmlns:a14="http://schemas.microsoft.com/office/drawing/2010/main" xmlns="" w="9525">
-                <a:solidFill>
-                  <a:schemeClr val="tx1"/>
-                </a:solidFill>
-                <a:miter lim="800000"/>
-                <a:headEnd/>
-                <a:tailEnd/>
-              </a14:hiddenLine>
-            </a:ext>
-            <a:ext uri="{AF507438-7753-43e0-B8FC-AC1667EBCBE1}">
-              <a14:hiddenEffects xmlns:a14="http://schemas.microsoft.com/office/drawing/2010/main" xmlns="">
-                <a:effectLst>
-                  <a:outerShdw dist="35921" dir="2700000" algn="ctr" rotWithShape="0">
-                    <a:schemeClr val="bg2"/>
-                  </a:outerShdw>
-                </a:effectLst>
-              </a14:hiddenEffects>
-            </a:ext>
-          </a:extLst>
-        </p:spPr>
-        <p:txBody>
-          <a:bodyPr vert="horz" wrap="square" lIns="0" tIns="0" rIns="0" bIns="0" numCol="1" anchor="ctr" anchorCtr="0" compatLnSpc="1">
-            <a:prstTxWarp prst="textNoShape">
-              <a:avLst/>
-            </a:prstTxWarp>
-            <a:spAutoFit/>
-          </a:bodyPr>
-          <a:lstStyle>
-            <a:lvl1pPr eaLnBrk="0" fontAlgn="base" hangingPunct="0">
-              <a:spcBef>
-                <a:spcPct val="0"/>
-              </a:spcBef>
-              <a:spcAft>
-                <a:spcPct val="0"/>
-              </a:spcAft>
-              <a:defRPr>
-                <a:solidFill>
-                  <a:schemeClr val="tx1"/>
-                </a:solidFill>
-                <a:latin typeface="Arial" panose="020B0604020202020204" pitchFamily="34" charset="0"/>
-              </a:defRPr>
-            </a:lvl1pPr>
-            <a:lvl2pPr eaLnBrk="0" fontAlgn="base" hangingPunct="0">
-              <a:spcBef>
-                <a:spcPct val="0"/>
-              </a:spcBef>
-              <a:spcAft>
-                <a:spcPct val="0"/>
-              </a:spcAft>
-              <a:defRPr>
-                <a:solidFill>
-                  <a:schemeClr val="tx1"/>
-                </a:solidFill>
-                <a:latin typeface="Arial" panose="020B0604020202020204" pitchFamily="34" charset="0"/>
-              </a:defRPr>
-            </a:lvl2pPr>
-            <a:lvl3pPr eaLnBrk="0" fontAlgn="base" hangingPunct="0">
-              <a:spcBef>
-                <a:spcPct val="0"/>
-              </a:spcBef>
-              <a:spcAft>
-                <a:spcPct val="0"/>
-              </a:spcAft>
-              <a:defRPr>
-                <a:solidFill>
-                  <a:schemeClr val="tx1"/>
-                </a:solidFill>
-                <a:latin typeface="Arial" panose="020B0604020202020204" pitchFamily="34" charset="0"/>
-              </a:defRPr>
-            </a:lvl3pPr>
-            <a:lvl4pPr eaLnBrk="0" fontAlgn="base" hangingPunct="0">
-              <a:spcBef>
-                <a:spcPct val="0"/>
-              </a:spcBef>
-              <a:spcAft>
-                <a:spcPct val="0"/>
-              </a:spcAft>
-              <a:defRPr>
-                <a:solidFill>
-                  <a:schemeClr val="tx1"/>
-                </a:solidFill>
-                <a:latin typeface="Arial" panose="020B0604020202020204" pitchFamily="34" charset="0"/>
-              </a:defRPr>
-            </a:lvl4pPr>
-            <a:lvl5pPr eaLnBrk="0" fontAlgn="base" hangingPunct="0">
-              <a:spcBef>
-                <a:spcPct val="0"/>
-              </a:spcBef>
-              <a:spcAft>
-                <a:spcPct val="0"/>
-              </a:spcAft>
-              <a:defRPr>
-                <a:solidFill>
-                  <a:schemeClr val="tx1"/>
-                </a:solidFill>
-                <a:latin typeface="Arial" panose="020B0604020202020204" pitchFamily="34" charset="0"/>
-              </a:defRPr>
-            </a:lvl5pPr>
-            <a:lvl6pPr eaLnBrk="0" fontAlgn="base" hangingPunct="0">
-              <a:spcBef>
-                <a:spcPct val="0"/>
-              </a:spcBef>
-              <a:spcAft>
-                <a:spcPct val="0"/>
-              </a:spcAft>
-              <a:defRPr>
-                <a:solidFill>
-                  <a:schemeClr val="tx1"/>
-                </a:solidFill>
-                <a:latin typeface="Arial" panose="020B0604020202020204" pitchFamily="34" charset="0"/>
-              </a:defRPr>
-            </a:lvl6pPr>
-            <a:lvl7pPr eaLnBrk="0" fontAlgn="base" hangingPunct="0">
-              <a:spcBef>
-                <a:spcPct val="0"/>
-              </a:spcBef>
-              <a:spcAft>
-                <a:spcPct val="0"/>
-              </a:spcAft>
-              <a:defRPr>
-                <a:solidFill>
-                  <a:schemeClr val="tx1"/>
-                </a:solidFill>
-                <a:latin typeface="Arial" panose="020B0604020202020204" pitchFamily="34" charset="0"/>
-              </a:defRPr>
-            </a:lvl7pPr>
-            <a:lvl8pPr eaLnBrk="0" fontAlgn="base" hangingPunct="0">
-              <a:spcBef>
-                <a:spcPct val="0"/>
-              </a:spcBef>
-              <a:spcAft>
-                <a:spcPct val="0"/>
-              </a:spcAft>
-              <a:defRPr>
-                <a:solidFill>
-                  <a:schemeClr val="tx1"/>
-                </a:solidFill>
-                <a:latin typeface="Arial" panose="020B0604020202020204" pitchFamily="34" charset="0"/>
-              </a:defRPr>
-            </a:lvl8pPr>
-            <a:lvl9pPr eaLnBrk="0" fontAlgn="base" hangingPunct="0">
-              <a:spcBef>
-                <a:spcPct val="0"/>
-              </a:spcBef>
-              <a:spcAft>
-                <a:spcPct val="0"/>
-              </a:spcAft>
-              <a:defRPr>
-                <a:solidFill>
-                  <a:schemeClr val="tx1"/>
-                </a:solidFill>
-                <a:latin typeface="Arial" panose="020B0604020202020204" pitchFamily="34" charset="0"/>
-              </a:defRPr>
-            </a:lvl9pPr>
-          </a:lstStyle>
-          <a:p>
-            <a:pPr marL="0" marR="0" lvl="0" indent="0" algn="ctr" defTabSz="914400" rtl="0" eaLnBrk="0" fontAlgn="base" latinLnBrk="0" hangingPunct="0">
-              <a:lnSpc>
-                <a:spcPct val="100000"/>
-              </a:lnSpc>
-              <a:spcBef>
-                <a:spcPct val="0"/>
-              </a:spcBef>
-              <a:spcAft>
-                <a:spcPct val="0"/>
-              </a:spcAft>
-              <a:buClrTx/>
-              <a:buSzTx/>
-              <a:buFontTx/>
-              <a:buNone/>
-              <a:tabLst/>
-            </a:pPr>
-            <a:r>
-              <a:rPr kumimoji="0" lang="en-US" altLang="en-US" sz="2000" b="0" i="0" u="none" strike="noStrike" cap="none" normalizeH="0" baseline="0" dirty="0">
-                <a:ln>
-                  <a:noFill/>
-                </a:ln>
-                <a:solidFill>
-                  <a:srgbClr val="4374B7"/>
-                </a:solidFill>
-                <a:effectLst/>
-                <a:latin typeface="Helvetica Neue"/>
-              </a:rPr>
-              <a:t>                         </a:t>
-            </a:r>
-            <a:br>
-              <a:rPr kumimoji="0" lang="en-US" altLang="en-US" sz="1600" b="0" i="0" u="none" strike="noStrike" cap="none" normalizeH="0" baseline="0" dirty="0">
-                <a:ln>
-                  <a:noFill/>
-                </a:ln>
-                <a:solidFill>
-                  <a:schemeClr val="tx1"/>
-                </a:solidFill>
-                <a:effectLst/>
-              </a:rPr>
-            </a:br>
-            <a:r>
-              <a:rPr kumimoji="0" lang="en-US" altLang="en-US" sz="2000" b="0" i="0" u="none" strike="noStrike" cap="none" normalizeH="0" baseline="0" dirty="0">
-                <a:ln>
-                  <a:noFill/>
-                </a:ln>
-                <a:solidFill>
-                  <a:srgbClr val="000000"/>
-                </a:solidFill>
-                <a:effectLst/>
-                <a:latin typeface="Helvetica Neue"/>
-              </a:rPr>
-              <a:t>This work is licensed under a </a:t>
-            </a:r>
-            <a:r>
-              <a:rPr kumimoji="0" lang="en-US" altLang="en-US" sz="2000" b="0" i="0" u="none" strike="noStrike" cap="none" normalizeH="0" baseline="0" dirty="0">
-                <a:ln>
-                  <a:noFill/>
-                </a:ln>
-                <a:solidFill>
-                  <a:srgbClr val="4374B7"/>
-                </a:solidFill>
-                <a:effectLst/>
-                <a:latin typeface="Helvetica Neue"/>
-                <a:hlinkClick r:id="rId4"/>
-              </a:rPr>
-              <a:t>Creative Commons Attribution-</a:t>
-            </a:r>
-            <a:r>
-              <a:rPr kumimoji="0" lang="en-US" altLang="en-US" sz="2000" b="0" i="0" u="none" strike="noStrike" cap="none" normalizeH="0" baseline="0" dirty="0" err="1">
-                <a:ln>
-                  <a:noFill/>
-                </a:ln>
-                <a:solidFill>
-                  <a:srgbClr val="4374B7"/>
-                </a:solidFill>
-                <a:effectLst/>
-                <a:latin typeface="Helvetica Neue"/>
-                <a:hlinkClick r:id="rId4"/>
-              </a:rPr>
-              <a:t>NonCommercial</a:t>
-            </a:r>
-            <a:r>
-              <a:rPr kumimoji="0" lang="en-US" altLang="en-US" sz="2000" b="0" i="0" u="none" strike="noStrike" cap="none" normalizeH="0" baseline="0" dirty="0">
-                <a:ln>
-                  <a:noFill/>
-                </a:ln>
-                <a:solidFill>
-                  <a:srgbClr val="4374B7"/>
-                </a:solidFill>
-                <a:effectLst/>
-                <a:latin typeface="Helvetica Neue"/>
-                <a:hlinkClick r:id="rId4"/>
-              </a:rPr>
-              <a:t>-</a:t>
-            </a:r>
-            <a:r>
-              <a:rPr kumimoji="0" lang="en-US" altLang="en-US" sz="2000" b="0" i="0" u="none" strike="noStrike" cap="none" normalizeH="0" baseline="0" dirty="0" err="1">
-                <a:ln>
-                  <a:noFill/>
-                </a:ln>
-                <a:solidFill>
-                  <a:srgbClr val="4374B7"/>
-                </a:solidFill>
-                <a:effectLst/>
-                <a:latin typeface="Helvetica Neue"/>
-                <a:hlinkClick r:id="rId4"/>
-              </a:rPr>
-              <a:t>ShareAlike</a:t>
-            </a:r>
-            <a:r>
-              <a:rPr kumimoji="0" lang="en-US" altLang="en-US" sz="2000" b="0" i="0" u="none" strike="noStrike" cap="none" normalizeH="0" baseline="0" dirty="0">
-                <a:ln>
-                  <a:noFill/>
-                </a:ln>
-                <a:solidFill>
-                  <a:srgbClr val="4374B7"/>
-                </a:solidFill>
-                <a:effectLst/>
-                <a:latin typeface="Helvetica Neue"/>
-                <a:hlinkClick r:id="rId4"/>
-              </a:rPr>
-              <a:t> 4.0 International License</a:t>
-            </a:r>
-            <a:r>
-              <a:rPr kumimoji="0" lang="en-US" altLang="en-US" sz="2000" b="0" i="0" u="none" strike="noStrike" cap="none" normalizeH="0" baseline="0" dirty="0">
-                <a:ln>
-                  <a:noFill/>
-                </a:ln>
-                <a:solidFill>
-                  <a:srgbClr val="000000"/>
-                </a:solidFill>
-                <a:effectLst/>
-                <a:latin typeface="Helvetica Neue"/>
-              </a:rPr>
-              <a:t>.</a:t>
-            </a:r>
-            <a:r>
-              <a:rPr kumimoji="0" lang="en-US" altLang="en-US" sz="1600" b="0" i="0" u="none" strike="noStrike" cap="none" normalizeH="0" baseline="0" dirty="0">
-                <a:ln>
-                  <a:noFill/>
-                </a:ln>
-                <a:solidFill>
-                  <a:schemeClr val="tx1"/>
-                </a:solidFill>
-                <a:effectLst/>
-              </a:rPr>
-              <a:t> </a:t>
-            </a:r>
-            <a:endParaRPr kumimoji="0" lang="en-US" altLang="en-US" sz="2000" b="0" i="0" u="none" strike="noStrike" cap="none" normalizeH="0" baseline="0" dirty="0">
-              <a:ln>
-                <a:noFill/>
-              </a:ln>
-              <a:solidFill>
-                <a:srgbClr val="4374B7"/>
-              </a:solidFill>
-              <a:effectLst/>
-              <a:latin typeface="Helvetica Neue"/>
-            </a:endParaRPr>
-          </a:p>
-        </p:txBody>
-      </p:sp>
-      <p:pic>
-        <p:nvPicPr>
-          <p:cNvPr id="6" name="Picture 2" descr="Creative Commons License">
-            <a:hlinkClick r:id="rId4"/>
-          </p:cNvPr>
-          <p:cNvPicPr>
-            <a:picLocks noChangeAspect="1" noChangeArrowheads="1"/>
-          </p:cNvPicPr>
-          <p:nvPr/>
-        </p:nvPicPr>
-        <p:blipFill>
-          <a:blip r:embed="rId5">
-            <a:extLst>
-              <a:ext uri="{28A0092B-C50C-407E-A947-70E740481C1C}">
-                <a14:useLocalDpi xmlns:a14="http://schemas.microsoft.com/office/drawing/2010/main"/>
-              </a:ext>
-            </a:extLst>
-          </a:blip>
-          <a:srcRect/>
-          <a:stretch>
-            <a:fillRect/>
-          </a:stretch>
-        </p:blipFill>
-        <p:spPr bwMode="auto">
-          <a:xfrm>
-            <a:off x="3812487" y="4695986"/>
-            <a:ext cx="2161449" cy="761422"/>
-          </a:xfrm>
-          <a:prstGeom prst="rect">
-            <a:avLst/>
-          </a:prstGeom>
-          <a:noFill/>
-          <a:extLst>
-            <a:ext uri="{909E8E84-426E-40dd-AFC4-6F175D3DCCD1}">
-              <a14:hiddenFill xmlns:a14="http://schemas.microsoft.com/office/drawing/2010/main" xmlns="">
-                <a:solidFill>
-                  <a:srgbClr val="FFFFFF"/>
-                </a:solidFill>
-              </a14:hiddenFill>
-            </a:ext>
-          </a:extLst>
-        </p:spPr>
-      </p:pic>
-    </p:spTree>
-    <p:extLst>
-      <p:ext uri="{BB962C8B-B14F-4D97-AF65-F5344CB8AC3E}">
-        <p14:creationId xmlns:p14="http://schemas.microsoft.com/office/powerpoint/2010/main" val="4261110021"/>
-      </p:ext>
-    </p:extLst>
-  </p:cSld>
-  <p:clrMapOvr>
-    <a:masterClrMapping/>
-  </p:clrMapOvr>
-</p:sld>
-</file>
-
-<file path=ppt/slides/slide2.xml><?xml version="1.0" encoding="utf-8"?>
-<p:sld xmlns:a="http://schemas.openxmlformats.org/drawingml/2006/main" xmlns:r="http://schemas.openxmlformats.org/officeDocument/2006/relationships" xmlns:p="http://schemas.openxmlformats.org/presentationml/2006/main">
-  <p:cSld>
-    <p:spTree>
-      <p:nvGrpSpPr>
-        <p:cNvPr id="1" name=""/>
-        <p:cNvGrpSpPr/>
-        <p:nvPr/>
-      </p:nvGrpSpPr>
-      <p:grpSpPr>
-        <a:xfrm>
-          <a:off x="0" y="0"/>
-          <a:ext cx="0" cy="0"/>
-          <a:chOff x="0" y="0"/>
-          <a:chExt cx="0" cy="0"/>
-        </a:xfrm>
-      </p:grpSpPr>
-      <p:sp>
-        <p:nvSpPr>
-          <p:cNvPr id="7" name="Content Placeholder 6"/>
-          <p:cNvSpPr>
-            <a:spLocks noGrp="1"/>
-          </p:cNvSpPr>
-          <p:nvPr>
-            <p:ph idx="1"/>
-          </p:nvPr>
-        </p:nvSpPr>
-        <p:spPr/>
-        <p:txBody>
-          <a:bodyPr>
-            <a:normAutofit/>
-          </a:bodyPr>
-          <a:lstStyle/>
-          <a:p>
-            <a:pPr marL="457200" indent="-457200">
-              <a:buFont typeface="+mj-lt"/>
-              <a:buAutoNum type="arabicPeriod"/>
-            </a:pPr>
-            <a:r>
-              <a:rPr lang="en-US" dirty="0"/>
-              <a:t>Learn what the Gyro Sensor does</a:t>
-            </a:r>
-          </a:p>
-          <a:p>
-            <a:pPr marL="457200" indent="-457200">
-              <a:buFont typeface="+mj-lt"/>
-              <a:buAutoNum type="arabicPeriod"/>
-            </a:pPr>
-            <a:r>
-              <a:rPr lang="en-US" dirty="0"/>
-              <a:t>Learn about 2 common problems with using the gyro sensor (drift and lag)</a:t>
-            </a:r>
-          </a:p>
-          <a:p>
-            <a:pPr marL="457200" indent="-457200">
-              <a:buFont typeface="+mj-lt"/>
-              <a:buAutoNum type="arabicPeriod"/>
-            </a:pPr>
-            <a:r>
-              <a:rPr lang="en-US" dirty="0"/>
-              <a:t>Learn what “drift” means</a:t>
-            </a:r>
-          </a:p>
-          <a:p>
-            <a:pPr marL="457200" indent="-457200">
-              <a:buFont typeface="+mj-lt"/>
-              <a:buAutoNum type="arabicPeriod"/>
-            </a:pPr>
-            <a:r>
-              <a:rPr lang="en-US" dirty="0"/>
-              <a:t>Learn how to correct for drift with a gyro “calibration” technique</a:t>
-            </a:r>
-          </a:p>
-          <a:p>
-            <a:pPr marL="0" indent="0">
-              <a:buNone/>
-            </a:pPr>
-            <a:r>
-              <a:rPr lang="en-US" dirty="0"/>
-              <a:t>Prerequisites: Loops, Operators, Wait Blocks</a:t>
-            </a:r>
-            <a:endParaRPr lang="en-US" dirty="0">
-              <a:solidFill>
-                <a:srgbClr val="FF0000"/>
-              </a:solidFill>
-            </a:endParaRPr>
-          </a:p>
-        </p:txBody>
-      </p:sp>
-      <p:sp>
-        <p:nvSpPr>
-          <p:cNvPr id="6" name="Title 5"/>
-          <p:cNvSpPr>
-            <a:spLocks noGrp="1"/>
-          </p:cNvSpPr>
-          <p:nvPr>
-            <p:ph type="title"/>
-          </p:nvPr>
-        </p:nvSpPr>
-        <p:spPr/>
-        <p:txBody>
-          <a:bodyPr/>
-          <a:lstStyle/>
-          <a:p>
-            <a:r>
-              <a:rPr lang="en-US" dirty="0"/>
-              <a:t>Lesson Objectives</a:t>
-            </a:r>
-          </a:p>
-        </p:txBody>
-      </p:sp>
-      <p:sp>
-        <p:nvSpPr>
-          <p:cNvPr id="5" name="Footer Placeholder 3">
-            <a:extLst>
-              <a:ext uri="{FF2B5EF4-FFF2-40B4-BE49-F238E27FC236}">
-                <a16:creationId xmlns:a16="http://schemas.microsoft.com/office/drawing/2014/main" id="{3BF8CB20-90AB-3A4D-A1BD-90D97EE56477}"/>
-              </a:ext>
-            </a:extLst>
-          </p:cNvPr>
-          <p:cNvSpPr>
-            <a:spLocks noGrp="1"/>
-          </p:cNvSpPr>
-          <p:nvPr>
-            <p:ph type="ftr" sz="quarter" idx="11"/>
-          </p:nvPr>
-        </p:nvSpPr>
-        <p:spPr>
-          <a:xfrm>
-            <a:off x="199698" y="6437032"/>
-            <a:ext cx="6124902" cy="365125"/>
-          </a:xfrm>
-        </p:spPr>
-        <p:txBody>
-          <a:bodyPr/>
-          <a:lstStyle/>
-          <a:p>
-            <a:r>
-              <a:rPr lang="en-US"/>
-              <a:t>© 2020 EV3Lessons.com, Last edit 12/28/2019</a:t>
-            </a:r>
-            <a:endParaRPr lang="en-US" dirty="0"/>
-          </a:p>
-        </p:txBody>
-      </p:sp>
-    </p:spTree>
-    <p:extLst>
-      <p:ext uri="{BB962C8B-B14F-4D97-AF65-F5344CB8AC3E}">
-        <p14:creationId xmlns:p14="http://schemas.microsoft.com/office/powerpoint/2010/main" val="2698344269"/>
-      </p:ext>
-    </p:extLst>
-  </p:cSld>
-  <p:clrMapOvr>
-    <a:masterClrMapping/>
-  </p:clrMapOvr>
-</p:sld>
-</file>
-
-<file path=ppt/slides/slide3.xml><?xml version="1.0" encoding="utf-8"?>
-<p:sld xmlns:a="http://schemas.openxmlformats.org/drawingml/2006/main" xmlns:r="http://schemas.openxmlformats.org/officeDocument/2006/relationships" xmlns:p="http://schemas.openxmlformats.org/presentationml/2006/main">
-  <p:cSld>
-    <p:spTree>
-      <p:nvGrpSpPr>
-        <p:cNvPr id="1" name=""/>
-        <p:cNvGrpSpPr/>
-        <p:nvPr/>
-      </p:nvGrpSpPr>
-      <p:grpSpPr>
-        <a:xfrm>
-          <a:off x="0" y="0"/>
-          <a:ext cx="0" cy="0"/>
-          <a:chOff x="0" y="0"/>
-          <a:chExt cx="0" cy="0"/>
-        </a:xfrm>
-      </p:grpSpPr>
-      <p:sp>
-        <p:nvSpPr>
-          <p:cNvPr id="7" name="Content Placeholder 6"/>
-          <p:cNvSpPr>
-            <a:spLocks noGrp="1"/>
-          </p:cNvSpPr>
-          <p:nvPr>
-            <p:ph idx="1"/>
-          </p:nvPr>
-        </p:nvSpPr>
-        <p:spPr/>
-        <p:txBody>
-          <a:bodyPr/>
-          <a:lstStyle/>
-          <a:p>
-            <a:r>
-              <a:rPr lang="en-US" dirty="0"/>
-              <a:t>Gyro sensor detects rotational motion</a:t>
-            </a:r>
-          </a:p>
-          <a:p>
-            <a:r>
-              <a:rPr lang="en-US" dirty="0"/>
-              <a:t>The sensor measures the rate of rotation in degrees per second (rate)</a:t>
-            </a:r>
-          </a:p>
-          <a:p>
-            <a:r>
-              <a:rPr lang="en-US" dirty="0"/>
-              <a:t>It also keeps track of the total rotational angle and therefore lets you measure how far your robot has turned (angle)</a:t>
-            </a:r>
-          </a:p>
-          <a:p>
-            <a:r>
-              <a:rPr lang="en-US" dirty="0"/>
-              <a:t>The accuracy of the sensor is ±3 degrees for 90 degree turn</a:t>
-            </a:r>
-          </a:p>
-          <a:p>
-            <a:endParaRPr lang="en-US" dirty="0"/>
-          </a:p>
-        </p:txBody>
-      </p:sp>
-      <p:sp>
-        <p:nvSpPr>
-          <p:cNvPr id="6" name="Title 5"/>
-          <p:cNvSpPr>
-            <a:spLocks noGrp="1"/>
-          </p:cNvSpPr>
-          <p:nvPr>
-            <p:ph type="title"/>
-          </p:nvPr>
-        </p:nvSpPr>
-        <p:spPr/>
-        <p:txBody>
-          <a:bodyPr/>
-          <a:lstStyle/>
-          <a:p>
-            <a:r>
-              <a:rPr lang="en-US" dirty="0"/>
-              <a:t>What is the Gyro Sensor?</a:t>
-            </a:r>
-          </a:p>
-        </p:txBody>
-      </p:sp>
-      <p:sp>
-        <p:nvSpPr>
-          <p:cNvPr id="8" name="Footer Placeholder 3">
-            <a:extLst>
-              <a:ext uri="{FF2B5EF4-FFF2-40B4-BE49-F238E27FC236}">
-                <a16:creationId xmlns:a16="http://schemas.microsoft.com/office/drawing/2014/main" id="{B44AF525-F56F-5445-B827-5B143537FCB8}"/>
-              </a:ext>
-            </a:extLst>
-          </p:cNvPr>
-          <p:cNvSpPr>
-            <a:spLocks noGrp="1"/>
-          </p:cNvSpPr>
-          <p:nvPr>
-            <p:ph type="ftr" sz="quarter" idx="11"/>
-          </p:nvPr>
-        </p:nvSpPr>
-        <p:spPr>
-          <a:xfrm>
-            <a:off x="199698" y="6437032"/>
-            <a:ext cx="6124902" cy="365125"/>
-          </a:xfrm>
-        </p:spPr>
-        <p:txBody>
-          <a:bodyPr/>
-          <a:lstStyle/>
-          <a:p>
-            <a:r>
-              <a:rPr lang="en-US"/>
-              <a:t>© 2020 EV3Lessons.com, Last edit 12/28/2019</a:t>
-            </a:r>
-            <a:endParaRPr lang="en-US" dirty="0"/>
-          </a:p>
-        </p:txBody>
-      </p:sp>
-    </p:spTree>
-    <p:extLst>
-      <p:ext uri="{BB962C8B-B14F-4D97-AF65-F5344CB8AC3E}">
-        <p14:creationId xmlns:p14="http://schemas.microsoft.com/office/powerpoint/2010/main" val="1225705210"/>
-      </p:ext>
-    </p:extLst>
-  </p:cSld>
-  <p:clrMapOvr>
-    <a:masterClrMapping/>
-  </p:clrMapOvr>
-</p:sld>
-</file>
-
-<file path=ppt/slides/slide4.xml><?xml version="1.0" encoding="utf-8"?>
-<p:sld xmlns:a="http://schemas.openxmlformats.org/drawingml/2006/main" xmlns:r="http://schemas.openxmlformats.org/officeDocument/2006/relationships" xmlns:p="http://schemas.openxmlformats.org/presentationml/2006/main">
-  <p:cSld>
-    <p:spTree>
-      <p:nvGrpSpPr>
-        <p:cNvPr id="1" name=""/>
-        <p:cNvGrpSpPr/>
-        <p:nvPr/>
-      </p:nvGrpSpPr>
-      <p:grpSpPr>
-        <a:xfrm>
-          <a:off x="0" y="0"/>
-          <a:ext cx="0" cy="0"/>
-          <a:chOff x="0" y="0"/>
-          <a:chExt cx="0" cy="0"/>
-        </a:xfrm>
-      </p:grpSpPr>
-      <p:sp>
-        <p:nvSpPr>
-          <p:cNvPr id="3" name="Content Placeholder 2"/>
-          <p:cNvSpPr>
-            <a:spLocks noGrp="1"/>
-          </p:cNvSpPr>
-          <p:nvPr>
-            <p:ph idx="1"/>
-          </p:nvPr>
-        </p:nvSpPr>
-        <p:spPr/>
-        <p:txBody>
-          <a:bodyPr>
-            <a:normAutofit fontScale="92500" lnSpcReduction="20000"/>
-          </a:bodyPr>
-          <a:lstStyle/>
-          <a:p>
-            <a:r>
-              <a:rPr lang="en-US" dirty="0"/>
-              <a:t>There are 2 common Gyro issues – drift and lag</a:t>
-            </a:r>
-          </a:p>
-          <a:p>
-            <a:pPr lvl="1"/>
-            <a:r>
-              <a:rPr lang="en-US" dirty="0"/>
-              <a:t>Drift – readings keep changing even when the robot is still</a:t>
-            </a:r>
-          </a:p>
-          <a:p>
-            <a:pPr lvl="1"/>
-            <a:r>
-              <a:rPr lang="en-US" dirty="0"/>
-              <a:t>Lag – readings are delayed</a:t>
-            </a:r>
-          </a:p>
-          <a:p>
-            <a:r>
-              <a:rPr lang="en-US" dirty="0"/>
-              <a:t>In this lesson, we focus on the first problem: drift. </a:t>
-            </a:r>
-          </a:p>
-          <a:p>
-            <a:pPr lvl="1"/>
-            <a:r>
-              <a:rPr lang="en-US" dirty="0"/>
-              <a:t>We will cover lag in the Gyro Turn lesson</a:t>
-            </a:r>
-          </a:p>
-          <a:p>
-            <a:r>
-              <a:rPr lang="en-US" dirty="0"/>
-              <a:t>Solution to drift: gyro calibration</a:t>
-            </a:r>
-          </a:p>
-          <a:p>
-            <a:pPr lvl="1"/>
-            <a:r>
-              <a:rPr lang="en-US" dirty="0"/>
-              <a:t>The source of the drift problem is that the gyro must “learn” what is still.</a:t>
-            </a:r>
-          </a:p>
-          <a:p>
-            <a:pPr lvl="1"/>
-            <a:r>
-              <a:rPr lang="en-US" dirty="0"/>
-              <a:t>For a color sensor, you have to “teach” the robot what is black and white</a:t>
-            </a:r>
-          </a:p>
-          <a:p>
-            <a:pPr lvl="1"/>
-            <a:r>
-              <a:rPr lang="en-US" dirty="0"/>
-              <a:t>For your gyro, you need to calibrate the sensor to understand what is “still”</a:t>
-            </a:r>
-          </a:p>
-          <a:p>
-            <a:endParaRPr lang="en-US" dirty="0"/>
-          </a:p>
-        </p:txBody>
-      </p:sp>
-      <p:sp>
-        <p:nvSpPr>
-          <p:cNvPr id="2" name="Title 1"/>
-          <p:cNvSpPr>
-            <a:spLocks noGrp="1"/>
-          </p:cNvSpPr>
-          <p:nvPr>
-            <p:ph type="title"/>
-          </p:nvPr>
-        </p:nvSpPr>
-        <p:spPr/>
-        <p:txBody>
-          <a:bodyPr/>
-          <a:lstStyle/>
-          <a:p>
-            <a:r>
-              <a:rPr lang="en-US"/>
-              <a:t>Gyro Sensor Problems</a:t>
-            </a:r>
-            <a:endParaRPr lang="en-US" dirty="0"/>
-          </a:p>
-        </p:txBody>
-      </p:sp>
-      <p:sp>
-        <p:nvSpPr>
-          <p:cNvPr id="7" name="Footer Placeholder 3">
-            <a:extLst>
-              <a:ext uri="{FF2B5EF4-FFF2-40B4-BE49-F238E27FC236}">
-                <a16:creationId xmlns:a16="http://schemas.microsoft.com/office/drawing/2014/main" id="{5BA84F40-CE52-4A46-B449-C8F39D102FAF}"/>
-              </a:ext>
-            </a:extLst>
-          </p:cNvPr>
-          <p:cNvSpPr>
-            <a:spLocks noGrp="1"/>
-          </p:cNvSpPr>
-          <p:nvPr>
-            <p:ph type="ftr" sz="quarter" idx="11"/>
-          </p:nvPr>
-        </p:nvSpPr>
-        <p:spPr>
-          <a:xfrm>
-            <a:off x="199698" y="6437032"/>
-            <a:ext cx="6124902" cy="365125"/>
-          </a:xfrm>
-        </p:spPr>
-        <p:txBody>
-          <a:bodyPr/>
-          <a:lstStyle/>
-          <a:p>
-            <a:r>
-              <a:rPr lang="en-US"/>
-              <a:t>© 2020 EV3Lessons.com, Last edit 12/28/2019</a:t>
-            </a:r>
-            <a:endParaRPr lang="en-US" dirty="0"/>
-          </a:p>
-        </p:txBody>
-      </p:sp>
-    </p:spTree>
-    <p:extLst>
-      <p:ext uri="{BB962C8B-B14F-4D97-AF65-F5344CB8AC3E}">
-        <p14:creationId xmlns:p14="http://schemas.microsoft.com/office/powerpoint/2010/main" val="1243262676"/>
-      </p:ext>
-    </p:extLst>
-  </p:cSld>
-  <p:clrMapOvr>
-    <a:masterClrMapping/>
-  </p:clrMapOvr>
-</p:sld>
-</file>
-
-<file path=ppt/slides/slide5.xml><?xml version="1.0" encoding="utf-8"?>
-<p:sld xmlns:a="http://schemas.openxmlformats.org/drawingml/2006/main" xmlns:r="http://schemas.openxmlformats.org/officeDocument/2006/relationships" xmlns:p="http://schemas.openxmlformats.org/presentationml/2006/main">
-  <p:cSld>
-    <p:spTree>
-      <p:nvGrpSpPr>
-        <p:cNvPr id="1" name=""/>
-        <p:cNvGrpSpPr/>
-        <p:nvPr/>
-      </p:nvGrpSpPr>
-      <p:grpSpPr>
-        <a:xfrm>
-          <a:off x="0" y="0"/>
-          <a:ext cx="0" cy="0"/>
-          <a:chOff x="0" y="0"/>
-          <a:chExt cx="0" cy="0"/>
-        </a:xfrm>
-      </p:grpSpPr>
-      <p:sp>
-        <p:nvSpPr>
-          <p:cNvPr id="3" name="Content Placeholder 2"/>
-          <p:cNvSpPr>
-            <a:spLocks noGrp="1"/>
-          </p:cNvSpPr>
-          <p:nvPr>
-            <p:ph idx="1"/>
-          </p:nvPr>
-        </p:nvSpPr>
-        <p:spPr>
-          <a:xfrm>
-            <a:off x="284163" y="1837486"/>
-            <a:ext cx="8245474" cy="4373563"/>
-          </a:xfrm>
-        </p:spPr>
-        <p:txBody>
-          <a:bodyPr>
-            <a:normAutofit/>
-          </a:bodyPr>
-          <a:lstStyle/>
-          <a:p>
-            <a:pPr marL="342900" indent="-342900">
-              <a:buFont typeface="Arial"/>
-              <a:buChar char="•"/>
-            </a:pPr>
-            <a:r>
-              <a:rPr lang="en-US" sz="2800" dirty="0"/>
-              <a:t>The gyro auto-calibrates when the robot is turned on or the gyro wire is connected. If the robot is moving during calibration, the gyro “learns” the wrong value for “still” – this causes drift!</a:t>
-            </a:r>
-          </a:p>
-          <a:p>
-            <a:pPr marL="342900" indent="-342900">
-              <a:buFont typeface="Arial"/>
-              <a:buChar char="•"/>
-            </a:pPr>
-            <a:r>
-              <a:rPr lang="en-US" sz="2800" dirty="0"/>
-              <a:t>Unfortunately, there is no gyro calibration block. However, there is a way to force a calibration of the sensor.</a:t>
-            </a:r>
-          </a:p>
-        </p:txBody>
-      </p:sp>
-      <p:sp>
-        <p:nvSpPr>
-          <p:cNvPr id="2" name="Title 1"/>
-          <p:cNvSpPr>
-            <a:spLocks noGrp="1"/>
-          </p:cNvSpPr>
-          <p:nvPr>
-            <p:ph type="title"/>
-          </p:nvPr>
-        </p:nvSpPr>
-        <p:spPr/>
-        <p:txBody>
-          <a:bodyPr>
-            <a:normAutofit/>
-          </a:bodyPr>
-          <a:lstStyle/>
-          <a:p>
-            <a:r>
-              <a:rPr lang="en-US" dirty="0"/>
-              <a:t>Gyro Calibration to Solve Drift</a:t>
-            </a:r>
-          </a:p>
-        </p:txBody>
-      </p:sp>
-      <p:sp>
-        <p:nvSpPr>
-          <p:cNvPr id="7" name="Footer Placeholder 3">
-            <a:extLst>
-              <a:ext uri="{FF2B5EF4-FFF2-40B4-BE49-F238E27FC236}">
-                <a16:creationId xmlns:a16="http://schemas.microsoft.com/office/drawing/2014/main" id="{06B9262F-C17D-3642-B945-9C94FFE240F9}"/>
-              </a:ext>
-            </a:extLst>
-          </p:cNvPr>
-          <p:cNvSpPr>
-            <a:spLocks noGrp="1"/>
-          </p:cNvSpPr>
-          <p:nvPr>
-            <p:ph type="ftr" sz="quarter" idx="11"/>
-          </p:nvPr>
-        </p:nvSpPr>
-        <p:spPr>
-          <a:xfrm>
-            <a:off x="199698" y="6437032"/>
-            <a:ext cx="6124902" cy="365125"/>
-          </a:xfrm>
-        </p:spPr>
-        <p:txBody>
-          <a:bodyPr/>
-          <a:lstStyle/>
-          <a:p>
-            <a:r>
-              <a:rPr lang="en-US"/>
-              <a:t>© 2020 EV3Lessons.com, Last edit 12/28/2019</a:t>
-            </a:r>
-            <a:endParaRPr lang="en-US" dirty="0"/>
-          </a:p>
-        </p:txBody>
-      </p:sp>
-    </p:spTree>
-    <p:extLst>
-      <p:ext uri="{BB962C8B-B14F-4D97-AF65-F5344CB8AC3E}">
-        <p14:creationId xmlns:p14="http://schemas.microsoft.com/office/powerpoint/2010/main" val="2886223213"/>
-      </p:ext>
-    </p:extLst>
-  </p:cSld>
-  <p:clrMapOvr>
-    <a:masterClrMapping/>
-  </p:clrMapOvr>
-</p:sld>
-</file>
-
-<file path=ppt/slides/slide6.xml><?xml version="1.0" encoding="utf-8"?>
-<p:sld xmlns:a="http://schemas.openxmlformats.org/drawingml/2006/main" xmlns:r="http://schemas.openxmlformats.org/officeDocument/2006/relationships" xmlns:p="http://schemas.openxmlformats.org/presentationml/2006/main">
-  <p:cSld>
-    <p:spTree>
-      <p:nvGrpSpPr>
-        <p:cNvPr id="1" name=""/>
-        <p:cNvGrpSpPr/>
-        <p:nvPr/>
-      </p:nvGrpSpPr>
-      <p:grpSpPr>
-        <a:xfrm>
-          <a:off x="0" y="0"/>
-          <a:ext cx="0" cy="0"/>
-          <a:chOff x="0" y="0"/>
-          <a:chExt cx="0" cy="0"/>
-        </a:xfrm>
-      </p:grpSpPr>
-      <p:sp>
-        <p:nvSpPr>
-          <p:cNvPr id="2" name="Content Placeholder 1"/>
-          <p:cNvSpPr>
-            <a:spLocks noGrp="1"/>
-          </p:cNvSpPr>
-          <p:nvPr>
-            <p:ph idx="1"/>
-          </p:nvPr>
-        </p:nvSpPr>
-        <p:spPr/>
-        <p:txBody>
-          <a:bodyPr>
-            <a:normAutofit/>
-          </a:bodyPr>
-          <a:lstStyle/>
-          <a:p>
-            <a:r>
-              <a:rPr lang="en-US" dirty="0">
-                <a:solidFill>
-                  <a:srgbClr val="FF0000"/>
-                </a:solidFill>
-              </a:rPr>
-              <a:t>Reset: </a:t>
-            </a:r>
-            <a:r>
-              <a:rPr lang="en-US" dirty="0"/>
-              <a:t>Current value of the gyro sensor angle is set to “0”. This is what the gyro block with mode set to “reset” does.</a:t>
-            </a:r>
-          </a:p>
-          <a:p>
-            <a:r>
-              <a:rPr lang="en-US" dirty="0">
-                <a:solidFill>
-                  <a:srgbClr val="FF0000"/>
-                </a:solidFill>
-              </a:rPr>
-              <a:t>Calibration: </a:t>
-            </a:r>
-            <a:r>
-              <a:rPr lang="en-US" dirty="0"/>
-              <a:t>The gyro calibrates what it considers to be “still”. This sets both the current gyro sensor rate and angle to “0”. This typically occurs when the gyro is connected. </a:t>
-            </a:r>
-          </a:p>
-          <a:p>
-            <a:r>
-              <a:rPr lang="en-US" dirty="0"/>
-              <a:t>Some people refer to calibration as a “hard reset”. We will call this calibrate through this lesson to reduce the amount of confusion. </a:t>
-            </a:r>
-          </a:p>
-        </p:txBody>
-      </p:sp>
-      <p:sp>
-        <p:nvSpPr>
-          <p:cNvPr id="3" name="Footer Placeholder 2"/>
-          <p:cNvSpPr>
-            <a:spLocks noGrp="1"/>
-          </p:cNvSpPr>
-          <p:nvPr>
-            <p:ph type="ftr" sz="quarter" idx="11"/>
-          </p:nvPr>
-        </p:nvSpPr>
-        <p:spPr/>
-        <p:txBody>
-          <a:bodyPr/>
-          <a:lstStyle/>
-          <a:p>
-            <a:r>
-              <a:rPr lang="en-US"/>
-              <a:t>© 2020 EV3Lessons.com, Last edit 12/28/2019</a:t>
-            </a:r>
-          </a:p>
-        </p:txBody>
-      </p:sp>
-      <p:sp>
-        <p:nvSpPr>
-          <p:cNvPr id="5" name="Title 4"/>
-          <p:cNvSpPr>
-            <a:spLocks noGrp="1"/>
-          </p:cNvSpPr>
-          <p:nvPr>
-            <p:ph type="title"/>
-          </p:nvPr>
-        </p:nvSpPr>
-        <p:spPr/>
-        <p:txBody>
-          <a:bodyPr/>
-          <a:lstStyle/>
-          <a:p>
-            <a:r>
-              <a:rPr lang="en-US" dirty="0"/>
-              <a:t>Terms to Know</a:t>
-            </a:r>
-          </a:p>
-        </p:txBody>
-      </p:sp>
-    </p:spTree>
-    <p:extLst>
-      <p:ext uri="{BB962C8B-B14F-4D97-AF65-F5344CB8AC3E}">
-        <p14:creationId xmlns:p14="http://schemas.microsoft.com/office/powerpoint/2010/main" val="228624833"/>
-      </p:ext>
-    </p:extLst>
-  </p:cSld>
-  <p:clrMapOvr>
-    <a:masterClrMapping/>
-  </p:clrMapOvr>
-</p:sld>
-</file>
-
-<file path=ppt/slides/slide7.xml><?xml version="1.0" encoding="utf-8"?>
-<p:sld xmlns:a="http://schemas.openxmlformats.org/drawingml/2006/main" xmlns:r="http://schemas.openxmlformats.org/officeDocument/2006/relationships" xmlns:p="http://schemas.openxmlformats.org/presentationml/2006/main">
-  <p:cSld>
-    <p:spTree>
-      <p:nvGrpSpPr>
-        <p:cNvPr id="1" name=""/>
-        <p:cNvGrpSpPr/>
-        <p:nvPr/>
-      </p:nvGrpSpPr>
-      <p:grpSpPr>
-        <a:xfrm>
-          <a:off x="0" y="0"/>
-          <a:ext cx="0" cy="0"/>
-          <a:chOff x="0" y="0"/>
-          <a:chExt cx="0" cy="0"/>
-        </a:xfrm>
-      </p:grpSpPr>
-      <p:sp>
-        <p:nvSpPr>
-          <p:cNvPr id="3" name="Content Placeholder 2"/>
-          <p:cNvSpPr>
-            <a:spLocks noGrp="1"/>
-          </p:cNvSpPr>
-          <p:nvPr>
-            <p:ph idx="1"/>
-          </p:nvPr>
-        </p:nvSpPr>
-        <p:spPr/>
-        <p:txBody>
-          <a:bodyPr>
-            <a:normAutofit/>
-          </a:bodyPr>
-          <a:lstStyle/>
-          <a:p>
-            <a:pPr marL="342900" indent="-342900">
-              <a:buFont typeface="Arial"/>
-              <a:buChar char="•"/>
-            </a:pPr>
-            <a:r>
-              <a:rPr lang="en-US" u="sng" dirty="0">
-                <a:solidFill>
-                  <a:srgbClr val="FF0000"/>
-                </a:solidFill>
-              </a:rPr>
-              <a:t>Keep the robot still </a:t>
-            </a:r>
-            <a:r>
-              <a:rPr lang="en-US" dirty="0"/>
-              <a:t>when you calibrate the gyro</a:t>
-            </a:r>
-          </a:p>
-          <a:p>
-            <a:pPr marL="342900" indent="-342900">
-              <a:buFont typeface="Arial"/>
-              <a:buChar char="•"/>
-            </a:pPr>
-            <a:r>
-              <a:rPr lang="en-US" dirty="0"/>
-              <a:t>You </a:t>
-            </a:r>
-            <a:r>
-              <a:rPr lang="en-US" u="sng" dirty="0">
-                <a:solidFill>
-                  <a:srgbClr val="FF0000"/>
-                </a:solidFill>
-              </a:rPr>
-              <a:t>should not not run this every time </a:t>
-            </a:r>
-            <a:r>
-              <a:rPr lang="en-US" dirty="0"/>
-              <a:t>you need to read the gyro</a:t>
-            </a:r>
-          </a:p>
-          <a:p>
-            <a:pPr marL="342900" indent="-342900">
-              <a:buFont typeface="Arial"/>
-              <a:buChar char="•"/>
-            </a:pPr>
-            <a:r>
-              <a:rPr lang="en-US" dirty="0"/>
-              <a:t>You should </a:t>
-            </a:r>
-            <a:r>
-              <a:rPr lang="en-US" u="sng" dirty="0">
-                <a:solidFill>
-                  <a:srgbClr val="FF0000"/>
-                </a:solidFill>
-              </a:rPr>
-              <a:t>calibrate in a separate program</a:t>
-            </a:r>
-            <a:r>
-              <a:rPr lang="en-US" dirty="0">
-                <a:solidFill>
-                  <a:srgbClr val="FF0000"/>
-                </a:solidFill>
-              </a:rPr>
-              <a:t> </a:t>
-            </a:r>
-            <a:r>
-              <a:rPr lang="en-US" dirty="0"/>
-              <a:t>and run it once before you run your code</a:t>
-            </a:r>
-          </a:p>
-          <a:p>
-            <a:endParaRPr lang="en-US" dirty="0"/>
-          </a:p>
-        </p:txBody>
-      </p:sp>
-      <p:sp>
-        <p:nvSpPr>
-          <p:cNvPr id="2" name="Title 1"/>
-          <p:cNvSpPr>
-            <a:spLocks noGrp="1"/>
-          </p:cNvSpPr>
-          <p:nvPr>
-            <p:ph type="title"/>
-          </p:nvPr>
-        </p:nvSpPr>
-        <p:spPr/>
-        <p:txBody>
-          <a:bodyPr/>
-          <a:lstStyle/>
-          <a:p>
-            <a:r>
-              <a:rPr lang="en-US" dirty="0"/>
-              <a:t>IMPORTANT NOTES</a:t>
-            </a:r>
-          </a:p>
-        </p:txBody>
-      </p:sp>
-      <p:sp>
-        <p:nvSpPr>
-          <p:cNvPr id="7" name="Footer Placeholder 3">
-            <a:extLst>
-              <a:ext uri="{FF2B5EF4-FFF2-40B4-BE49-F238E27FC236}">
-                <a16:creationId xmlns:a16="http://schemas.microsoft.com/office/drawing/2014/main" id="{901DC2BF-4BF0-D74E-AEA1-30040BC97CE6}"/>
-              </a:ext>
-            </a:extLst>
-          </p:cNvPr>
-          <p:cNvSpPr>
-            <a:spLocks noGrp="1"/>
-          </p:cNvSpPr>
-          <p:nvPr>
-            <p:ph type="ftr" sz="quarter" idx="11"/>
-          </p:nvPr>
-        </p:nvSpPr>
-        <p:spPr>
-          <a:xfrm>
-            <a:off x="199698" y="6437032"/>
-            <a:ext cx="6124902" cy="365125"/>
-          </a:xfrm>
-        </p:spPr>
-        <p:txBody>
-          <a:bodyPr/>
-          <a:lstStyle/>
-          <a:p>
-            <a:r>
-              <a:rPr lang="en-US"/>
-              <a:t>© 2020 EV3Lessons.com, Last edit 12/28/2019</a:t>
-            </a:r>
-            <a:endParaRPr lang="en-US" dirty="0"/>
-          </a:p>
-        </p:txBody>
-      </p:sp>
-    </p:spTree>
-    <p:extLst>
-      <p:ext uri="{BB962C8B-B14F-4D97-AF65-F5344CB8AC3E}">
-        <p14:creationId xmlns:p14="http://schemas.microsoft.com/office/powerpoint/2010/main" val="2258236712"/>
-      </p:ext>
-    </p:extLst>
-  </p:cSld>
-  <p:clrMapOvr>
-    <a:masterClrMapping/>
-  </p:clrMapOvr>
-</p:sld>
-</file>
-
-<file path=ppt/slides/slide8.xml><?xml version="1.0" encoding="utf-8"?>
-<p:sld xmlns:a="http://schemas.openxmlformats.org/drawingml/2006/main" xmlns:r="http://schemas.openxmlformats.org/officeDocument/2006/relationships" xmlns:p="http://schemas.openxmlformats.org/presentationml/2006/main">
-  <p:cSld>
-    <p:spTree>
-      <p:nvGrpSpPr>
-        <p:cNvPr id="1" name=""/>
-        <p:cNvGrpSpPr/>
-        <p:nvPr/>
-      </p:nvGrpSpPr>
-      <p:grpSpPr>
-        <a:xfrm>
-          <a:off x="0" y="0"/>
-          <a:ext cx="0" cy="0"/>
-          <a:chOff x="0" y="0"/>
-          <a:chExt cx="0" cy="0"/>
-        </a:xfrm>
-      </p:grpSpPr>
-      <p:sp>
-        <p:nvSpPr>
-          <p:cNvPr id="2" name="Title 1"/>
-          <p:cNvSpPr>
-            <a:spLocks noGrp="1"/>
-          </p:cNvSpPr>
-          <p:nvPr>
-            <p:ph type="title"/>
-          </p:nvPr>
-        </p:nvSpPr>
-        <p:spPr/>
-        <p:txBody>
-          <a:bodyPr>
-            <a:normAutofit/>
-          </a:bodyPr>
-          <a:lstStyle/>
-          <a:p>
-            <a:r>
-              <a:rPr lang="en-US" dirty="0"/>
-              <a:t>Solutions For Fixing Drift</a:t>
-            </a:r>
-            <a:endParaRPr lang="en-US" baseline="30000" dirty="0"/>
-          </a:p>
-        </p:txBody>
-      </p:sp>
-      <p:sp>
-        <p:nvSpPr>
-          <p:cNvPr id="3" name="Text Placeholder 2"/>
-          <p:cNvSpPr>
-            <a:spLocks noGrp="1"/>
-          </p:cNvSpPr>
-          <p:nvPr>
-            <p:ph type="body" idx="1"/>
-          </p:nvPr>
-        </p:nvSpPr>
-        <p:spPr>
-          <a:xfrm>
-            <a:off x="403412" y="1277947"/>
-            <a:ext cx="3931920" cy="833250"/>
-          </a:xfrm>
-        </p:spPr>
-        <p:txBody>
-          <a:bodyPr/>
-          <a:lstStyle/>
-          <a:p>
-            <a:r>
-              <a:rPr lang="en-US" dirty="0"/>
-              <a:t>Hardware Solution</a:t>
-            </a:r>
-          </a:p>
-        </p:txBody>
-      </p:sp>
-      <p:sp>
-        <p:nvSpPr>
-          <p:cNvPr id="4" name="Content Placeholder 3"/>
-          <p:cNvSpPr>
-            <a:spLocks noGrp="1"/>
-          </p:cNvSpPr>
-          <p:nvPr>
-            <p:ph sz="half" idx="2"/>
-          </p:nvPr>
-        </p:nvSpPr>
-        <p:spPr>
-          <a:xfrm>
-            <a:off x="403412" y="2133609"/>
-            <a:ext cx="3931920" cy="2880852"/>
-          </a:xfrm>
-        </p:spPr>
-        <p:txBody>
-          <a:bodyPr>
-            <a:normAutofit fontScale="92500" lnSpcReduction="10000"/>
-          </a:bodyPr>
-          <a:lstStyle/>
-          <a:p>
-            <a:r>
-              <a:rPr lang="en-US" dirty="0"/>
-              <a:t>Unplug and re-plug your gyro sensor while making sure your robot is still</a:t>
-            </a:r>
-          </a:p>
-          <a:p>
-            <a:endParaRPr lang="en-US" dirty="0"/>
-          </a:p>
-          <a:p>
-            <a:r>
-              <a:rPr lang="en-US" dirty="0">
-                <a:solidFill>
-                  <a:srgbClr val="FF0000"/>
-                </a:solidFill>
-              </a:rPr>
-              <a:t>This technique requires access to the EV3 ports and is prone to failure since you may shake the robot as you re-plug the wire.</a:t>
-            </a:r>
-          </a:p>
-        </p:txBody>
-      </p:sp>
-      <p:sp>
-        <p:nvSpPr>
-          <p:cNvPr id="5" name="Text Placeholder 4"/>
-          <p:cNvSpPr>
-            <a:spLocks noGrp="1"/>
-          </p:cNvSpPr>
-          <p:nvPr>
-            <p:ph type="body" sz="quarter" idx="3"/>
-          </p:nvPr>
-        </p:nvSpPr>
-        <p:spPr>
-          <a:xfrm>
-            <a:off x="4779495" y="1277947"/>
-            <a:ext cx="3931920" cy="833250"/>
-          </a:xfrm>
-        </p:spPr>
-        <p:txBody>
-          <a:bodyPr/>
-          <a:lstStyle/>
-          <a:p>
-            <a:r>
-              <a:rPr lang="en-US" dirty="0">
-                <a:solidFill>
-                  <a:schemeClr val="accent1"/>
-                </a:solidFill>
-              </a:rPr>
-              <a:t>Software Solution</a:t>
-            </a:r>
-          </a:p>
-        </p:txBody>
-      </p:sp>
-      <p:sp>
-        <p:nvSpPr>
-          <p:cNvPr id="6" name="Content Placeholder 5"/>
-          <p:cNvSpPr>
-            <a:spLocks noGrp="1"/>
-          </p:cNvSpPr>
-          <p:nvPr>
-            <p:ph sz="quarter" idx="4"/>
-          </p:nvPr>
-        </p:nvSpPr>
-        <p:spPr>
-          <a:xfrm>
-            <a:off x="4779495" y="2133608"/>
-            <a:ext cx="3931920" cy="4183380"/>
-          </a:xfrm>
-        </p:spPr>
-        <p:txBody>
-          <a:bodyPr>
-            <a:normAutofit fontScale="92500" lnSpcReduction="10000"/>
-          </a:bodyPr>
-          <a:lstStyle/>
-          <a:p>
-            <a:r>
-              <a:rPr lang="en-US" dirty="0"/>
-              <a:t>If you read the port the gyro is connected to as an infrared sensor and then read it again as a gyro sensor, it seems to force a recalibration of the gyro. </a:t>
-            </a:r>
-          </a:p>
-          <a:p>
-            <a:r>
-              <a:rPr lang="en-US" dirty="0"/>
-              <a:t>See the next slide for recalibration code that can be used with all generations of gyro sensors. </a:t>
-            </a:r>
-          </a:p>
-          <a:p>
-            <a:r>
-              <a:rPr lang="en-US" dirty="0">
-                <a:solidFill>
-                  <a:srgbClr val="FF0000"/>
-                </a:solidFill>
-              </a:rPr>
-              <a:t>Note: Did not work reading the sensor as color, ultrasonic, or touch</a:t>
-            </a:r>
-            <a:endParaRPr lang="en-US" dirty="0"/>
-          </a:p>
-        </p:txBody>
-      </p:sp>
-      <p:sp>
-        <p:nvSpPr>
-          <p:cNvPr id="7" name="Footer Placeholder 6"/>
-          <p:cNvSpPr>
-            <a:spLocks noGrp="1"/>
-          </p:cNvSpPr>
-          <p:nvPr>
-            <p:ph type="ftr" sz="quarter" idx="11"/>
-          </p:nvPr>
-        </p:nvSpPr>
-        <p:spPr/>
-        <p:txBody>
-          <a:bodyPr/>
-          <a:lstStyle/>
-          <a:p>
-            <a:r>
-              <a:rPr lang="en-US"/>
-              <a:t>© 2020 EV3Lessons.com, Last edit 12/28/2019</a:t>
-            </a:r>
-            <a:endParaRPr lang="en-US" dirty="0"/>
-          </a:p>
-        </p:txBody>
-      </p:sp>
-    </p:spTree>
-    <p:extLst>
-      <p:ext uri="{BB962C8B-B14F-4D97-AF65-F5344CB8AC3E}">
-        <p14:creationId xmlns:p14="http://schemas.microsoft.com/office/powerpoint/2010/main" val="513848499"/>
-      </p:ext>
-    </p:extLst>
-  </p:cSld>
-  <p:clrMapOvr>
-    <a:masterClrMapping/>
-  </p:clrMapOvr>
-</p:sld>
-</file>
-
-<file path=ppt/slides/slide9.xml><?xml version="1.0" encoding="utf-8"?>
-<p:sld xmlns:a="http://schemas.openxmlformats.org/drawingml/2006/main" xmlns:r="http://schemas.openxmlformats.org/officeDocument/2006/relationships" xmlns:p="http://schemas.openxmlformats.org/presentationml/2006/main">
-  <p:cSld>
-    <p:spTree>
-      <p:nvGrpSpPr>
-        <p:cNvPr id="1" name=""/>
-        <p:cNvGrpSpPr/>
-        <p:nvPr/>
-      </p:nvGrpSpPr>
-      <p:grpSpPr>
-        <a:xfrm>
-          <a:off x="0" y="0"/>
-          <a:ext cx="0" cy="0"/>
-          <a:chOff x="0" y="0"/>
-          <a:chExt cx="0" cy="0"/>
-        </a:xfrm>
-      </p:grpSpPr>
-      <p:sp>
-        <p:nvSpPr>
-          <p:cNvPr id="3" name="Footer Placeholder 2"/>
-          <p:cNvSpPr>
-            <a:spLocks noGrp="1"/>
-          </p:cNvSpPr>
-          <p:nvPr>
-            <p:ph type="ftr" sz="quarter" idx="11"/>
-          </p:nvPr>
-        </p:nvSpPr>
-        <p:spPr/>
-        <p:txBody>
-          <a:bodyPr/>
-          <a:lstStyle/>
-          <a:p>
-            <a:r>
-              <a:rPr lang="en-US"/>
-              <a:t>© 2020 EV3Lessons.com, Last edit 12/28/2019</a:t>
+              <a:t>© 2020 EV3Lessons.com, Last edit 12/30/2019</a:t>
             </a:r>
             <a:endParaRPr lang="en-US" dirty="0"/>
           </a:p>
@@ -8142,7 +5733,11 @@
           <a:prstGeom prst="rect">
             <a:avLst/>
           </a:prstGeom>
-          <a:noFill/>
+          <a:solidFill>
+            <a:schemeClr val="bg1">
+              <a:lumMod val="95000"/>
+            </a:schemeClr>
+          </a:solidFill>
         </p:spPr>
         <p:txBody>
           <a:bodyPr wrap="square" rtlCol="0">
@@ -8150,6 +5745,7 @@
           </a:bodyPr>
           <a:lstStyle/>
           <a:p>
+            <a:pPr algn="ctr"/>
             <a:r>
               <a:rPr lang="en-US" dirty="0"/>
               <a:t>NAN: Not a Number</a:t>
@@ -8161,6 +5757,2778 @@
     <p:extLst>
       <p:ext uri="{BB962C8B-B14F-4D97-AF65-F5344CB8AC3E}">
         <p14:creationId xmlns:p14="http://schemas.microsoft.com/office/powerpoint/2010/main" val="223967929"/>
+      </p:ext>
+    </p:extLst>
+  </p:cSld>
+  <p:clrMapOvr>
+    <a:masterClrMapping/>
+  </p:clrMapOvr>
+</p:sld>
+</file>
+
+<file path=ppt/slides/slide12.xml><?xml version="1.0" encoding="utf-8"?>
+<p:sld xmlns:a="http://schemas.openxmlformats.org/drawingml/2006/main" xmlns:r="http://schemas.openxmlformats.org/officeDocument/2006/relationships" xmlns:p="http://schemas.openxmlformats.org/presentationml/2006/main">
+  <p:cSld>
+    <p:spTree>
+      <p:nvGrpSpPr>
+        <p:cNvPr id="1" name=""/>
+        <p:cNvGrpSpPr/>
+        <p:nvPr/>
+      </p:nvGrpSpPr>
+      <p:grpSpPr>
+        <a:xfrm>
+          <a:off x="0" y="0"/>
+          <a:ext cx="0" cy="0"/>
+          <a:chOff x="0" y="0"/>
+          <a:chExt cx="0" cy="0"/>
+        </a:xfrm>
+      </p:grpSpPr>
+      <p:sp>
+        <p:nvSpPr>
+          <p:cNvPr id="2" name="Title 1"/>
+          <p:cNvSpPr>
+            <a:spLocks noGrp="1"/>
+          </p:cNvSpPr>
+          <p:nvPr>
+            <p:ph type="title"/>
+          </p:nvPr>
+        </p:nvSpPr>
+        <p:spPr/>
+        <p:txBody>
+          <a:bodyPr>
+            <a:normAutofit/>
+          </a:bodyPr>
+          <a:lstStyle/>
+          <a:p>
+            <a:r>
+              <a:rPr lang="en-US" dirty="0"/>
+              <a:t>Discussion Guide</a:t>
+            </a:r>
+          </a:p>
+        </p:txBody>
+      </p:sp>
+      <p:sp>
+        <p:nvSpPr>
+          <p:cNvPr id="7" name="Content Placeholder 2"/>
+          <p:cNvSpPr txBox="1">
+            <a:spLocks/>
+          </p:cNvSpPr>
+          <p:nvPr/>
+        </p:nvSpPr>
+        <p:spPr>
+          <a:xfrm>
+            <a:off x="284163" y="1567543"/>
+            <a:ext cx="8574087" cy="4869489"/>
+          </a:xfrm>
+          <a:prstGeom prst="rect">
+            <a:avLst/>
+          </a:prstGeom>
+        </p:spPr>
+        <p:txBody>
+          <a:bodyPr>
+            <a:normAutofit/>
+          </a:bodyPr>
+          <a:lstStyle>
+            <a:lvl1pPr marL="454025" indent="-454025" algn="l" defTabSz="914400" rtl="0" eaLnBrk="1" latinLnBrk="0" hangingPunct="1">
+              <a:spcBef>
+                <a:spcPts val="2000"/>
+              </a:spcBef>
+              <a:buClr>
+                <a:schemeClr val="bg1">
+                  <a:lumMod val="65000"/>
+                </a:schemeClr>
+              </a:buClr>
+              <a:buSzPct val="90000"/>
+              <a:buFont typeface="Wingdings" pitchFamily="2" charset="2"/>
+              <a:buChar char=""/>
+              <a:defRPr sz="2400" kern="1200">
+                <a:solidFill>
+                  <a:schemeClr val="tx1">
+                    <a:lumMod val="85000"/>
+                    <a:lumOff val="15000"/>
+                  </a:schemeClr>
+                </a:solidFill>
+                <a:latin typeface="+mn-lt"/>
+                <a:ea typeface="+mn-ea"/>
+                <a:cs typeface="+mn-cs"/>
+              </a:defRPr>
+            </a:lvl1pPr>
+            <a:lvl2pPr marL="914400" indent="-457200" algn="l" defTabSz="914400" rtl="0" eaLnBrk="1" latinLnBrk="0" hangingPunct="1">
+              <a:spcBef>
+                <a:spcPts val="600"/>
+              </a:spcBef>
+              <a:buClr>
+                <a:schemeClr val="tx1">
+                  <a:lumMod val="75000"/>
+                  <a:lumOff val="25000"/>
+                </a:schemeClr>
+              </a:buClr>
+              <a:buSzPct val="90000"/>
+              <a:buFont typeface="Wingdings" pitchFamily="2" charset="2"/>
+              <a:buChar char=""/>
+              <a:defRPr sz="2200" kern="1200">
+                <a:solidFill>
+                  <a:schemeClr val="tx1">
+                    <a:lumMod val="85000"/>
+                    <a:lumOff val="15000"/>
+                  </a:schemeClr>
+                </a:solidFill>
+                <a:latin typeface="+mn-lt"/>
+                <a:ea typeface="+mn-ea"/>
+                <a:cs typeface="+mn-cs"/>
+              </a:defRPr>
+            </a:lvl2pPr>
+            <a:lvl3pPr marL="1260475" indent="-346075" algn="l" defTabSz="914400" rtl="0" eaLnBrk="1" latinLnBrk="0" hangingPunct="1">
+              <a:spcBef>
+                <a:spcPts val="600"/>
+              </a:spcBef>
+              <a:buClr>
+                <a:schemeClr val="bg1">
+                  <a:lumMod val="65000"/>
+                </a:schemeClr>
+              </a:buClr>
+              <a:buSzPct val="90000"/>
+              <a:buFont typeface="Wingdings" pitchFamily="2" charset="2"/>
+              <a:buChar char=""/>
+              <a:defRPr sz="2000" kern="1200">
+                <a:solidFill>
+                  <a:schemeClr val="tx1">
+                    <a:lumMod val="85000"/>
+                    <a:lumOff val="15000"/>
+                  </a:schemeClr>
+                </a:solidFill>
+                <a:latin typeface="+mn-lt"/>
+                <a:ea typeface="+mn-ea"/>
+                <a:cs typeface="+mn-cs"/>
+              </a:defRPr>
+            </a:lvl3pPr>
+            <a:lvl4pPr marL="1600200" indent="-339725" algn="l" defTabSz="914400" rtl="0" eaLnBrk="1" latinLnBrk="0" hangingPunct="1">
+              <a:spcBef>
+                <a:spcPts val="600"/>
+              </a:spcBef>
+              <a:buClr>
+                <a:schemeClr val="tx1">
+                  <a:lumMod val="75000"/>
+                  <a:lumOff val="25000"/>
+                </a:schemeClr>
+              </a:buClr>
+              <a:buSzPct val="90000"/>
+              <a:buFont typeface="Wingdings" pitchFamily="2" charset="2"/>
+              <a:buChar char=""/>
+              <a:defRPr sz="1800" kern="1200">
+                <a:solidFill>
+                  <a:schemeClr val="tx1">
+                    <a:lumMod val="85000"/>
+                    <a:lumOff val="15000"/>
+                  </a:schemeClr>
+                </a:solidFill>
+                <a:latin typeface="+mn-lt"/>
+                <a:ea typeface="+mn-ea"/>
+                <a:cs typeface="+mn-cs"/>
+              </a:defRPr>
+            </a:lvl4pPr>
+            <a:lvl5pPr marL="1939925" indent="-331788" algn="l" defTabSz="914400" rtl="0" eaLnBrk="1" latinLnBrk="0" hangingPunct="1">
+              <a:spcBef>
+                <a:spcPts val="600"/>
+              </a:spcBef>
+              <a:buClr>
+                <a:schemeClr val="bg1">
+                  <a:lumMod val="65000"/>
+                </a:schemeClr>
+              </a:buClr>
+              <a:buSzPct val="90000"/>
+              <a:buFont typeface="Wingdings" pitchFamily="2" charset="2"/>
+              <a:buChar char=""/>
+              <a:defRPr sz="1800" kern="1200">
+                <a:solidFill>
+                  <a:schemeClr val="tx1">
+                    <a:lumMod val="85000"/>
+                    <a:lumOff val="15000"/>
+                  </a:schemeClr>
+                </a:solidFill>
+                <a:latin typeface="+mn-lt"/>
+                <a:ea typeface="+mn-ea"/>
+                <a:cs typeface="+mn-cs"/>
+              </a:defRPr>
+            </a:lvl5pPr>
+            <a:lvl6pPr marL="2290763" indent="-344488" algn="l" defTabSz="914400" rtl="0" eaLnBrk="1" latinLnBrk="0" hangingPunct="1">
+              <a:spcBef>
+                <a:spcPts val="600"/>
+              </a:spcBef>
+              <a:buClr>
+                <a:schemeClr val="tx1">
+                  <a:lumMod val="75000"/>
+                  <a:lumOff val="25000"/>
+                </a:schemeClr>
+              </a:buClr>
+              <a:buSzPct val="90000"/>
+              <a:buFont typeface="Wingdings" pitchFamily="2" charset="2"/>
+              <a:buChar char=""/>
+              <a:defRPr lang="en-US" sz="1800" kern="1200" dirty="0" smtClean="0">
+                <a:solidFill>
+                  <a:schemeClr val="tx1">
+                    <a:lumMod val="85000"/>
+                    <a:lumOff val="15000"/>
+                  </a:schemeClr>
+                </a:solidFill>
+                <a:latin typeface="+mn-lt"/>
+                <a:ea typeface="+mn-ea"/>
+                <a:cs typeface="+mn-cs"/>
+              </a:defRPr>
+            </a:lvl6pPr>
+            <a:lvl7pPr marL="2625725" indent="-344488" algn="l" defTabSz="914400" rtl="0" eaLnBrk="1" latinLnBrk="0" hangingPunct="1">
+              <a:spcBef>
+                <a:spcPts val="600"/>
+              </a:spcBef>
+              <a:buClr>
+                <a:schemeClr val="bg1">
+                  <a:lumMod val="65000"/>
+                </a:schemeClr>
+              </a:buClr>
+              <a:buSzPct val="90000"/>
+              <a:buFont typeface="Wingdings" pitchFamily="2" charset="2"/>
+              <a:buChar char=""/>
+              <a:defRPr lang="en-US" sz="1800" kern="1200" dirty="0" smtClean="0">
+                <a:solidFill>
+                  <a:schemeClr val="tx1">
+                    <a:lumMod val="85000"/>
+                    <a:lumOff val="15000"/>
+                  </a:schemeClr>
+                </a:solidFill>
+                <a:latin typeface="+mn-lt"/>
+                <a:ea typeface="+mn-ea"/>
+                <a:cs typeface="+mn-cs"/>
+              </a:defRPr>
+            </a:lvl7pPr>
+            <a:lvl8pPr marL="2970213" indent="-344488" algn="l" defTabSz="914400" rtl="0" eaLnBrk="1" latinLnBrk="0" hangingPunct="1">
+              <a:spcBef>
+                <a:spcPts val="600"/>
+              </a:spcBef>
+              <a:buClr>
+                <a:schemeClr val="tx1">
+                  <a:lumMod val="75000"/>
+                  <a:lumOff val="25000"/>
+                </a:schemeClr>
+              </a:buClr>
+              <a:buSzPct val="90000"/>
+              <a:buFont typeface="Wingdings" pitchFamily="2" charset="2"/>
+              <a:buChar char=""/>
+              <a:defRPr lang="en-US" sz="1800" kern="1200" dirty="0" smtClean="0">
+                <a:solidFill>
+                  <a:schemeClr val="tx1">
+                    <a:lumMod val="85000"/>
+                    <a:lumOff val="15000"/>
+                  </a:schemeClr>
+                </a:solidFill>
+                <a:latin typeface="+mn-lt"/>
+                <a:ea typeface="+mn-ea"/>
+                <a:cs typeface="+mn-cs"/>
+              </a:defRPr>
+            </a:lvl8pPr>
+            <a:lvl9pPr marL="3313113" indent="-344488" algn="l" defTabSz="914400" rtl="0" eaLnBrk="1" latinLnBrk="0" hangingPunct="1">
+              <a:spcBef>
+                <a:spcPts val="600"/>
+              </a:spcBef>
+              <a:buClr>
+                <a:schemeClr val="bg1">
+                  <a:lumMod val="65000"/>
+                </a:schemeClr>
+              </a:buClr>
+              <a:buSzPct val="90000"/>
+              <a:buFont typeface="Wingdings" pitchFamily="2" charset="2"/>
+              <a:buChar char=""/>
+              <a:defRPr lang="en-US" sz="1800" kern="1200" dirty="0">
+                <a:solidFill>
+                  <a:schemeClr val="tx1">
+                    <a:lumMod val="85000"/>
+                    <a:lumOff val="15000"/>
+                  </a:schemeClr>
+                </a:solidFill>
+                <a:latin typeface="+mn-lt"/>
+                <a:ea typeface="+mn-ea"/>
+                <a:cs typeface="+mn-cs"/>
+              </a:defRPr>
+            </a:lvl9pPr>
+          </a:lstStyle>
+          <a:p>
+            <a:pPr marL="457200" indent="-457200">
+              <a:buFont typeface="+mj-lt"/>
+              <a:buAutoNum type="arabicPeriod"/>
+            </a:pPr>
+            <a:r>
+              <a:rPr lang="it-IT" b="1" dirty="0" err="1">
+                <a:solidFill>
+                  <a:schemeClr val="tx1"/>
+                </a:solidFill>
+              </a:rPr>
+              <a:t>What</a:t>
+            </a:r>
+            <a:r>
+              <a:rPr lang="it-IT" b="1" dirty="0">
+                <a:solidFill>
+                  <a:schemeClr val="tx1"/>
+                </a:solidFill>
+              </a:rPr>
+              <a:t> are 2 common </a:t>
+            </a:r>
+            <a:r>
+              <a:rPr lang="it-IT" b="1" dirty="0" err="1">
+                <a:solidFill>
+                  <a:schemeClr val="tx1"/>
+                </a:solidFill>
+              </a:rPr>
+              <a:t>problems</a:t>
+            </a:r>
+            <a:r>
+              <a:rPr lang="it-IT" b="1" dirty="0">
+                <a:solidFill>
+                  <a:schemeClr val="tx1"/>
+                </a:solidFill>
+              </a:rPr>
+              <a:t> </a:t>
+            </a:r>
+            <a:r>
+              <a:rPr lang="it-IT" b="1" dirty="0" err="1">
+                <a:solidFill>
+                  <a:schemeClr val="tx1"/>
+                </a:solidFill>
+              </a:rPr>
+              <a:t>when</a:t>
+            </a:r>
+            <a:r>
+              <a:rPr lang="it-IT" b="1" dirty="0">
+                <a:solidFill>
+                  <a:schemeClr val="tx1"/>
+                </a:solidFill>
+              </a:rPr>
+              <a:t> </a:t>
+            </a:r>
+            <a:r>
+              <a:rPr lang="it-IT" b="1" dirty="0" err="1">
+                <a:solidFill>
+                  <a:schemeClr val="tx1"/>
+                </a:solidFill>
+              </a:rPr>
+              <a:t>programming</a:t>
+            </a:r>
+            <a:r>
+              <a:rPr lang="it-IT" b="1" dirty="0">
+                <a:solidFill>
+                  <a:schemeClr val="tx1"/>
+                </a:solidFill>
+              </a:rPr>
+              <a:t> with the </a:t>
+            </a:r>
+            <a:r>
+              <a:rPr lang="it-IT" b="1" dirty="0" err="1">
+                <a:solidFill>
+                  <a:schemeClr val="tx1"/>
+                </a:solidFill>
+              </a:rPr>
+              <a:t>gyro</a:t>
+            </a:r>
+            <a:r>
+              <a:rPr lang="it-IT" b="1" dirty="0">
+                <a:solidFill>
+                  <a:schemeClr val="tx1"/>
+                </a:solidFill>
+              </a:rPr>
+              <a:t>?</a:t>
+            </a:r>
+          </a:p>
+          <a:p>
+            <a:pPr marL="460375" lvl="1" indent="0">
+              <a:buNone/>
+            </a:pPr>
+            <a:r>
+              <a:rPr lang="it-IT" dirty="0" err="1"/>
+              <a:t>Ans</a:t>
+            </a:r>
+            <a:r>
+              <a:rPr lang="it-IT" dirty="0"/>
+              <a:t>. </a:t>
+            </a:r>
+            <a:r>
+              <a:rPr lang="it-IT" dirty="0" err="1"/>
+              <a:t>Gryo</a:t>
+            </a:r>
+            <a:r>
+              <a:rPr lang="it-IT" dirty="0"/>
+              <a:t> </a:t>
+            </a:r>
+            <a:r>
+              <a:rPr lang="it-IT" dirty="0" err="1"/>
+              <a:t>drift</a:t>
+            </a:r>
+            <a:r>
+              <a:rPr lang="it-IT" dirty="0"/>
+              <a:t> and </a:t>
+            </a:r>
+            <a:r>
+              <a:rPr lang="it-IT" dirty="0" err="1"/>
+              <a:t>Gyro</a:t>
+            </a:r>
+            <a:r>
+              <a:rPr lang="it-IT" dirty="0"/>
+              <a:t> </a:t>
+            </a:r>
+            <a:r>
+              <a:rPr lang="it-IT" dirty="0" err="1"/>
+              <a:t>lag</a:t>
+            </a:r>
+            <a:endParaRPr lang="it-IT" dirty="0"/>
+          </a:p>
+          <a:p>
+            <a:pPr marL="457200" indent="-457200">
+              <a:buFont typeface="+mj-lt"/>
+              <a:buAutoNum type="arabicPeriod"/>
+            </a:pPr>
+            <a:r>
+              <a:rPr lang="it-IT" b="1" dirty="0" err="1">
+                <a:solidFill>
+                  <a:schemeClr val="tx1"/>
+                </a:solidFill>
+              </a:rPr>
+              <a:t>What</a:t>
+            </a:r>
+            <a:r>
+              <a:rPr lang="it-IT" b="1" dirty="0">
+                <a:solidFill>
+                  <a:schemeClr val="tx1"/>
+                </a:solidFill>
+              </a:rPr>
+              <a:t> </a:t>
+            </a:r>
+            <a:r>
+              <a:rPr lang="it-IT" b="1" dirty="0" err="1">
+                <a:solidFill>
+                  <a:schemeClr val="tx1"/>
+                </a:solidFill>
+              </a:rPr>
+              <a:t>does</a:t>
+            </a:r>
+            <a:r>
+              <a:rPr lang="it-IT" b="1" dirty="0">
+                <a:solidFill>
+                  <a:schemeClr val="tx1"/>
+                </a:solidFill>
+              </a:rPr>
+              <a:t> </a:t>
+            </a:r>
+            <a:r>
+              <a:rPr lang="it-IT" b="1" dirty="0" err="1">
+                <a:solidFill>
+                  <a:schemeClr val="tx1"/>
+                </a:solidFill>
+              </a:rPr>
+              <a:t>Gyro</a:t>
+            </a:r>
+            <a:r>
+              <a:rPr lang="it-IT" b="1" dirty="0">
+                <a:solidFill>
+                  <a:schemeClr val="tx1"/>
+                </a:solidFill>
+              </a:rPr>
+              <a:t> </a:t>
+            </a:r>
+            <a:r>
+              <a:rPr lang="it-IT" b="1" dirty="0" err="1">
+                <a:solidFill>
+                  <a:schemeClr val="tx1"/>
+                </a:solidFill>
+              </a:rPr>
+              <a:t>drift</a:t>
+            </a:r>
+            <a:r>
+              <a:rPr lang="it-IT" b="1" dirty="0">
+                <a:solidFill>
+                  <a:schemeClr val="tx1"/>
+                </a:solidFill>
+              </a:rPr>
+              <a:t> </a:t>
+            </a:r>
+            <a:r>
+              <a:rPr lang="it-IT" b="1" dirty="0" err="1">
+                <a:solidFill>
+                  <a:schemeClr val="tx1"/>
+                </a:solidFill>
+              </a:rPr>
+              <a:t>mean</a:t>
+            </a:r>
+            <a:r>
+              <a:rPr lang="it-IT" b="1" dirty="0">
+                <a:solidFill>
+                  <a:schemeClr val="tx1"/>
+                </a:solidFill>
+              </a:rPr>
+              <a:t>?</a:t>
+            </a:r>
+          </a:p>
+          <a:p>
+            <a:pPr marL="460375" lvl="1" indent="0">
+              <a:buNone/>
+            </a:pPr>
+            <a:r>
+              <a:rPr lang="it-IT" dirty="0" err="1"/>
+              <a:t>Ans</a:t>
+            </a:r>
+            <a:r>
+              <a:rPr lang="it-IT" dirty="0"/>
+              <a:t>. The </a:t>
+            </a:r>
+            <a:r>
+              <a:rPr lang="it-IT" dirty="0" err="1"/>
+              <a:t>Gyro</a:t>
+            </a:r>
+            <a:r>
+              <a:rPr lang="it-IT" dirty="0"/>
+              <a:t> </a:t>
+            </a:r>
+            <a:r>
+              <a:rPr lang="it-IT" dirty="0" err="1"/>
+              <a:t>readings</a:t>
+            </a:r>
+            <a:r>
+              <a:rPr lang="it-IT" dirty="0"/>
+              <a:t> </a:t>
+            </a:r>
+            <a:r>
+              <a:rPr lang="it-IT" dirty="0" err="1"/>
+              <a:t>keep</a:t>
+            </a:r>
+            <a:r>
+              <a:rPr lang="it-IT" dirty="0"/>
+              <a:t> </a:t>
+            </a:r>
+            <a:r>
+              <a:rPr lang="it-IT" dirty="0" err="1"/>
+              <a:t>changing</a:t>
+            </a:r>
+            <a:r>
+              <a:rPr lang="it-IT" dirty="0"/>
+              <a:t> </a:t>
+            </a:r>
+            <a:r>
+              <a:rPr lang="it-IT" dirty="0" err="1"/>
+              <a:t>even</a:t>
+            </a:r>
+            <a:r>
+              <a:rPr lang="it-IT" dirty="0"/>
+              <a:t> </a:t>
+            </a:r>
+            <a:r>
+              <a:rPr lang="it-IT" dirty="0" err="1"/>
+              <a:t>when</a:t>
+            </a:r>
+            <a:r>
+              <a:rPr lang="it-IT" dirty="0"/>
+              <a:t> the robot </a:t>
+            </a:r>
+            <a:r>
+              <a:rPr lang="it-IT" dirty="0" err="1"/>
+              <a:t>is</a:t>
+            </a:r>
+            <a:r>
+              <a:rPr lang="it-IT" dirty="0"/>
+              <a:t> </a:t>
+            </a:r>
+            <a:r>
+              <a:rPr lang="it-IT" dirty="0" err="1"/>
+              <a:t>still</a:t>
+            </a:r>
+            <a:endParaRPr lang="it-IT" dirty="0"/>
+          </a:p>
+          <a:p>
+            <a:pPr marL="457200" indent="-457200">
+              <a:buFont typeface="+mj-lt"/>
+              <a:buAutoNum type="arabicPeriod"/>
+            </a:pPr>
+            <a:r>
+              <a:rPr lang="it-IT" b="1" dirty="0">
+                <a:solidFill>
+                  <a:schemeClr val="tx1"/>
+                </a:solidFill>
+              </a:rPr>
+              <a:t>Can </a:t>
+            </a:r>
+            <a:r>
+              <a:rPr lang="it-IT" b="1" dirty="0" err="1">
+                <a:solidFill>
+                  <a:schemeClr val="tx1"/>
+                </a:solidFill>
+              </a:rPr>
+              <a:t>you</a:t>
+            </a:r>
+            <a:r>
+              <a:rPr lang="it-IT" b="1" dirty="0">
+                <a:solidFill>
+                  <a:schemeClr val="tx1"/>
+                </a:solidFill>
+              </a:rPr>
+              <a:t> </a:t>
+            </a:r>
+            <a:r>
+              <a:rPr lang="it-IT" b="1" dirty="0" err="1">
+                <a:solidFill>
+                  <a:schemeClr val="tx1"/>
+                </a:solidFill>
+              </a:rPr>
+              <a:t>move</a:t>
+            </a:r>
+            <a:r>
+              <a:rPr lang="it-IT" b="1" dirty="0">
+                <a:solidFill>
+                  <a:schemeClr val="tx1"/>
+                </a:solidFill>
+              </a:rPr>
+              <a:t> </a:t>
+            </a:r>
+            <a:r>
+              <a:rPr lang="it-IT" b="1" dirty="0" err="1">
+                <a:solidFill>
+                  <a:schemeClr val="tx1"/>
+                </a:solidFill>
+              </a:rPr>
+              <a:t>your</a:t>
+            </a:r>
+            <a:r>
+              <a:rPr lang="it-IT" b="1" dirty="0">
+                <a:solidFill>
+                  <a:schemeClr val="tx1"/>
+                </a:solidFill>
+              </a:rPr>
+              <a:t> robot </a:t>
+            </a:r>
+            <a:r>
+              <a:rPr lang="it-IT" b="1" dirty="0" err="1">
+                <a:solidFill>
+                  <a:schemeClr val="tx1"/>
+                </a:solidFill>
+              </a:rPr>
+              <a:t>when</a:t>
+            </a:r>
+            <a:r>
+              <a:rPr lang="it-IT" b="1" dirty="0">
+                <a:solidFill>
+                  <a:schemeClr val="tx1"/>
+                </a:solidFill>
+              </a:rPr>
+              <a:t> </a:t>
+            </a:r>
+            <a:r>
+              <a:rPr lang="it-IT" b="1" dirty="0" err="1">
+                <a:solidFill>
+                  <a:schemeClr val="tx1"/>
+                </a:solidFill>
+              </a:rPr>
+              <a:t>you</a:t>
+            </a:r>
+            <a:r>
+              <a:rPr lang="it-IT" b="1" dirty="0">
+                <a:solidFill>
+                  <a:schemeClr val="tx1"/>
+                </a:solidFill>
+              </a:rPr>
+              <a:t> calibrate </a:t>
+            </a:r>
+            <a:r>
+              <a:rPr lang="it-IT" b="1" dirty="0" err="1">
+                <a:solidFill>
+                  <a:schemeClr val="tx1"/>
+                </a:solidFill>
+              </a:rPr>
+              <a:t>your</a:t>
+            </a:r>
+            <a:r>
+              <a:rPr lang="it-IT" b="1" dirty="0">
+                <a:solidFill>
+                  <a:schemeClr val="tx1"/>
+                </a:solidFill>
+              </a:rPr>
+              <a:t> </a:t>
+            </a:r>
+            <a:r>
+              <a:rPr lang="it-IT" b="1" dirty="0" err="1">
+                <a:solidFill>
+                  <a:schemeClr val="tx1"/>
+                </a:solidFill>
+              </a:rPr>
+              <a:t>gyro</a:t>
+            </a:r>
+            <a:r>
+              <a:rPr lang="it-IT" b="1" dirty="0">
+                <a:solidFill>
+                  <a:schemeClr val="tx1"/>
+                </a:solidFill>
+              </a:rPr>
+              <a:t>?</a:t>
+            </a:r>
+          </a:p>
+          <a:p>
+            <a:pPr marL="460375" lvl="1" indent="0">
+              <a:buNone/>
+            </a:pPr>
+            <a:r>
+              <a:rPr lang="it-IT" dirty="0" err="1"/>
+              <a:t>Ans</a:t>
+            </a:r>
+            <a:r>
+              <a:rPr lang="it-IT" dirty="0"/>
+              <a:t>. No. </a:t>
+            </a:r>
+            <a:r>
+              <a:rPr lang="it-IT" dirty="0" err="1"/>
+              <a:t>Keep</a:t>
+            </a:r>
+            <a:r>
+              <a:rPr lang="it-IT" dirty="0"/>
+              <a:t> the robot </a:t>
+            </a:r>
+            <a:r>
+              <a:rPr lang="it-IT" dirty="0" err="1"/>
+              <a:t>still</a:t>
+            </a:r>
+            <a:r>
+              <a:rPr lang="it-IT" dirty="0"/>
+              <a:t>.</a:t>
+            </a:r>
+          </a:p>
+          <a:p>
+            <a:pPr marL="457200" indent="-457200">
+              <a:buFont typeface="+mj-lt"/>
+              <a:buAutoNum type="arabicPeriod"/>
+            </a:pPr>
+            <a:r>
+              <a:rPr lang="it-IT" b="1" dirty="0">
+                <a:solidFill>
+                  <a:schemeClr val="tx1"/>
+                </a:solidFill>
+              </a:rPr>
+              <a:t>Do </a:t>
+            </a:r>
+            <a:r>
+              <a:rPr lang="it-IT" b="1" dirty="0" err="1">
+                <a:solidFill>
+                  <a:schemeClr val="tx1"/>
+                </a:solidFill>
+              </a:rPr>
+              <a:t>you</a:t>
+            </a:r>
+            <a:r>
+              <a:rPr lang="it-IT" b="1" dirty="0">
+                <a:solidFill>
+                  <a:schemeClr val="tx1"/>
+                </a:solidFill>
+              </a:rPr>
+              <a:t> </a:t>
+            </a:r>
+            <a:r>
+              <a:rPr lang="it-IT" b="1" dirty="0" err="1">
+                <a:solidFill>
+                  <a:schemeClr val="tx1"/>
+                </a:solidFill>
+              </a:rPr>
+              <a:t>need</a:t>
+            </a:r>
+            <a:r>
+              <a:rPr lang="it-IT" b="1" dirty="0">
+                <a:solidFill>
+                  <a:schemeClr val="tx1"/>
+                </a:solidFill>
+              </a:rPr>
+              <a:t> to calibrate </a:t>
+            </a:r>
+            <a:r>
+              <a:rPr lang="it-IT" b="1" dirty="0" err="1">
+                <a:solidFill>
+                  <a:schemeClr val="tx1"/>
+                </a:solidFill>
+              </a:rPr>
+              <a:t>your</a:t>
+            </a:r>
+            <a:r>
+              <a:rPr lang="it-IT" b="1" dirty="0">
+                <a:solidFill>
+                  <a:schemeClr val="tx1"/>
+                </a:solidFill>
+              </a:rPr>
+              <a:t> </a:t>
+            </a:r>
+            <a:r>
+              <a:rPr lang="it-IT" b="1" dirty="0" err="1">
+                <a:solidFill>
+                  <a:schemeClr val="tx1"/>
+                </a:solidFill>
+              </a:rPr>
+              <a:t>gryo</a:t>
+            </a:r>
+            <a:r>
+              <a:rPr lang="it-IT" b="1" dirty="0">
+                <a:solidFill>
+                  <a:schemeClr val="tx1"/>
+                </a:solidFill>
+              </a:rPr>
+              <a:t> </a:t>
+            </a:r>
+            <a:r>
+              <a:rPr lang="it-IT" b="1" dirty="0" err="1">
+                <a:solidFill>
+                  <a:schemeClr val="tx1"/>
+                </a:solidFill>
+              </a:rPr>
+              <a:t>before</a:t>
+            </a:r>
+            <a:r>
+              <a:rPr lang="it-IT" b="1" dirty="0">
+                <a:solidFill>
+                  <a:schemeClr val="tx1"/>
+                </a:solidFill>
+              </a:rPr>
+              <a:t> </a:t>
+            </a:r>
+            <a:r>
+              <a:rPr lang="it-IT" b="1" dirty="0" err="1">
+                <a:solidFill>
+                  <a:schemeClr val="tx1"/>
+                </a:solidFill>
+              </a:rPr>
+              <a:t>every</a:t>
+            </a:r>
+            <a:r>
+              <a:rPr lang="it-IT" b="1" dirty="0">
+                <a:solidFill>
+                  <a:schemeClr val="tx1"/>
+                </a:solidFill>
+              </a:rPr>
+              <a:t> </a:t>
+            </a:r>
+            <a:r>
+              <a:rPr lang="it-IT" b="1" dirty="0" err="1">
+                <a:solidFill>
+                  <a:schemeClr val="tx1"/>
+                </a:solidFill>
+              </a:rPr>
+              <a:t>move</a:t>
+            </a:r>
+            <a:r>
+              <a:rPr lang="it-IT" b="1" dirty="0">
+                <a:solidFill>
+                  <a:schemeClr val="tx1"/>
+                </a:solidFill>
+              </a:rPr>
+              <a:t>?</a:t>
+            </a:r>
+          </a:p>
+          <a:p>
+            <a:pPr marL="460375" lvl="1" indent="0">
+              <a:buNone/>
+            </a:pPr>
+            <a:r>
+              <a:rPr lang="it-IT" dirty="0" err="1"/>
+              <a:t>Ans</a:t>
+            </a:r>
+            <a:r>
+              <a:rPr lang="it-IT" dirty="0"/>
+              <a:t>. No. Once </a:t>
+            </a:r>
+            <a:r>
+              <a:rPr lang="it-IT" dirty="0" err="1"/>
+              <a:t>before</a:t>
+            </a:r>
+            <a:r>
+              <a:rPr lang="it-IT" dirty="0"/>
+              <a:t> </a:t>
+            </a:r>
+            <a:r>
+              <a:rPr lang="it-IT" dirty="0" err="1"/>
+              <a:t>you</a:t>
+            </a:r>
+            <a:r>
+              <a:rPr lang="it-IT" dirty="0"/>
+              <a:t> </a:t>
+            </a:r>
+            <a:r>
+              <a:rPr lang="it-IT" dirty="0" err="1"/>
+              <a:t>run</a:t>
+            </a:r>
+            <a:r>
+              <a:rPr lang="it-IT" dirty="0"/>
+              <a:t> </a:t>
+            </a:r>
+            <a:r>
+              <a:rPr lang="it-IT" dirty="0" err="1"/>
+              <a:t>your</a:t>
+            </a:r>
+            <a:r>
+              <a:rPr lang="it-IT" dirty="0"/>
+              <a:t> </a:t>
+            </a:r>
+            <a:r>
+              <a:rPr lang="it-IT" dirty="0" err="1"/>
+              <a:t>entire</a:t>
+            </a:r>
+            <a:r>
+              <a:rPr lang="it-IT" dirty="0"/>
+              <a:t> </a:t>
+            </a:r>
+            <a:r>
+              <a:rPr lang="it-IT" dirty="0" err="1"/>
+              <a:t>program</a:t>
+            </a:r>
+            <a:endParaRPr lang="it-IT" dirty="0"/>
+          </a:p>
+        </p:txBody>
+      </p:sp>
+      <p:sp>
+        <p:nvSpPr>
+          <p:cNvPr id="8" name="Footer Placeholder 3">
+            <a:extLst>
+              <a:ext uri="{FF2B5EF4-FFF2-40B4-BE49-F238E27FC236}">
+                <a16:creationId xmlns:a16="http://schemas.microsoft.com/office/drawing/2014/main" id="{814A0FC6-3F8F-5142-A776-608EF51D4EE3}"/>
+              </a:ext>
+            </a:extLst>
+          </p:cNvPr>
+          <p:cNvSpPr>
+            <a:spLocks noGrp="1"/>
+          </p:cNvSpPr>
+          <p:nvPr>
+            <p:ph type="ftr" sz="quarter" idx="11"/>
+          </p:nvPr>
+        </p:nvSpPr>
+        <p:spPr>
+          <a:xfrm>
+            <a:off x="199698" y="6437032"/>
+            <a:ext cx="6124902" cy="365125"/>
+          </a:xfrm>
+        </p:spPr>
+        <p:txBody>
+          <a:bodyPr/>
+          <a:lstStyle/>
+          <a:p>
+            <a:r>
+              <a:rPr lang="en-US"/>
+              <a:t>© 2020 EV3Lessons.com, Last edit 12/30/2019</a:t>
+            </a:r>
+            <a:endParaRPr lang="en-US" dirty="0"/>
+          </a:p>
+        </p:txBody>
+      </p:sp>
+    </p:spTree>
+    <p:extLst>
+      <p:ext uri="{BB962C8B-B14F-4D97-AF65-F5344CB8AC3E}">
+        <p14:creationId xmlns:p14="http://schemas.microsoft.com/office/powerpoint/2010/main" val="2340946511"/>
+      </p:ext>
+    </p:extLst>
+  </p:cSld>
+  <p:clrMapOvr>
+    <a:masterClrMapping/>
+  </p:clrMapOvr>
+</p:sld>
+</file>
+
+<file path=ppt/slides/slide13.xml><?xml version="1.0" encoding="utf-8"?>
+<p:sld xmlns:a="http://schemas.openxmlformats.org/drawingml/2006/main" xmlns:r="http://schemas.openxmlformats.org/officeDocument/2006/relationships" xmlns:p="http://schemas.openxmlformats.org/presentationml/2006/main">
+  <p:cSld>
+    <p:spTree>
+      <p:nvGrpSpPr>
+        <p:cNvPr id="1" name=""/>
+        <p:cNvGrpSpPr/>
+        <p:nvPr/>
+      </p:nvGrpSpPr>
+      <p:grpSpPr>
+        <a:xfrm>
+          <a:off x="0" y="0"/>
+          <a:ext cx="0" cy="0"/>
+          <a:chOff x="0" y="0"/>
+          <a:chExt cx="0" cy="0"/>
+        </a:xfrm>
+      </p:grpSpPr>
+      <p:sp>
+        <p:nvSpPr>
+          <p:cNvPr id="3" name="Content Placeholder 2"/>
+          <p:cNvSpPr>
+            <a:spLocks noGrp="1"/>
+          </p:cNvSpPr>
+          <p:nvPr>
+            <p:ph idx="1"/>
+          </p:nvPr>
+        </p:nvSpPr>
+        <p:spPr>
+          <a:xfrm>
+            <a:off x="284163" y="1818870"/>
+            <a:ext cx="8574087" cy="2877116"/>
+          </a:xfrm>
+        </p:spPr>
+        <p:txBody>
+          <a:bodyPr/>
+          <a:lstStyle/>
+          <a:p>
+            <a:r>
+              <a:rPr lang="en-US" dirty="0"/>
+              <a:t>This tutorial was written by Sanjay Seshan and Arvind Seshan </a:t>
+            </a:r>
+          </a:p>
+          <a:p>
+            <a:r>
+              <a:rPr lang="en-US" dirty="0"/>
+              <a:t>More lessons at </a:t>
+            </a:r>
+            <a:r>
+              <a:rPr lang="en-US" dirty="0">
+                <a:hlinkClick r:id="rId3"/>
+              </a:rPr>
+              <a:t>www.ev3lessons.com</a:t>
+            </a:r>
+            <a:endParaRPr lang="en-US" dirty="0"/>
+          </a:p>
+        </p:txBody>
+      </p:sp>
+      <p:sp>
+        <p:nvSpPr>
+          <p:cNvPr id="4" name="Footer Placeholder 3"/>
+          <p:cNvSpPr>
+            <a:spLocks noGrp="1"/>
+          </p:cNvSpPr>
+          <p:nvPr>
+            <p:ph type="ftr" sz="quarter" idx="11"/>
+          </p:nvPr>
+        </p:nvSpPr>
+        <p:spPr/>
+        <p:txBody>
+          <a:bodyPr/>
+          <a:lstStyle/>
+          <a:p>
+            <a:r>
+              <a:rPr lang="en-US"/>
+              <a:t>© 2020 EV3Lessons.com, Last edit 12/30/2019</a:t>
+            </a:r>
+            <a:endParaRPr lang="en-US" dirty="0"/>
+          </a:p>
+        </p:txBody>
+      </p:sp>
+      <p:sp>
+        <p:nvSpPr>
+          <p:cNvPr id="2" name="Title 1"/>
+          <p:cNvSpPr>
+            <a:spLocks noGrp="1"/>
+          </p:cNvSpPr>
+          <p:nvPr>
+            <p:ph type="title"/>
+          </p:nvPr>
+        </p:nvSpPr>
+        <p:spPr/>
+        <p:txBody>
+          <a:bodyPr/>
+          <a:lstStyle/>
+          <a:p>
+            <a:r>
+              <a:rPr lang="en-US"/>
+              <a:t>Credits</a:t>
+            </a:r>
+            <a:endParaRPr lang="en-US" dirty="0"/>
+          </a:p>
+        </p:txBody>
+      </p:sp>
+      <p:sp>
+        <p:nvSpPr>
+          <p:cNvPr id="5" name="Rectangle 1"/>
+          <p:cNvSpPr>
+            <a:spLocks noChangeArrowheads="1"/>
+          </p:cNvSpPr>
+          <p:nvPr/>
+        </p:nvSpPr>
+        <p:spPr bwMode="auto">
+          <a:xfrm>
+            <a:off x="457199" y="5391957"/>
+            <a:ext cx="7913347" cy="923330"/>
+          </a:xfrm>
+          <a:prstGeom prst="rect">
+            <a:avLst/>
+          </a:prstGeom>
+          <a:solidFill>
+            <a:srgbClr val="F5F5F5"/>
+          </a:solidFill>
+          <a:ln>
+            <a:noFill/>
+          </a:ln>
+          <a:effectLst/>
+          <a:extLst>
+            <a:ext uri="{91240B29-F687-4f45-9708-019B960494DF}">
+              <a14:hiddenLine xmlns:a14="http://schemas.microsoft.com/office/drawing/2010/main" xmlns="" w="9525">
+                <a:solidFill>
+                  <a:schemeClr val="tx1"/>
+                </a:solidFill>
+                <a:miter lim="800000"/>
+                <a:headEnd/>
+                <a:tailEnd/>
+              </a14:hiddenLine>
+            </a:ext>
+            <a:ext uri="{AF507438-7753-43e0-B8FC-AC1667EBCBE1}">
+              <a14:hiddenEffects xmlns:a14="http://schemas.microsoft.com/office/drawing/2010/main" xmlns="">
+                <a:effectLst>
+                  <a:outerShdw dist="35921" dir="2700000" algn="ctr" rotWithShape="0">
+                    <a:schemeClr val="bg2"/>
+                  </a:outerShdw>
+                </a:effectLst>
+              </a14:hiddenEffects>
+            </a:ext>
+          </a:extLst>
+        </p:spPr>
+        <p:txBody>
+          <a:bodyPr vert="horz" wrap="square" lIns="0" tIns="0" rIns="0" bIns="0" numCol="1" anchor="ctr" anchorCtr="0" compatLnSpc="1">
+            <a:prstTxWarp prst="textNoShape">
+              <a:avLst/>
+            </a:prstTxWarp>
+            <a:spAutoFit/>
+          </a:bodyPr>
+          <a:lstStyle>
+            <a:lvl1pPr eaLnBrk="0" fontAlgn="base" hangingPunct="0">
+              <a:spcBef>
+                <a:spcPct val="0"/>
+              </a:spcBef>
+              <a:spcAft>
+                <a:spcPct val="0"/>
+              </a:spcAft>
+              <a:defRPr>
+                <a:solidFill>
+                  <a:schemeClr val="tx1"/>
+                </a:solidFill>
+                <a:latin typeface="Arial" panose="020B0604020202020204" pitchFamily="34" charset="0"/>
+              </a:defRPr>
+            </a:lvl1pPr>
+            <a:lvl2pPr eaLnBrk="0" fontAlgn="base" hangingPunct="0">
+              <a:spcBef>
+                <a:spcPct val="0"/>
+              </a:spcBef>
+              <a:spcAft>
+                <a:spcPct val="0"/>
+              </a:spcAft>
+              <a:defRPr>
+                <a:solidFill>
+                  <a:schemeClr val="tx1"/>
+                </a:solidFill>
+                <a:latin typeface="Arial" panose="020B0604020202020204" pitchFamily="34" charset="0"/>
+              </a:defRPr>
+            </a:lvl2pPr>
+            <a:lvl3pPr eaLnBrk="0" fontAlgn="base" hangingPunct="0">
+              <a:spcBef>
+                <a:spcPct val="0"/>
+              </a:spcBef>
+              <a:spcAft>
+                <a:spcPct val="0"/>
+              </a:spcAft>
+              <a:defRPr>
+                <a:solidFill>
+                  <a:schemeClr val="tx1"/>
+                </a:solidFill>
+                <a:latin typeface="Arial" panose="020B0604020202020204" pitchFamily="34" charset="0"/>
+              </a:defRPr>
+            </a:lvl3pPr>
+            <a:lvl4pPr eaLnBrk="0" fontAlgn="base" hangingPunct="0">
+              <a:spcBef>
+                <a:spcPct val="0"/>
+              </a:spcBef>
+              <a:spcAft>
+                <a:spcPct val="0"/>
+              </a:spcAft>
+              <a:defRPr>
+                <a:solidFill>
+                  <a:schemeClr val="tx1"/>
+                </a:solidFill>
+                <a:latin typeface="Arial" panose="020B0604020202020204" pitchFamily="34" charset="0"/>
+              </a:defRPr>
+            </a:lvl4pPr>
+            <a:lvl5pPr eaLnBrk="0" fontAlgn="base" hangingPunct="0">
+              <a:spcBef>
+                <a:spcPct val="0"/>
+              </a:spcBef>
+              <a:spcAft>
+                <a:spcPct val="0"/>
+              </a:spcAft>
+              <a:defRPr>
+                <a:solidFill>
+                  <a:schemeClr val="tx1"/>
+                </a:solidFill>
+                <a:latin typeface="Arial" panose="020B0604020202020204" pitchFamily="34" charset="0"/>
+              </a:defRPr>
+            </a:lvl5pPr>
+            <a:lvl6pPr eaLnBrk="0" fontAlgn="base" hangingPunct="0">
+              <a:spcBef>
+                <a:spcPct val="0"/>
+              </a:spcBef>
+              <a:spcAft>
+                <a:spcPct val="0"/>
+              </a:spcAft>
+              <a:defRPr>
+                <a:solidFill>
+                  <a:schemeClr val="tx1"/>
+                </a:solidFill>
+                <a:latin typeface="Arial" panose="020B0604020202020204" pitchFamily="34" charset="0"/>
+              </a:defRPr>
+            </a:lvl6pPr>
+            <a:lvl7pPr eaLnBrk="0" fontAlgn="base" hangingPunct="0">
+              <a:spcBef>
+                <a:spcPct val="0"/>
+              </a:spcBef>
+              <a:spcAft>
+                <a:spcPct val="0"/>
+              </a:spcAft>
+              <a:defRPr>
+                <a:solidFill>
+                  <a:schemeClr val="tx1"/>
+                </a:solidFill>
+                <a:latin typeface="Arial" panose="020B0604020202020204" pitchFamily="34" charset="0"/>
+              </a:defRPr>
+            </a:lvl7pPr>
+            <a:lvl8pPr eaLnBrk="0" fontAlgn="base" hangingPunct="0">
+              <a:spcBef>
+                <a:spcPct val="0"/>
+              </a:spcBef>
+              <a:spcAft>
+                <a:spcPct val="0"/>
+              </a:spcAft>
+              <a:defRPr>
+                <a:solidFill>
+                  <a:schemeClr val="tx1"/>
+                </a:solidFill>
+                <a:latin typeface="Arial" panose="020B0604020202020204" pitchFamily="34" charset="0"/>
+              </a:defRPr>
+            </a:lvl8pPr>
+            <a:lvl9pPr eaLnBrk="0" fontAlgn="base" hangingPunct="0">
+              <a:spcBef>
+                <a:spcPct val="0"/>
+              </a:spcBef>
+              <a:spcAft>
+                <a:spcPct val="0"/>
+              </a:spcAft>
+              <a:defRPr>
+                <a:solidFill>
+                  <a:schemeClr val="tx1"/>
+                </a:solidFill>
+                <a:latin typeface="Arial" panose="020B0604020202020204" pitchFamily="34" charset="0"/>
+              </a:defRPr>
+            </a:lvl9pPr>
+          </a:lstStyle>
+          <a:p>
+            <a:pPr marL="0" marR="0" lvl="0" indent="0" algn="ctr" defTabSz="914400" rtl="0" eaLnBrk="0" fontAlgn="base" latinLnBrk="0" hangingPunct="0">
+              <a:lnSpc>
+                <a:spcPct val="100000"/>
+              </a:lnSpc>
+              <a:spcBef>
+                <a:spcPct val="0"/>
+              </a:spcBef>
+              <a:spcAft>
+                <a:spcPct val="0"/>
+              </a:spcAft>
+              <a:buClrTx/>
+              <a:buSzTx/>
+              <a:buFontTx/>
+              <a:buNone/>
+              <a:tabLst/>
+            </a:pPr>
+            <a:r>
+              <a:rPr kumimoji="0" lang="en-US" altLang="en-US" sz="2000" b="0" i="0" u="none" strike="noStrike" cap="none" normalizeH="0" baseline="0" dirty="0">
+                <a:ln>
+                  <a:noFill/>
+                </a:ln>
+                <a:solidFill>
+                  <a:srgbClr val="4374B7"/>
+                </a:solidFill>
+                <a:effectLst/>
+                <a:latin typeface="Helvetica Neue"/>
+              </a:rPr>
+              <a:t>                         </a:t>
+            </a:r>
+            <a:br>
+              <a:rPr kumimoji="0" lang="en-US" altLang="en-US" sz="1600" b="0" i="0" u="none" strike="noStrike" cap="none" normalizeH="0" baseline="0" dirty="0">
+                <a:ln>
+                  <a:noFill/>
+                </a:ln>
+                <a:solidFill>
+                  <a:schemeClr val="tx1"/>
+                </a:solidFill>
+                <a:effectLst/>
+              </a:rPr>
+            </a:br>
+            <a:r>
+              <a:rPr kumimoji="0" lang="en-US" altLang="en-US" sz="2000" b="0" i="0" u="none" strike="noStrike" cap="none" normalizeH="0" baseline="0" dirty="0">
+                <a:ln>
+                  <a:noFill/>
+                </a:ln>
+                <a:solidFill>
+                  <a:srgbClr val="000000"/>
+                </a:solidFill>
+                <a:effectLst/>
+                <a:latin typeface="Helvetica Neue"/>
+              </a:rPr>
+              <a:t>This work is licensed under a </a:t>
+            </a:r>
+            <a:r>
+              <a:rPr kumimoji="0" lang="en-US" altLang="en-US" sz="2000" b="0" i="0" u="none" strike="noStrike" cap="none" normalizeH="0" baseline="0" dirty="0">
+                <a:ln>
+                  <a:noFill/>
+                </a:ln>
+                <a:solidFill>
+                  <a:srgbClr val="4374B7"/>
+                </a:solidFill>
+                <a:effectLst/>
+                <a:latin typeface="Helvetica Neue"/>
+                <a:hlinkClick r:id="rId4"/>
+              </a:rPr>
+              <a:t>Creative Commons Attribution-</a:t>
+            </a:r>
+            <a:r>
+              <a:rPr kumimoji="0" lang="en-US" altLang="en-US" sz="2000" b="0" i="0" u="none" strike="noStrike" cap="none" normalizeH="0" baseline="0" dirty="0" err="1">
+                <a:ln>
+                  <a:noFill/>
+                </a:ln>
+                <a:solidFill>
+                  <a:srgbClr val="4374B7"/>
+                </a:solidFill>
+                <a:effectLst/>
+                <a:latin typeface="Helvetica Neue"/>
+                <a:hlinkClick r:id="rId4"/>
+              </a:rPr>
+              <a:t>NonCommercial</a:t>
+            </a:r>
+            <a:r>
+              <a:rPr kumimoji="0" lang="en-US" altLang="en-US" sz="2000" b="0" i="0" u="none" strike="noStrike" cap="none" normalizeH="0" baseline="0" dirty="0">
+                <a:ln>
+                  <a:noFill/>
+                </a:ln>
+                <a:solidFill>
+                  <a:srgbClr val="4374B7"/>
+                </a:solidFill>
+                <a:effectLst/>
+                <a:latin typeface="Helvetica Neue"/>
+                <a:hlinkClick r:id="rId4"/>
+              </a:rPr>
+              <a:t>-</a:t>
+            </a:r>
+            <a:r>
+              <a:rPr kumimoji="0" lang="en-US" altLang="en-US" sz="2000" b="0" i="0" u="none" strike="noStrike" cap="none" normalizeH="0" baseline="0" dirty="0" err="1">
+                <a:ln>
+                  <a:noFill/>
+                </a:ln>
+                <a:solidFill>
+                  <a:srgbClr val="4374B7"/>
+                </a:solidFill>
+                <a:effectLst/>
+                <a:latin typeface="Helvetica Neue"/>
+                <a:hlinkClick r:id="rId4"/>
+              </a:rPr>
+              <a:t>ShareAlike</a:t>
+            </a:r>
+            <a:r>
+              <a:rPr kumimoji="0" lang="en-US" altLang="en-US" sz="2000" b="0" i="0" u="none" strike="noStrike" cap="none" normalizeH="0" baseline="0" dirty="0">
+                <a:ln>
+                  <a:noFill/>
+                </a:ln>
+                <a:solidFill>
+                  <a:srgbClr val="4374B7"/>
+                </a:solidFill>
+                <a:effectLst/>
+                <a:latin typeface="Helvetica Neue"/>
+                <a:hlinkClick r:id="rId4"/>
+              </a:rPr>
+              <a:t> 4.0 International License</a:t>
+            </a:r>
+            <a:r>
+              <a:rPr kumimoji="0" lang="en-US" altLang="en-US" sz="2000" b="0" i="0" u="none" strike="noStrike" cap="none" normalizeH="0" baseline="0" dirty="0">
+                <a:ln>
+                  <a:noFill/>
+                </a:ln>
+                <a:solidFill>
+                  <a:srgbClr val="000000"/>
+                </a:solidFill>
+                <a:effectLst/>
+                <a:latin typeface="Helvetica Neue"/>
+              </a:rPr>
+              <a:t>.</a:t>
+            </a:r>
+            <a:r>
+              <a:rPr kumimoji="0" lang="en-US" altLang="en-US" sz="1600" b="0" i="0" u="none" strike="noStrike" cap="none" normalizeH="0" baseline="0" dirty="0">
+                <a:ln>
+                  <a:noFill/>
+                </a:ln>
+                <a:solidFill>
+                  <a:schemeClr val="tx1"/>
+                </a:solidFill>
+                <a:effectLst/>
+              </a:rPr>
+              <a:t> </a:t>
+            </a:r>
+            <a:endParaRPr kumimoji="0" lang="en-US" altLang="en-US" sz="2000" b="0" i="0" u="none" strike="noStrike" cap="none" normalizeH="0" baseline="0" dirty="0">
+              <a:ln>
+                <a:noFill/>
+              </a:ln>
+              <a:solidFill>
+                <a:srgbClr val="4374B7"/>
+              </a:solidFill>
+              <a:effectLst/>
+              <a:latin typeface="Helvetica Neue"/>
+            </a:endParaRPr>
+          </a:p>
+        </p:txBody>
+      </p:sp>
+      <p:pic>
+        <p:nvPicPr>
+          <p:cNvPr id="6" name="Picture 2" descr="Creative Commons License">
+            <a:hlinkClick r:id="rId4"/>
+          </p:cNvPr>
+          <p:cNvPicPr>
+            <a:picLocks noChangeAspect="1" noChangeArrowheads="1"/>
+          </p:cNvPicPr>
+          <p:nvPr/>
+        </p:nvPicPr>
+        <p:blipFill>
+          <a:blip r:embed="rId5">
+            <a:extLst>
+              <a:ext uri="{28A0092B-C50C-407E-A947-70E740481C1C}">
+                <a14:useLocalDpi xmlns:a14="http://schemas.microsoft.com/office/drawing/2010/main"/>
+              </a:ext>
+            </a:extLst>
+          </a:blip>
+          <a:srcRect/>
+          <a:stretch>
+            <a:fillRect/>
+          </a:stretch>
+        </p:blipFill>
+        <p:spPr bwMode="auto">
+          <a:xfrm>
+            <a:off x="3812487" y="4695986"/>
+            <a:ext cx="2161449" cy="761422"/>
+          </a:xfrm>
+          <a:prstGeom prst="rect">
+            <a:avLst/>
+          </a:prstGeom>
+          <a:noFill/>
+          <a:extLst>
+            <a:ext uri="{909E8E84-426E-40dd-AFC4-6F175D3DCCD1}">
+              <a14:hiddenFill xmlns:a14="http://schemas.microsoft.com/office/drawing/2010/main" xmlns="">
+                <a:solidFill>
+                  <a:srgbClr val="FFFFFF"/>
+                </a:solidFill>
+              </a14:hiddenFill>
+            </a:ext>
+          </a:extLst>
+        </p:spPr>
+      </p:pic>
+    </p:spTree>
+    <p:extLst>
+      <p:ext uri="{BB962C8B-B14F-4D97-AF65-F5344CB8AC3E}">
+        <p14:creationId xmlns:p14="http://schemas.microsoft.com/office/powerpoint/2010/main" val="4261110021"/>
+      </p:ext>
+    </p:extLst>
+  </p:cSld>
+  <p:clrMapOvr>
+    <a:masterClrMapping/>
+  </p:clrMapOvr>
+</p:sld>
+</file>
+
+<file path=ppt/slides/slide2.xml><?xml version="1.0" encoding="utf-8"?>
+<p:sld xmlns:a="http://schemas.openxmlformats.org/drawingml/2006/main" xmlns:r="http://schemas.openxmlformats.org/officeDocument/2006/relationships" xmlns:p="http://schemas.openxmlformats.org/presentationml/2006/main">
+  <p:cSld>
+    <p:spTree>
+      <p:nvGrpSpPr>
+        <p:cNvPr id="1" name=""/>
+        <p:cNvGrpSpPr/>
+        <p:nvPr/>
+      </p:nvGrpSpPr>
+      <p:grpSpPr>
+        <a:xfrm>
+          <a:off x="0" y="0"/>
+          <a:ext cx="0" cy="0"/>
+          <a:chOff x="0" y="0"/>
+          <a:chExt cx="0" cy="0"/>
+        </a:xfrm>
+      </p:grpSpPr>
+      <p:sp>
+        <p:nvSpPr>
+          <p:cNvPr id="7" name="Content Placeholder 6"/>
+          <p:cNvSpPr>
+            <a:spLocks noGrp="1"/>
+          </p:cNvSpPr>
+          <p:nvPr>
+            <p:ph idx="1"/>
+          </p:nvPr>
+        </p:nvSpPr>
+        <p:spPr/>
+        <p:txBody>
+          <a:bodyPr>
+            <a:normAutofit fontScale="92500" lnSpcReduction="20000"/>
+          </a:bodyPr>
+          <a:lstStyle/>
+          <a:p>
+            <a:pPr marL="457200" indent="-457200">
+              <a:buFont typeface="+mj-lt"/>
+              <a:buAutoNum type="arabicPeriod"/>
+            </a:pPr>
+            <a:r>
+              <a:rPr lang="en-US" dirty="0"/>
+              <a:t>Learn what the Gyro Sensor does</a:t>
+            </a:r>
+          </a:p>
+          <a:p>
+            <a:pPr marL="457200" indent="-457200">
+              <a:buFont typeface="+mj-lt"/>
+              <a:buAutoNum type="arabicPeriod"/>
+            </a:pPr>
+            <a:r>
+              <a:rPr lang="en-US" dirty="0"/>
+              <a:t>Learn about 2 common problems with using the gyro sensor (drift and lag)</a:t>
+            </a:r>
+          </a:p>
+          <a:p>
+            <a:pPr marL="457200" indent="-457200">
+              <a:buFont typeface="+mj-lt"/>
+              <a:buAutoNum type="arabicPeriod"/>
+            </a:pPr>
+            <a:r>
+              <a:rPr lang="en-US" dirty="0"/>
+              <a:t>Learn what “drift” means</a:t>
+            </a:r>
+          </a:p>
+          <a:p>
+            <a:pPr marL="457200" indent="-457200">
+              <a:buFont typeface="+mj-lt"/>
+              <a:buAutoNum type="arabicPeriod"/>
+            </a:pPr>
+            <a:r>
+              <a:rPr lang="en-US" dirty="0"/>
+              <a:t>Learn how to correct for drift with a gyro “calibration” technique</a:t>
+            </a:r>
+          </a:p>
+          <a:p>
+            <a:pPr marL="457200" indent="-457200">
+              <a:buFont typeface="+mj-lt"/>
+              <a:buAutoNum type="arabicPeriod"/>
+            </a:pPr>
+            <a:r>
+              <a:rPr lang="en-US" dirty="0"/>
+              <a:t>Learn about how older and newer generations of gyro sensors effect the calibration process </a:t>
+            </a:r>
+          </a:p>
+          <a:p>
+            <a:pPr marL="0" indent="0">
+              <a:buNone/>
+            </a:pPr>
+            <a:endParaRPr lang="en-US" dirty="0"/>
+          </a:p>
+          <a:p>
+            <a:pPr marL="0" indent="0">
+              <a:buNone/>
+            </a:pPr>
+            <a:r>
+              <a:rPr lang="en-US" dirty="0"/>
+              <a:t>Prerequisites: Loops, Operators, Wait Blocks</a:t>
+            </a:r>
+            <a:endParaRPr lang="en-US" dirty="0">
+              <a:solidFill>
+                <a:srgbClr val="FF0000"/>
+              </a:solidFill>
+            </a:endParaRPr>
+          </a:p>
+        </p:txBody>
+      </p:sp>
+      <p:sp>
+        <p:nvSpPr>
+          <p:cNvPr id="6" name="Title 5"/>
+          <p:cNvSpPr>
+            <a:spLocks noGrp="1"/>
+          </p:cNvSpPr>
+          <p:nvPr>
+            <p:ph type="title"/>
+          </p:nvPr>
+        </p:nvSpPr>
+        <p:spPr/>
+        <p:txBody>
+          <a:bodyPr/>
+          <a:lstStyle/>
+          <a:p>
+            <a:r>
+              <a:rPr lang="en-US" dirty="0"/>
+              <a:t>Lesson Objectives</a:t>
+            </a:r>
+          </a:p>
+        </p:txBody>
+      </p:sp>
+      <p:sp>
+        <p:nvSpPr>
+          <p:cNvPr id="5" name="Footer Placeholder 3">
+            <a:extLst>
+              <a:ext uri="{FF2B5EF4-FFF2-40B4-BE49-F238E27FC236}">
+                <a16:creationId xmlns:a16="http://schemas.microsoft.com/office/drawing/2014/main" id="{3BF8CB20-90AB-3A4D-A1BD-90D97EE56477}"/>
+              </a:ext>
+            </a:extLst>
+          </p:cNvPr>
+          <p:cNvSpPr>
+            <a:spLocks noGrp="1"/>
+          </p:cNvSpPr>
+          <p:nvPr>
+            <p:ph type="ftr" sz="quarter" idx="11"/>
+          </p:nvPr>
+        </p:nvSpPr>
+        <p:spPr>
+          <a:xfrm>
+            <a:off x="199698" y="6437032"/>
+            <a:ext cx="6124902" cy="365125"/>
+          </a:xfrm>
+        </p:spPr>
+        <p:txBody>
+          <a:bodyPr/>
+          <a:lstStyle/>
+          <a:p>
+            <a:r>
+              <a:rPr lang="en-US"/>
+              <a:t>© 2020 EV3Lessons.com, Last edit 12/30/2019</a:t>
+            </a:r>
+            <a:endParaRPr lang="en-US" dirty="0"/>
+          </a:p>
+        </p:txBody>
+      </p:sp>
+    </p:spTree>
+    <p:extLst>
+      <p:ext uri="{BB962C8B-B14F-4D97-AF65-F5344CB8AC3E}">
+        <p14:creationId xmlns:p14="http://schemas.microsoft.com/office/powerpoint/2010/main" val="2698344269"/>
+      </p:ext>
+    </p:extLst>
+  </p:cSld>
+  <p:clrMapOvr>
+    <a:masterClrMapping/>
+  </p:clrMapOvr>
+</p:sld>
+</file>
+
+<file path=ppt/slides/slide3.xml><?xml version="1.0" encoding="utf-8"?>
+<p:sld xmlns:a="http://schemas.openxmlformats.org/drawingml/2006/main" xmlns:r="http://schemas.openxmlformats.org/officeDocument/2006/relationships" xmlns:p="http://schemas.openxmlformats.org/presentationml/2006/main">
+  <p:cSld>
+    <p:spTree>
+      <p:nvGrpSpPr>
+        <p:cNvPr id="1" name=""/>
+        <p:cNvGrpSpPr/>
+        <p:nvPr/>
+      </p:nvGrpSpPr>
+      <p:grpSpPr>
+        <a:xfrm>
+          <a:off x="0" y="0"/>
+          <a:ext cx="0" cy="0"/>
+          <a:chOff x="0" y="0"/>
+          <a:chExt cx="0" cy="0"/>
+        </a:xfrm>
+      </p:grpSpPr>
+      <p:sp>
+        <p:nvSpPr>
+          <p:cNvPr id="7" name="Content Placeholder 6"/>
+          <p:cNvSpPr>
+            <a:spLocks noGrp="1"/>
+          </p:cNvSpPr>
+          <p:nvPr>
+            <p:ph idx="1"/>
+          </p:nvPr>
+        </p:nvSpPr>
+        <p:spPr/>
+        <p:txBody>
+          <a:bodyPr/>
+          <a:lstStyle/>
+          <a:p>
+            <a:r>
+              <a:rPr lang="en-US" dirty="0"/>
+              <a:t>Gyro sensor detects rotational motion</a:t>
+            </a:r>
+          </a:p>
+          <a:p>
+            <a:r>
+              <a:rPr lang="en-US" dirty="0"/>
+              <a:t>The sensor measures the rate of rotation in degrees per second (rate)</a:t>
+            </a:r>
+          </a:p>
+          <a:p>
+            <a:r>
+              <a:rPr lang="en-US" dirty="0"/>
+              <a:t>It also keeps track of the total rotational angle and therefore lets you measure how far your robot has turned (angle)</a:t>
+            </a:r>
+          </a:p>
+          <a:p>
+            <a:r>
+              <a:rPr lang="en-US" dirty="0"/>
+              <a:t>The accuracy of the sensor is ±3 degrees for 90 degree turn</a:t>
+            </a:r>
+          </a:p>
+          <a:p>
+            <a:endParaRPr lang="en-US" dirty="0"/>
+          </a:p>
+        </p:txBody>
+      </p:sp>
+      <p:sp>
+        <p:nvSpPr>
+          <p:cNvPr id="6" name="Title 5"/>
+          <p:cNvSpPr>
+            <a:spLocks noGrp="1"/>
+          </p:cNvSpPr>
+          <p:nvPr>
+            <p:ph type="title"/>
+          </p:nvPr>
+        </p:nvSpPr>
+        <p:spPr/>
+        <p:txBody>
+          <a:bodyPr/>
+          <a:lstStyle/>
+          <a:p>
+            <a:r>
+              <a:rPr lang="en-US" dirty="0"/>
+              <a:t>What is the Gyro Sensor?</a:t>
+            </a:r>
+          </a:p>
+        </p:txBody>
+      </p:sp>
+      <p:sp>
+        <p:nvSpPr>
+          <p:cNvPr id="8" name="Footer Placeholder 3">
+            <a:extLst>
+              <a:ext uri="{FF2B5EF4-FFF2-40B4-BE49-F238E27FC236}">
+                <a16:creationId xmlns:a16="http://schemas.microsoft.com/office/drawing/2014/main" id="{B44AF525-F56F-5445-B827-5B143537FCB8}"/>
+              </a:ext>
+            </a:extLst>
+          </p:cNvPr>
+          <p:cNvSpPr>
+            <a:spLocks noGrp="1"/>
+          </p:cNvSpPr>
+          <p:nvPr>
+            <p:ph type="ftr" sz="quarter" idx="11"/>
+          </p:nvPr>
+        </p:nvSpPr>
+        <p:spPr>
+          <a:xfrm>
+            <a:off x="199698" y="6437032"/>
+            <a:ext cx="6124902" cy="365125"/>
+          </a:xfrm>
+        </p:spPr>
+        <p:txBody>
+          <a:bodyPr/>
+          <a:lstStyle/>
+          <a:p>
+            <a:r>
+              <a:rPr lang="en-US"/>
+              <a:t>© 2020 EV3Lessons.com, Last edit 12/30/2019</a:t>
+            </a:r>
+            <a:endParaRPr lang="en-US" dirty="0"/>
+          </a:p>
+        </p:txBody>
+      </p:sp>
+    </p:spTree>
+    <p:extLst>
+      <p:ext uri="{BB962C8B-B14F-4D97-AF65-F5344CB8AC3E}">
+        <p14:creationId xmlns:p14="http://schemas.microsoft.com/office/powerpoint/2010/main" val="1225705210"/>
+      </p:ext>
+    </p:extLst>
+  </p:cSld>
+  <p:clrMapOvr>
+    <a:masterClrMapping/>
+  </p:clrMapOvr>
+</p:sld>
+</file>
+
+<file path=ppt/slides/slide4.xml><?xml version="1.0" encoding="utf-8"?>
+<p:sld xmlns:a="http://schemas.openxmlformats.org/drawingml/2006/main" xmlns:r="http://schemas.openxmlformats.org/officeDocument/2006/relationships" xmlns:p="http://schemas.openxmlformats.org/presentationml/2006/main">
+  <p:cSld>
+    <p:spTree>
+      <p:nvGrpSpPr>
+        <p:cNvPr id="1" name=""/>
+        <p:cNvGrpSpPr/>
+        <p:nvPr/>
+      </p:nvGrpSpPr>
+      <p:grpSpPr>
+        <a:xfrm>
+          <a:off x="0" y="0"/>
+          <a:ext cx="0" cy="0"/>
+          <a:chOff x="0" y="0"/>
+          <a:chExt cx="0" cy="0"/>
+        </a:xfrm>
+      </p:grpSpPr>
+      <p:sp>
+        <p:nvSpPr>
+          <p:cNvPr id="3" name="Content Placeholder 2"/>
+          <p:cNvSpPr>
+            <a:spLocks noGrp="1"/>
+          </p:cNvSpPr>
+          <p:nvPr>
+            <p:ph idx="1"/>
+          </p:nvPr>
+        </p:nvSpPr>
+        <p:spPr/>
+        <p:txBody>
+          <a:bodyPr>
+            <a:normAutofit fontScale="92500" lnSpcReduction="20000"/>
+          </a:bodyPr>
+          <a:lstStyle/>
+          <a:p>
+            <a:r>
+              <a:rPr lang="en-US" dirty="0"/>
+              <a:t>There are 2 common Gyro issues – </a:t>
+            </a:r>
+            <a:r>
+              <a:rPr lang="en-US" dirty="0">
+                <a:solidFill>
+                  <a:srgbClr val="FF0000"/>
+                </a:solidFill>
+              </a:rPr>
+              <a:t>drift and lag</a:t>
+            </a:r>
+          </a:p>
+          <a:p>
+            <a:pPr lvl="1"/>
+            <a:r>
+              <a:rPr lang="en-US" dirty="0"/>
+              <a:t>Drift – readings keep changing even when the robot is still</a:t>
+            </a:r>
+          </a:p>
+          <a:p>
+            <a:pPr lvl="1"/>
+            <a:r>
+              <a:rPr lang="en-US" dirty="0"/>
+              <a:t>Lag – readings are delayed</a:t>
+            </a:r>
+          </a:p>
+          <a:p>
+            <a:r>
+              <a:rPr lang="en-US" dirty="0"/>
+              <a:t>In this lesson, we focus on the first problem: drift. </a:t>
+            </a:r>
+          </a:p>
+          <a:p>
+            <a:pPr lvl="1"/>
+            <a:r>
+              <a:rPr lang="en-US" dirty="0"/>
+              <a:t>We will cover lag in the Gyro Turn lesson</a:t>
+            </a:r>
+          </a:p>
+          <a:p>
+            <a:r>
+              <a:rPr lang="en-US" dirty="0"/>
+              <a:t>Solution to drift: gyro calibration</a:t>
+            </a:r>
+          </a:p>
+          <a:p>
+            <a:pPr lvl="1"/>
+            <a:r>
+              <a:rPr lang="en-US" dirty="0"/>
+              <a:t>The source of the drift problem is that the gyro must “learn” what is still.</a:t>
+            </a:r>
+          </a:p>
+          <a:p>
+            <a:pPr lvl="1"/>
+            <a:r>
+              <a:rPr lang="en-US" dirty="0"/>
+              <a:t>For a color sensor, you have to “teach” the robot what is black and white</a:t>
+            </a:r>
+          </a:p>
+          <a:p>
+            <a:pPr lvl="1"/>
+            <a:r>
+              <a:rPr lang="en-US" dirty="0"/>
+              <a:t>For your gyro, you need to calibrate the sensor to understand what is “still”</a:t>
+            </a:r>
+          </a:p>
+          <a:p>
+            <a:endParaRPr lang="en-US" dirty="0"/>
+          </a:p>
+        </p:txBody>
+      </p:sp>
+      <p:sp>
+        <p:nvSpPr>
+          <p:cNvPr id="2" name="Title 1"/>
+          <p:cNvSpPr>
+            <a:spLocks noGrp="1"/>
+          </p:cNvSpPr>
+          <p:nvPr>
+            <p:ph type="title"/>
+          </p:nvPr>
+        </p:nvSpPr>
+        <p:spPr/>
+        <p:txBody>
+          <a:bodyPr/>
+          <a:lstStyle/>
+          <a:p>
+            <a:r>
+              <a:rPr lang="en-US"/>
+              <a:t>Gyro Sensor Problems</a:t>
+            </a:r>
+            <a:endParaRPr lang="en-US" dirty="0"/>
+          </a:p>
+        </p:txBody>
+      </p:sp>
+      <p:sp>
+        <p:nvSpPr>
+          <p:cNvPr id="7" name="Footer Placeholder 3">
+            <a:extLst>
+              <a:ext uri="{FF2B5EF4-FFF2-40B4-BE49-F238E27FC236}">
+                <a16:creationId xmlns:a16="http://schemas.microsoft.com/office/drawing/2014/main" id="{5BA84F40-CE52-4A46-B449-C8F39D102FAF}"/>
+              </a:ext>
+            </a:extLst>
+          </p:cNvPr>
+          <p:cNvSpPr>
+            <a:spLocks noGrp="1"/>
+          </p:cNvSpPr>
+          <p:nvPr>
+            <p:ph type="ftr" sz="quarter" idx="11"/>
+          </p:nvPr>
+        </p:nvSpPr>
+        <p:spPr>
+          <a:xfrm>
+            <a:off x="199698" y="6437032"/>
+            <a:ext cx="6124902" cy="365125"/>
+          </a:xfrm>
+        </p:spPr>
+        <p:txBody>
+          <a:bodyPr/>
+          <a:lstStyle/>
+          <a:p>
+            <a:r>
+              <a:rPr lang="en-US"/>
+              <a:t>© 2020 EV3Lessons.com, Last edit 12/30/2019</a:t>
+            </a:r>
+            <a:endParaRPr lang="en-US" dirty="0"/>
+          </a:p>
+        </p:txBody>
+      </p:sp>
+    </p:spTree>
+    <p:extLst>
+      <p:ext uri="{BB962C8B-B14F-4D97-AF65-F5344CB8AC3E}">
+        <p14:creationId xmlns:p14="http://schemas.microsoft.com/office/powerpoint/2010/main" val="1243262676"/>
+      </p:ext>
+    </p:extLst>
+  </p:cSld>
+  <p:clrMapOvr>
+    <a:masterClrMapping/>
+  </p:clrMapOvr>
+</p:sld>
+</file>
+
+<file path=ppt/slides/slide5.xml><?xml version="1.0" encoding="utf-8"?>
+<p:sld xmlns:a="http://schemas.openxmlformats.org/drawingml/2006/main" xmlns:r="http://schemas.openxmlformats.org/officeDocument/2006/relationships" xmlns:p="http://schemas.openxmlformats.org/presentationml/2006/main">
+  <p:cSld>
+    <p:spTree>
+      <p:nvGrpSpPr>
+        <p:cNvPr id="1" name=""/>
+        <p:cNvGrpSpPr/>
+        <p:nvPr/>
+      </p:nvGrpSpPr>
+      <p:grpSpPr>
+        <a:xfrm>
+          <a:off x="0" y="0"/>
+          <a:ext cx="0" cy="0"/>
+          <a:chOff x="0" y="0"/>
+          <a:chExt cx="0" cy="0"/>
+        </a:xfrm>
+      </p:grpSpPr>
+      <p:sp>
+        <p:nvSpPr>
+          <p:cNvPr id="3" name="Content Placeholder 2"/>
+          <p:cNvSpPr>
+            <a:spLocks noGrp="1"/>
+          </p:cNvSpPr>
+          <p:nvPr>
+            <p:ph idx="1"/>
+          </p:nvPr>
+        </p:nvSpPr>
+        <p:spPr>
+          <a:xfrm>
+            <a:off x="284163" y="1837486"/>
+            <a:ext cx="8245474" cy="4373563"/>
+          </a:xfrm>
+        </p:spPr>
+        <p:txBody>
+          <a:bodyPr>
+            <a:normAutofit/>
+          </a:bodyPr>
+          <a:lstStyle/>
+          <a:p>
+            <a:pPr marL="342900" indent="-342900">
+              <a:buFont typeface="Arial"/>
+              <a:buChar char="•"/>
+            </a:pPr>
+            <a:r>
+              <a:rPr lang="en-US" sz="2800" dirty="0"/>
+              <a:t>The gyro auto-calibrates when the robot is turned on or the gyro wire is connected. If the robot is moving during calibration, the gyro “learns” the wrong value for “still” – this causes drift!</a:t>
+            </a:r>
+          </a:p>
+          <a:p>
+            <a:pPr marL="342900" indent="-342900">
+              <a:buFont typeface="Arial"/>
+              <a:buChar char="•"/>
+            </a:pPr>
+            <a:r>
+              <a:rPr lang="en-US" sz="2800" dirty="0"/>
+              <a:t>Unfortunately, there is no gyro calibration block. However, there is a way to force a calibration of the sensor.</a:t>
+            </a:r>
+          </a:p>
+        </p:txBody>
+      </p:sp>
+      <p:sp>
+        <p:nvSpPr>
+          <p:cNvPr id="2" name="Title 1"/>
+          <p:cNvSpPr>
+            <a:spLocks noGrp="1"/>
+          </p:cNvSpPr>
+          <p:nvPr>
+            <p:ph type="title"/>
+          </p:nvPr>
+        </p:nvSpPr>
+        <p:spPr/>
+        <p:txBody>
+          <a:bodyPr>
+            <a:normAutofit/>
+          </a:bodyPr>
+          <a:lstStyle/>
+          <a:p>
+            <a:r>
+              <a:rPr lang="en-US" dirty="0"/>
+              <a:t>Gyro Calibration to Solve Drift</a:t>
+            </a:r>
+          </a:p>
+        </p:txBody>
+      </p:sp>
+      <p:sp>
+        <p:nvSpPr>
+          <p:cNvPr id="7" name="Footer Placeholder 3">
+            <a:extLst>
+              <a:ext uri="{FF2B5EF4-FFF2-40B4-BE49-F238E27FC236}">
+                <a16:creationId xmlns:a16="http://schemas.microsoft.com/office/drawing/2014/main" id="{06B9262F-C17D-3642-B945-9C94FFE240F9}"/>
+              </a:ext>
+            </a:extLst>
+          </p:cNvPr>
+          <p:cNvSpPr>
+            <a:spLocks noGrp="1"/>
+          </p:cNvSpPr>
+          <p:nvPr>
+            <p:ph type="ftr" sz="quarter" idx="11"/>
+          </p:nvPr>
+        </p:nvSpPr>
+        <p:spPr>
+          <a:xfrm>
+            <a:off x="199698" y="6437032"/>
+            <a:ext cx="6124902" cy="365125"/>
+          </a:xfrm>
+        </p:spPr>
+        <p:txBody>
+          <a:bodyPr/>
+          <a:lstStyle/>
+          <a:p>
+            <a:r>
+              <a:rPr lang="en-US"/>
+              <a:t>© 2020 EV3Lessons.com, Last edit 12/30/2019</a:t>
+            </a:r>
+            <a:endParaRPr lang="en-US" dirty="0"/>
+          </a:p>
+        </p:txBody>
+      </p:sp>
+    </p:spTree>
+    <p:extLst>
+      <p:ext uri="{BB962C8B-B14F-4D97-AF65-F5344CB8AC3E}">
+        <p14:creationId xmlns:p14="http://schemas.microsoft.com/office/powerpoint/2010/main" val="2886223213"/>
+      </p:ext>
+    </p:extLst>
+  </p:cSld>
+  <p:clrMapOvr>
+    <a:masterClrMapping/>
+  </p:clrMapOvr>
+</p:sld>
+</file>
+
+<file path=ppt/slides/slide6.xml><?xml version="1.0" encoding="utf-8"?>
+<p:sld xmlns:a="http://schemas.openxmlformats.org/drawingml/2006/main" xmlns:r="http://schemas.openxmlformats.org/officeDocument/2006/relationships" xmlns:p="http://schemas.openxmlformats.org/presentationml/2006/main">
+  <p:cSld>
+    <p:spTree>
+      <p:nvGrpSpPr>
+        <p:cNvPr id="1" name=""/>
+        <p:cNvGrpSpPr/>
+        <p:nvPr/>
+      </p:nvGrpSpPr>
+      <p:grpSpPr>
+        <a:xfrm>
+          <a:off x="0" y="0"/>
+          <a:ext cx="0" cy="0"/>
+          <a:chOff x="0" y="0"/>
+          <a:chExt cx="0" cy="0"/>
+        </a:xfrm>
+      </p:grpSpPr>
+      <p:sp>
+        <p:nvSpPr>
+          <p:cNvPr id="2" name="Content Placeholder 1"/>
+          <p:cNvSpPr>
+            <a:spLocks noGrp="1"/>
+          </p:cNvSpPr>
+          <p:nvPr>
+            <p:ph idx="1"/>
+          </p:nvPr>
+        </p:nvSpPr>
+        <p:spPr/>
+        <p:txBody>
+          <a:bodyPr>
+            <a:normAutofit/>
+          </a:bodyPr>
+          <a:lstStyle/>
+          <a:p>
+            <a:r>
+              <a:rPr lang="en-US" dirty="0">
+                <a:solidFill>
+                  <a:srgbClr val="FF0000"/>
+                </a:solidFill>
+              </a:rPr>
+              <a:t>Reset: </a:t>
+            </a:r>
+            <a:r>
+              <a:rPr lang="en-US" dirty="0"/>
+              <a:t>Current value of the gyro sensor angle is set to “0”. This is what the gyro block with mode set to “reset” does.</a:t>
+            </a:r>
+          </a:p>
+          <a:p>
+            <a:r>
+              <a:rPr lang="en-US" dirty="0">
+                <a:solidFill>
+                  <a:srgbClr val="FF0000"/>
+                </a:solidFill>
+              </a:rPr>
+              <a:t>Calibration: </a:t>
+            </a:r>
+            <a:r>
+              <a:rPr lang="en-US" dirty="0"/>
+              <a:t>The gyro calibrates what it considers to be “still”. This sets both the current gyro sensor rate and angle to “0”. This typically occurs when the gyro is connected. </a:t>
+            </a:r>
+          </a:p>
+          <a:p>
+            <a:r>
+              <a:rPr lang="en-US" dirty="0"/>
+              <a:t>Some people refer to calibration as a “hard reset”. We will call this calibrate through this lesson to reduce the amount of confusion. </a:t>
+            </a:r>
+          </a:p>
+        </p:txBody>
+      </p:sp>
+      <p:sp>
+        <p:nvSpPr>
+          <p:cNvPr id="3" name="Footer Placeholder 2"/>
+          <p:cNvSpPr>
+            <a:spLocks noGrp="1"/>
+          </p:cNvSpPr>
+          <p:nvPr>
+            <p:ph type="ftr" sz="quarter" idx="11"/>
+          </p:nvPr>
+        </p:nvSpPr>
+        <p:spPr/>
+        <p:txBody>
+          <a:bodyPr/>
+          <a:lstStyle/>
+          <a:p>
+            <a:r>
+              <a:rPr lang="en-US"/>
+              <a:t>© 2020 EV3Lessons.com, Last edit 12/30/2019</a:t>
+            </a:r>
+          </a:p>
+        </p:txBody>
+      </p:sp>
+      <p:sp>
+        <p:nvSpPr>
+          <p:cNvPr id="5" name="Title 4"/>
+          <p:cNvSpPr>
+            <a:spLocks noGrp="1"/>
+          </p:cNvSpPr>
+          <p:nvPr>
+            <p:ph type="title"/>
+          </p:nvPr>
+        </p:nvSpPr>
+        <p:spPr/>
+        <p:txBody>
+          <a:bodyPr/>
+          <a:lstStyle/>
+          <a:p>
+            <a:r>
+              <a:rPr lang="en-US" dirty="0"/>
+              <a:t>Terms to Know</a:t>
+            </a:r>
+          </a:p>
+        </p:txBody>
+      </p:sp>
+    </p:spTree>
+    <p:extLst>
+      <p:ext uri="{BB962C8B-B14F-4D97-AF65-F5344CB8AC3E}">
+        <p14:creationId xmlns:p14="http://schemas.microsoft.com/office/powerpoint/2010/main" val="228624833"/>
+      </p:ext>
+    </p:extLst>
+  </p:cSld>
+  <p:clrMapOvr>
+    <a:masterClrMapping/>
+  </p:clrMapOvr>
+</p:sld>
+</file>
+
+<file path=ppt/slides/slide7.xml><?xml version="1.0" encoding="utf-8"?>
+<p:sld xmlns:a="http://schemas.openxmlformats.org/drawingml/2006/main" xmlns:r="http://schemas.openxmlformats.org/officeDocument/2006/relationships" xmlns:p="http://schemas.openxmlformats.org/presentationml/2006/main">
+  <p:cSld>
+    <p:spTree>
+      <p:nvGrpSpPr>
+        <p:cNvPr id="1" name=""/>
+        <p:cNvGrpSpPr/>
+        <p:nvPr/>
+      </p:nvGrpSpPr>
+      <p:grpSpPr>
+        <a:xfrm>
+          <a:off x="0" y="0"/>
+          <a:ext cx="0" cy="0"/>
+          <a:chOff x="0" y="0"/>
+          <a:chExt cx="0" cy="0"/>
+        </a:xfrm>
+      </p:grpSpPr>
+      <p:sp>
+        <p:nvSpPr>
+          <p:cNvPr id="2" name="Content Placeholder 1">
+            <a:extLst>
+              <a:ext uri="{FF2B5EF4-FFF2-40B4-BE49-F238E27FC236}">
+                <a16:creationId xmlns:a16="http://schemas.microsoft.com/office/drawing/2014/main" id="{978CC891-3DDE-0D4C-A8A4-16B3C5A810EE}"/>
+              </a:ext>
+            </a:extLst>
+          </p:cNvPr>
+          <p:cNvSpPr>
+            <a:spLocks noGrp="1"/>
+          </p:cNvSpPr>
+          <p:nvPr>
+            <p:ph idx="1"/>
+          </p:nvPr>
+        </p:nvSpPr>
+        <p:spPr/>
+        <p:txBody>
+          <a:bodyPr>
+            <a:normAutofit/>
+          </a:bodyPr>
+          <a:lstStyle/>
+          <a:p>
+            <a:r>
+              <a:rPr lang="en-US" dirty="0"/>
+              <a:t>We discovered that there were two different generations of gyro sensors. Sensors made on of before 2013 and sensors made after that.</a:t>
+            </a:r>
+          </a:p>
+          <a:p>
+            <a:r>
+              <a:rPr lang="en-US" dirty="0"/>
+              <a:t>We did extensive testing on both types of sensors with the help of the extended MINDSTORMS community and discovered that there was a hardware change between 2013 and 2014.</a:t>
+            </a:r>
+          </a:p>
+          <a:p>
+            <a:r>
+              <a:rPr lang="en-US" dirty="0"/>
+              <a:t>As a result, the commonly seen gyro sensor calibration techniques out there </a:t>
+            </a:r>
+            <a:r>
+              <a:rPr lang="en-US" dirty="0">
+                <a:solidFill>
+                  <a:srgbClr val="FF0000"/>
+                </a:solidFill>
+              </a:rPr>
+              <a:t>do not work </a:t>
+            </a:r>
+            <a:r>
+              <a:rPr lang="en-US" dirty="0"/>
+              <a:t>on all gyro sensors. Be careful using code you may find online as it may no longer work on newer gyro sensor</a:t>
+            </a:r>
+          </a:p>
+        </p:txBody>
+      </p:sp>
+      <p:sp>
+        <p:nvSpPr>
+          <p:cNvPr id="3" name="Footer Placeholder 2">
+            <a:extLst>
+              <a:ext uri="{FF2B5EF4-FFF2-40B4-BE49-F238E27FC236}">
+                <a16:creationId xmlns:a16="http://schemas.microsoft.com/office/drawing/2014/main" id="{33B2AF2C-D1AF-664B-8923-180E57D1A2F8}"/>
+              </a:ext>
+            </a:extLst>
+          </p:cNvPr>
+          <p:cNvSpPr>
+            <a:spLocks noGrp="1"/>
+          </p:cNvSpPr>
+          <p:nvPr>
+            <p:ph type="ftr" sz="quarter" idx="11"/>
+          </p:nvPr>
+        </p:nvSpPr>
+        <p:spPr/>
+        <p:txBody>
+          <a:bodyPr/>
+          <a:lstStyle/>
+          <a:p>
+            <a:r>
+              <a:rPr lang="en-US"/>
+              <a:t>© 2020 EV3Lessons.com, Last edit 12/30/2019</a:t>
+            </a:r>
+          </a:p>
+        </p:txBody>
+      </p:sp>
+      <p:sp>
+        <p:nvSpPr>
+          <p:cNvPr id="5" name="Title 4">
+            <a:extLst>
+              <a:ext uri="{FF2B5EF4-FFF2-40B4-BE49-F238E27FC236}">
+                <a16:creationId xmlns:a16="http://schemas.microsoft.com/office/drawing/2014/main" id="{D624F6C3-C67A-CF4D-B64C-C609DF4223A9}"/>
+              </a:ext>
+            </a:extLst>
+          </p:cNvPr>
+          <p:cNvSpPr>
+            <a:spLocks noGrp="1"/>
+          </p:cNvSpPr>
+          <p:nvPr>
+            <p:ph type="title"/>
+          </p:nvPr>
+        </p:nvSpPr>
+        <p:spPr/>
+        <p:txBody>
+          <a:bodyPr/>
+          <a:lstStyle/>
+          <a:p>
+            <a:r>
+              <a:rPr lang="en-US" dirty="0"/>
+              <a:t>Different Generations of Gyro Sensors</a:t>
+            </a:r>
+          </a:p>
+        </p:txBody>
+      </p:sp>
+    </p:spTree>
+    <p:extLst>
+      <p:ext uri="{BB962C8B-B14F-4D97-AF65-F5344CB8AC3E}">
+        <p14:creationId xmlns:p14="http://schemas.microsoft.com/office/powerpoint/2010/main" val="2363200478"/>
+      </p:ext>
+    </p:extLst>
+  </p:cSld>
+  <p:clrMapOvr>
+    <a:masterClrMapping/>
+  </p:clrMapOvr>
+</p:sld>
+</file>
+
+<file path=ppt/slides/slide8.xml><?xml version="1.0" encoding="utf-8"?>
+<p:sld xmlns:a="http://schemas.openxmlformats.org/drawingml/2006/main" xmlns:r="http://schemas.openxmlformats.org/officeDocument/2006/relationships" xmlns:p="http://schemas.openxmlformats.org/presentationml/2006/main">
+  <p:cSld>
+    <p:spTree>
+      <p:nvGrpSpPr>
+        <p:cNvPr id="1" name=""/>
+        <p:cNvGrpSpPr/>
+        <p:nvPr/>
+      </p:nvGrpSpPr>
+      <p:grpSpPr>
+        <a:xfrm>
+          <a:off x="0" y="0"/>
+          <a:ext cx="0" cy="0"/>
+          <a:chOff x="0" y="0"/>
+          <a:chExt cx="0" cy="0"/>
+        </a:xfrm>
+      </p:grpSpPr>
+      <p:sp>
+        <p:nvSpPr>
+          <p:cNvPr id="2" name="Title 1"/>
+          <p:cNvSpPr>
+            <a:spLocks noGrp="1"/>
+          </p:cNvSpPr>
+          <p:nvPr>
+            <p:ph type="title"/>
+          </p:nvPr>
+        </p:nvSpPr>
+        <p:spPr/>
+        <p:txBody>
+          <a:bodyPr>
+            <a:normAutofit/>
+          </a:bodyPr>
+          <a:lstStyle/>
+          <a:p>
+            <a:r>
+              <a:rPr lang="en-US" dirty="0"/>
+              <a:t>Only Known ways to Calibrate the Gyro</a:t>
+            </a:r>
+          </a:p>
+        </p:txBody>
+      </p:sp>
+      <p:sp>
+        <p:nvSpPr>
+          <p:cNvPr id="3" name="Text Placeholder 2"/>
+          <p:cNvSpPr>
+            <a:spLocks noGrp="1"/>
+          </p:cNvSpPr>
+          <p:nvPr>
+            <p:ph type="body" idx="1"/>
+          </p:nvPr>
+        </p:nvSpPr>
+        <p:spPr>
+          <a:xfrm>
+            <a:off x="403412" y="1277947"/>
+            <a:ext cx="3931920" cy="833250"/>
+          </a:xfrm>
+        </p:spPr>
+        <p:txBody>
+          <a:bodyPr/>
+          <a:lstStyle/>
+          <a:p>
+            <a:r>
+              <a:rPr lang="en-US" dirty="0"/>
+              <a:t>Hardware Solution</a:t>
+            </a:r>
+          </a:p>
+        </p:txBody>
+      </p:sp>
+      <p:sp>
+        <p:nvSpPr>
+          <p:cNvPr id="4" name="Content Placeholder 3"/>
+          <p:cNvSpPr>
+            <a:spLocks noGrp="1"/>
+          </p:cNvSpPr>
+          <p:nvPr>
+            <p:ph sz="half" idx="2"/>
+          </p:nvPr>
+        </p:nvSpPr>
+        <p:spPr>
+          <a:xfrm>
+            <a:off x="403412" y="2133609"/>
+            <a:ext cx="3931920" cy="2880852"/>
+          </a:xfrm>
+        </p:spPr>
+        <p:txBody>
+          <a:bodyPr>
+            <a:normAutofit lnSpcReduction="10000"/>
+          </a:bodyPr>
+          <a:lstStyle/>
+          <a:p>
+            <a:r>
+              <a:rPr lang="en-US" dirty="0"/>
+              <a:t>Unplug and re-plug your gyro sensor while making sure your robot is still</a:t>
+            </a:r>
+          </a:p>
+          <a:p>
+            <a:r>
+              <a:rPr lang="en-US" dirty="0">
+                <a:solidFill>
+                  <a:srgbClr val="FF0000"/>
+                </a:solidFill>
+              </a:rPr>
+              <a:t>But, this technique requires access to the EV3 ports and is prone to failure since you may shake the robot as you re-plug the wire.</a:t>
+            </a:r>
+          </a:p>
+        </p:txBody>
+      </p:sp>
+      <p:sp>
+        <p:nvSpPr>
+          <p:cNvPr id="5" name="Text Placeholder 4"/>
+          <p:cNvSpPr>
+            <a:spLocks noGrp="1"/>
+          </p:cNvSpPr>
+          <p:nvPr>
+            <p:ph type="body" sz="quarter" idx="3"/>
+          </p:nvPr>
+        </p:nvSpPr>
+        <p:spPr>
+          <a:xfrm>
+            <a:off x="4779495" y="1277947"/>
+            <a:ext cx="3931920" cy="833250"/>
+          </a:xfrm>
+        </p:spPr>
+        <p:txBody>
+          <a:bodyPr/>
+          <a:lstStyle/>
+          <a:p>
+            <a:r>
+              <a:rPr lang="en-US" dirty="0">
+                <a:solidFill>
+                  <a:schemeClr val="accent1"/>
+                </a:solidFill>
+              </a:rPr>
+              <a:t>Software Solution</a:t>
+            </a:r>
+          </a:p>
+        </p:txBody>
+      </p:sp>
+      <p:sp>
+        <p:nvSpPr>
+          <p:cNvPr id="6" name="Content Placeholder 5"/>
+          <p:cNvSpPr>
+            <a:spLocks noGrp="1"/>
+          </p:cNvSpPr>
+          <p:nvPr>
+            <p:ph sz="quarter" idx="4"/>
+          </p:nvPr>
+        </p:nvSpPr>
+        <p:spPr>
+          <a:xfrm>
+            <a:off x="4779495" y="2133608"/>
+            <a:ext cx="3931920" cy="4183380"/>
+          </a:xfrm>
+        </p:spPr>
+        <p:txBody>
+          <a:bodyPr>
+            <a:normAutofit/>
+          </a:bodyPr>
+          <a:lstStyle/>
+          <a:p>
+            <a:r>
+              <a:rPr lang="en-US" dirty="0"/>
+              <a:t>If you read the port the gyro is connected to as an infrared sensor and then read it again as a gyro sensor, it seems to force a recalibration of the gyro. </a:t>
+            </a:r>
+          </a:p>
+          <a:p>
+            <a:r>
+              <a:rPr lang="en-US" dirty="0"/>
+              <a:t>This solution works reliably on any generation of sensor.</a:t>
+            </a:r>
+          </a:p>
+          <a:p>
+            <a:pPr marL="0" indent="0">
+              <a:buNone/>
+            </a:pPr>
+            <a:br>
+              <a:rPr lang="en-US" dirty="0"/>
+            </a:br>
+            <a:endParaRPr lang="en-US" dirty="0"/>
+          </a:p>
+        </p:txBody>
+      </p:sp>
+      <p:sp>
+        <p:nvSpPr>
+          <p:cNvPr id="7" name="Footer Placeholder 6"/>
+          <p:cNvSpPr>
+            <a:spLocks noGrp="1"/>
+          </p:cNvSpPr>
+          <p:nvPr>
+            <p:ph type="ftr" sz="quarter" idx="11"/>
+          </p:nvPr>
+        </p:nvSpPr>
+        <p:spPr/>
+        <p:txBody>
+          <a:bodyPr/>
+          <a:lstStyle/>
+          <a:p>
+            <a:r>
+              <a:rPr lang="en-US"/>
+              <a:t>© 2020 EV3Lessons.com, Last edit 12/30/2019</a:t>
+            </a:r>
+            <a:endParaRPr lang="en-US" dirty="0"/>
+          </a:p>
+        </p:txBody>
+      </p:sp>
+      <p:sp>
+        <p:nvSpPr>
+          <p:cNvPr id="10" name="TextBox 9">
+            <a:extLst>
+              <a:ext uri="{FF2B5EF4-FFF2-40B4-BE49-F238E27FC236}">
+                <a16:creationId xmlns:a16="http://schemas.microsoft.com/office/drawing/2014/main" id="{5E7E2C85-2847-7F41-8D32-85EB2B95E6A0}"/>
+              </a:ext>
+            </a:extLst>
+          </p:cNvPr>
+          <p:cNvSpPr txBox="1"/>
+          <p:nvPr/>
+        </p:nvSpPr>
+        <p:spPr>
+          <a:xfrm>
+            <a:off x="5197642" y="5553777"/>
+            <a:ext cx="3513773" cy="646331"/>
+          </a:xfrm>
+          <a:prstGeom prst="rect">
+            <a:avLst/>
+          </a:prstGeom>
+          <a:solidFill>
+            <a:schemeClr val="bg1">
+              <a:lumMod val="95000"/>
+            </a:schemeClr>
+          </a:solidFill>
+        </p:spPr>
+        <p:txBody>
+          <a:bodyPr wrap="square" rtlCol="0">
+            <a:spAutoFit/>
+          </a:bodyPr>
+          <a:lstStyle/>
+          <a:p>
+            <a:pPr algn="ctr"/>
+            <a:r>
+              <a:rPr lang="en-US" dirty="0"/>
+              <a:t>EV3Lessons.com provides Gyro Drift Test code for EV3-G.</a:t>
+            </a:r>
+          </a:p>
+        </p:txBody>
+      </p:sp>
+    </p:spTree>
+    <p:extLst>
+      <p:ext uri="{BB962C8B-B14F-4D97-AF65-F5344CB8AC3E}">
+        <p14:creationId xmlns:p14="http://schemas.microsoft.com/office/powerpoint/2010/main" val="3137745354"/>
+      </p:ext>
+    </p:extLst>
+  </p:cSld>
+  <p:clrMapOvr>
+    <a:masterClrMapping/>
+  </p:clrMapOvr>
+</p:sld>
+</file>
+
+<file path=ppt/slides/slide9.xml><?xml version="1.0" encoding="utf-8"?>
+<p:sld xmlns:a="http://schemas.openxmlformats.org/drawingml/2006/main" xmlns:r="http://schemas.openxmlformats.org/officeDocument/2006/relationships" xmlns:p="http://schemas.openxmlformats.org/presentationml/2006/main">
+  <p:cSld>
+    <p:spTree>
+      <p:nvGrpSpPr>
+        <p:cNvPr id="1" name=""/>
+        <p:cNvGrpSpPr/>
+        <p:nvPr/>
+      </p:nvGrpSpPr>
+      <p:grpSpPr>
+        <a:xfrm>
+          <a:off x="0" y="0"/>
+          <a:ext cx="0" cy="0"/>
+          <a:chOff x="0" y="0"/>
+          <a:chExt cx="0" cy="0"/>
+        </a:xfrm>
+      </p:grpSpPr>
+      <p:sp>
+        <p:nvSpPr>
+          <p:cNvPr id="3" name="Content Placeholder 2"/>
+          <p:cNvSpPr>
+            <a:spLocks noGrp="1"/>
+          </p:cNvSpPr>
+          <p:nvPr>
+            <p:ph idx="1"/>
+          </p:nvPr>
+        </p:nvSpPr>
+        <p:spPr/>
+        <p:txBody>
+          <a:bodyPr>
+            <a:normAutofit/>
+          </a:bodyPr>
+          <a:lstStyle/>
+          <a:p>
+            <a:pPr marL="342900" indent="-342900">
+              <a:buFont typeface="Arial"/>
+              <a:buChar char="•"/>
+            </a:pPr>
+            <a:r>
+              <a:rPr lang="en-US" u="sng" dirty="0">
+                <a:solidFill>
+                  <a:srgbClr val="FF0000"/>
+                </a:solidFill>
+              </a:rPr>
+              <a:t>Keep the robot still </a:t>
+            </a:r>
+            <a:r>
+              <a:rPr lang="en-US" dirty="0"/>
+              <a:t>when you calibrate the gyro</a:t>
+            </a:r>
+          </a:p>
+          <a:p>
+            <a:pPr marL="342900" indent="-342900">
+              <a:buFont typeface="Arial"/>
+              <a:buChar char="•"/>
+            </a:pPr>
+            <a:r>
+              <a:rPr lang="en-US" dirty="0"/>
+              <a:t>You </a:t>
+            </a:r>
+            <a:r>
+              <a:rPr lang="en-US" u="sng" dirty="0">
+                <a:solidFill>
+                  <a:srgbClr val="FF0000"/>
+                </a:solidFill>
+              </a:rPr>
+              <a:t>should not not run this every time </a:t>
+            </a:r>
+            <a:r>
+              <a:rPr lang="en-US" dirty="0"/>
+              <a:t>you need to read the gyro</a:t>
+            </a:r>
+          </a:p>
+          <a:p>
+            <a:pPr marL="342900" indent="-342900">
+              <a:buFont typeface="Arial"/>
+              <a:buChar char="•"/>
+            </a:pPr>
+            <a:r>
+              <a:rPr lang="en-US" dirty="0"/>
+              <a:t>You should </a:t>
+            </a:r>
+            <a:r>
+              <a:rPr lang="en-US" u="sng" dirty="0">
+                <a:solidFill>
+                  <a:srgbClr val="FF0000"/>
+                </a:solidFill>
+              </a:rPr>
+              <a:t>calibrate in a separate program</a:t>
+            </a:r>
+            <a:r>
+              <a:rPr lang="en-US" dirty="0">
+                <a:solidFill>
+                  <a:srgbClr val="FF0000"/>
+                </a:solidFill>
+              </a:rPr>
+              <a:t> </a:t>
+            </a:r>
+            <a:r>
+              <a:rPr lang="en-US" dirty="0"/>
+              <a:t>and run it once before you run your code</a:t>
+            </a:r>
+          </a:p>
+          <a:p>
+            <a:endParaRPr lang="en-US" dirty="0"/>
+          </a:p>
+        </p:txBody>
+      </p:sp>
+      <p:sp>
+        <p:nvSpPr>
+          <p:cNvPr id="2" name="Title 1"/>
+          <p:cNvSpPr>
+            <a:spLocks noGrp="1"/>
+          </p:cNvSpPr>
+          <p:nvPr>
+            <p:ph type="title"/>
+          </p:nvPr>
+        </p:nvSpPr>
+        <p:spPr/>
+        <p:txBody>
+          <a:bodyPr/>
+          <a:lstStyle/>
+          <a:p>
+            <a:r>
+              <a:rPr lang="en-US" dirty="0"/>
+              <a:t>Important Notes for Success</a:t>
+            </a:r>
+          </a:p>
+        </p:txBody>
+      </p:sp>
+      <p:sp>
+        <p:nvSpPr>
+          <p:cNvPr id="7" name="Footer Placeholder 3">
+            <a:extLst>
+              <a:ext uri="{FF2B5EF4-FFF2-40B4-BE49-F238E27FC236}">
+                <a16:creationId xmlns:a16="http://schemas.microsoft.com/office/drawing/2014/main" id="{901DC2BF-4BF0-D74E-AEA1-30040BC97CE6}"/>
+              </a:ext>
+            </a:extLst>
+          </p:cNvPr>
+          <p:cNvSpPr>
+            <a:spLocks noGrp="1"/>
+          </p:cNvSpPr>
+          <p:nvPr>
+            <p:ph type="ftr" sz="quarter" idx="11"/>
+          </p:nvPr>
+        </p:nvSpPr>
+        <p:spPr>
+          <a:xfrm>
+            <a:off x="199698" y="6437032"/>
+            <a:ext cx="6124902" cy="365125"/>
+          </a:xfrm>
+        </p:spPr>
+        <p:txBody>
+          <a:bodyPr/>
+          <a:lstStyle/>
+          <a:p>
+            <a:r>
+              <a:rPr lang="en-US"/>
+              <a:t>© 2020 EV3Lessons.com, Last edit 12/30/2019</a:t>
+            </a:r>
+            <a:endParaRPr lang="en-US" dirty="0"/>
+          </a:p>
+        </p:txBody>
+      </p:sp>
+    </p:spTree>
+    <p:extLst>
+      <p:ext uri="{BB962C8B-B14F-4D97-AF65-F5344CB8AC3E}">
+        <p14:creationId xmlns:p14="http://schemas.microsoft.com/office/powerpoint/2010/main" val="2258236712"/>
       </p:ext>
     </p:extLst>
   </p:cSld>
